--- a/osmdd.pptx
+++ b/osmdd.pptx
@@ -5,7 +5,7 @@
     <p:sldMasterId id="2147483648" r:id="rId1"/>
   </p:sldMasterIdLst>
   <p:notesMasterIdLst>
-    <p:notesMasterId r:id="rId28"/>
+    <p:notesMasterId r:id="rId29"/>
   </p:notesMasterIdLst>
   <p:sldIdLst>
     <p:sldId id="256" r:id="rId2"/>
@@ -24,16 +24,17 @@
     <p:sldId id="269" r:id="rId15"/>
     <p:sldId id="280" r:id="rId16"/>
     <p:sldId id="281" r:id="rId17"/>
-    <p:sldId id="279" r:id="rId18"/>
-    <p:sldId id="270" r:id="rId19"/>
-    <p:sldId id="258" r:id="rId20"/>
-    <p:sldId id="271" r:id="rId21"/>
-    <p:sldId id="273" r:id="rId22"/>
-    <p:sldId id="272" r:id="rId23"/>
-    <p:sldId id="274" r:id="rId24"/>
-    <p:sldId id="275" r:id="rId25"/>
-    <p:sldId id="276" r:id="rId26"/>
-    <p:sldId id="278" r:id="rId27"/>
+    <p:sldId id="283" r:id="rId18"/>
+    <p:sldId id="279" r:id="rId19"/>
+    <p:sldId id="270" r:id="rId20"/>
+    <p:sldId id="258" r:id="rId21"/>
+    <p:sldId id="271" r:id="rId22"/>
+    <p:sldId id="273" r:id="rId23"/>
+    <p:sldId id="272" r:id="rId24"/>
+    <p:sldId id="274" r:id="rId25"/>
+    <p:sldId id="275" r:id="rId26"/>
+    <p:sldId id="276" r:id="rId27"/>
+    <p:sldId id="278" r:id="rId28"/>
   </p:sldIdLst>
   <p:sldSz cx="12192000" cy="6858000"/>
   <p:notesSz cx="6858000" cy="9144000"/>
@@ -222,7 +223,7 @@
           <a:p>
             <a:fld id="{7DE14611-BF59-0641-90D1-41E658908087}" type="datetimeFigureOut">
               <a:rPr lang="en-US" smtClean="0"/>
-              <a:t>7/8/25</a:t>
+              <a:t>9/5/25</a:t>
             </a:fld>
             <a:endParaRPr lang="en-US" dirty="0"/>
           </a:p>
@@ -573,6 +574,90 @@
 </p:notes>
 </file>
 
+<file path=ppt/notesSlides/notesSlide2.xml><?xml version="1.0" encoding="utf-8"?>
+<p:notes xmlns:a="http://schemas.openxmlformats.org/drawingml/2006/main" xmlns:r="http://schemas.openxmlformats.org/officeDocument/2006/relationships" xmlns:p="http://schemas.openxmlformats.org/presentationml/2006/main">
+  <p:cSld>
+    <p:spTree>
+      <p:nvGrpSpPr>
+        <p:cNvPr id="1" name=""/>
+        <p:cNvGrpSpPr/>
+        <p:nvPr/>
+      </p:nvGrpSpPr>
+      <p:grpSpPr>
+        <a:xfrm>
+          <a:off x="0" y="0"/>
+          <a:ext cx="0" cy="0"/>
+          <a:chOff x="0" y="0"/>
+          <a:chExt cx="0" cy="0"/>
+        </a:xfrm>
+      </p:grpSpPr>
+      <p:sp>
+        <p:nvSpPr>
+          <p:cNvPr id="2" name="Slide Image Placeholder 1"/>
+          <p:cNvSpPr>
+            <a:spLocks noGrp="1" noRot="1" noChangeAspect="1"/>
+          </p:cNvSpPr>
+          <p:nvPr>
+            <p:ph type="sldImg"/>
+          </p:nvPr>
+        </p:nvSpPr>
+        <p:spPr/>
+      </p:sp>
+      <p:sp>
+        <p:nvSpPr>
+          <p:cNvPr id="3" name="Notes Placeholder 2"/>
+          <p:cNvSpPr>
+            <a:spLocks noGrp="1"/>
+          </p:cNvSpPr>
+          <p:nvPr>
+            <p:ph type="body" idx="1"/>
+          </p:nvPr>
+        </p:nvSpPr>
+        <p:spPr/>
+        <p:txBody>
+          <a:bodyPr/>
+          <a:lstStyle/>
+          <a:p>
+            <a:endParaRPr lang="en-US" dirty="0"/>
+          </a:p>
+        </p:txBody>
+      </p:sp>
+      <p:sp>
+        <p:nvSpPr>
+          <p:cNvPr id="4" name="Slide Number Placeholder 3"/>
+          <p:cNvSpPr>
+            <a:spLocks noGrp="1"/>
+          </p:cNvSpPr>
+          <p:nvPr>
+            <p:ph type="sldNum" sz="quarter" idx="5"/>
+          </p:nvPr>
+        </p:nvSpPr>
+        <p:spPr/>
+        <p:txBody>
+          <a:bodyPr/>
+          <a:lstStyle/>
+          <a:p>
+            <a:fld id="{4F73DE0D-56D9-E547-8986-B568C4E16E4C}" type="slidenum">
+              <a:rPr lang="en-US" smtClean="0"/>
+              <a:t>17</a:t>
+            </a:fld>
+            <a:endParaRPr lang="en-US" dirty="0"/>
+          </a:p>
+        </p:txBody>
+      </p:sp>
+    </p:spTree>
+    <p:extLst>
+      <p:ext uri="{BB962C8B-B14F-4D97-AF65-F5344CB8AC3E}">
+        <p14:creationId xmlns:p14="http://schemas.microsoft.com/office/powerpoint/2010/main" val="3364426520"/>
+      </p:ext>
+    </p:extLst>
+  </p:cSld>
+  <p:clrMapOvr>
+    <a:masterClrMapping/>
+  </p:clrMapOvr>
+</p:notes>
+</file>
+
 <file path=ppt/slideLayouts/slideLayout1.xml><?xml version="1.0" encoding="utf-8"?>
 <p:sldLayout xmlns:a="http://schemas.openxmlformats.org/drawingml/2006/main" xmlns:r="http://schemas.openxmlformats.org/officeDocument/2006/relationships" xmlns:p="http://schemas.openxmlformats.org/presentationml/2006/main" type="title" preserve="1">
   <p:cSld name="title_slide">
@@ -726,7 +811,7 @@
           <a:p>
             <a:fld id="{6AAE82E6-315D-BA41-ACA3-E92985A89493}" type="datetimeFigureOut">
               <a:rPr lang="en-US" smtClean="0"/>
-              <a:t>7/8/25</a:t>
+              <a:t>9/5/25</a:t>
             </a:fld>
             <a:endParaRPr lang="en-US" dirty="0"/>
           </a:p>
@@ -984,7 +1069,7 @@
           <a:p>
             <a:fld id="{6AAE82E6-315D-BA41-ACA3-E92985A89493}" type="datetimeFigureOut">
               <a:rPr lang="en-US" smtClean="0"/>
-              <a:t>7/8/25</a:t>
+              <a:t>9/5/25</a:t>
             </a:fld>
             <a:endParaRPr lang="en-US" dirty="0"/>
           </a:p>
@@ -1125,7 +1210,7 @@
           <a:p>
             <a:fld id="{6AAE82E6-315D-BA41-ACA3-E92985A89493}" type="datetimeFigureOut">
               <a:rPr lang="en-US" smtClean="0"/>
-              <a:t>7/8/25</a:t>
+              <a:t>9/5/25</a:t>
             </a:fld>
             <a:endParaRPr lang="en-US" dirty="0"/>
           </a:p>
@@ -1349,7 +1434,7 @@
           <a:p>
             <a:fld id="{6AAE82E6-315D-BA41-ACA3-E92985A89493}" type="datetimeFigureOut">
               <a:rPr lang="en-US" smtClean="0"/>
-              <a:t>7/8/25</a:t>
+              <a:t>9/5/25</a:t>
             </a:fld>
             <a:endParaRPr lang="en-US" dirty="0"/>
           </a:p>
@@ -1624,7 +1709,7 @@
           <a:p>
             <a:fld id="{6AAE82E6-315D-BA41-ACA3-E92985A89493}" type="datetimeFigureOut">
               <a:rPr lang="en-US" smtClean="0"/>
-              <a:t>7/8/25</a:t>
+              <a:t>9/5/25</a:t>
             </a:fld>
             <a:endParaRPr lang="en-US" dirty="0"/>
           </a:p>
@@ -1961,7 +2046,7 @@
           <a:p>
             <a:fld id="{6AAE82E6-315D-BA41-ACA3-E92985A89493}" type="datetimeFigureOut">
               <a:rPr lang="en-US" smtClean="0"/>
-              <a:t>7/8/25</a:t>
+              <a:t>9/5/25</a:t>
             </a:fld>
             <a:endParaRPr lang="en-US" dirty="0"/>
           </a:p>
@@ -2340,7 +2425,7 @@
           <a:p>
             <a:fld id="{6AAE82E6-315D-BA41-ACA3-E92985A89493}" type="datetimeFigureOut">
               <a:rPr lang="en-US" smtClean="0"/>
-              <a:t>7/8/25</a:t>
+              <a:t>9/5/25</a:t>
             </a:fld>
             <a:endParaRPr lang="en-US" dirty="0"/>
           </a:p>
@@ -2824,7 +2909,7 @@
           <a:p>
             <a:fld id="{6AAE82E6-315D-BA41-ACA3-E92985A89493}" type="datetimeFigureOut">
               <a:rPr lang="en-US" smtClean="0"/>
-              <a:t>7/8/25</a:t>
+              <a:t>9/5/25</a:t>
             </a:fld>
             <a:endParaRPr lang="en-US" dirty="0"/>
           </a:p>
@@ -3308,7 +3393,7 @@
           <a:p>
             <a:fld id="{6AAE82E6-315D-BA41-ACA3-E92985A89493}" type="datetimeFigureOut">
               <a:rPr lang="en-US" smtClean="0"/>
-              <a:t>7/8/25</a:t>
+              <a:t>9/5/25</a:t>
             </a:fld>
             <a:endParaRPr lang="en-US" dirty="0"/>
           </a:p>
@@ -3673,7 +3758,7 @@
           <a:p>
             <a:fld id="{6AAE82E6-315D-BA41-ACA3-E92985A89493}" type="datetimeFigureOut">
               <a:rPr lang="en-US" smtClean="0"/>
-              <a:t>7/8/25</a:t>
+              <a:t>9/5/25</a:t>
             </a:fld>
             <a:endParaRPr lang="en-US" dirty="0"/>
           </a:p>
@@ -10569,6 +10654,323 @@
           <p:cNvPr id="2" name="Title 1">
             <a:extLst>
               <a:ext uri="{FF2B5EF4-FFF2-40B4-BE49-F238E27FC236}">
+                <a16:creationId xmlns:a16="http://schemas.microsoft.com/office/drawing/2014/main" id="{EF9DBCE5-B1E7-AA73-F8ED-6841259B812B}"/>
+              </a:ext>
+            </a:extLst>
+          </p:cNvPr>
+          <p:cNvSpPr>
+            <a:spLocks noGrp="1"/>
+          </p:cNvSpPr>
+          <p:nvPr>
+            <p:ph type="title"/>
+          </p:nvPr>
+        </p:nvSpPr>
+        <p:spPr/>
+        <p:txBody>
+          <a:bodyPr>
+            <a:normAutofit fontScale="90000"/>
+          </a:bodyPr>
+          <a:lstStyle/>
+          <a:p>
+            <a:r>
+              <a:rPr lang="en-US" dirty="0"/>
+              <a:t>Simulating with rxode2</a:t>
+            </a:r>
+          </a:p>
+        </p:txBody>
+      </p:sp>
+      <p:sp>
+        <p:nvSpPr>
+          <p:cNvPr id="3" name="Content Placeholder 2">
+            <a:extLst>
+              <a:ext uri="{FF2B5EF4-FFF2-40B4-BE49-F238E27FC236}">
+                <a16:creationId xmlns:a16="http://schemas.microsoft.com/office/drawing/2014/main" id="{8C410CA5-CDFA-5BC1-19B8-835A2B2F2D0B}"/>
+              </a:ext>
+            </a:extLst>
+          </p:cNvPr>
+          <p:cNvSpPr>
+            <a:spLocks noGrp="1"/>
+          </p:cNvSpPr>
+          <p:nvPr>
+            <p:ph idx="1"/>
+          </p:nvPr>
+        </p:nvSpPr>
+        <p:spPr>
+          <a:xfrm>
+            <a:off x="838200" y="1414914"/>
+            <a:ext cx="10515600" cy="5250045"/>
+          </a:xfrm>
+        </p:spPr>
+        <p:txBody>
+          <a:bodyPr>
+            <a:normAutofit/>
+          </a:bodyPr>
+          <a:lstStyle/>
+          <a:p>
+            <a:r>
+              <a:rPr lang="en-US" dirty="0"/>
+              <a:t>Like NONMEM: The </a:t>
+            </a:r>
+            <a:r>
+              <a:rPr lang="en-US" b="1" dirty="0">
+                <a:solidFill>
+                  <a:schemeClr val="accent2"/>
+                </a:solidFill>
+                <a:latin typeface="Courier New" panose="02070309020205020404" pitchFamily="49" charset="0"/>
+                <a:cs typeface="Courier New" panose="02070309020205020404" pitchFamily="49" charset="0"/>
+              </a:rPr>
+              <a:t>events</a:t>
+            </a:r>
+            <a:r>
+              <a:rPr lang="en-US" dirty="0"/>
+              <a:t> table can have dosing events, subject level parameters, and covariates (time-varying and non-time-varying)</a:t>
+            </a:r>
+          </a:p>
+          <a:p>
+            <a:endParaRPr lang="en-US" dirty="0"/>
+          </a:p>
+          <a:p>
+            <a:r>
+              <a:rPr lang="en-US" dirty="0"/>
+              <a:t>Using rxode2 you have some flexibility in how this is specified:</a:t>
+            </a:r>
+          </a:p>
+          <a:p>
+            <a:pPr lvl="1"/>
+            <a:r>
+              <a:rPr lang="en-US" dirty="0"/>
+              <a:t>Same dose sampling from IIV: </a:t>
+            </a:r>
+            <a:r>
+              <a:rPr lang="en-US" b="1" dirty="0">
+                <a:solidFill>
+                  <a:schemeClr val="accent2"/>
+                </a:solidFill>
+                <a:latin typeface="Courier New" panose="02070309020205020404" pitchFamily="49" charset="0"/>
+                <a:cs typeface="Courier New" panose="02070309020205020404" pitchFamily="49" charset="0"/>
+              </a:rPr>
+              <a:t>events</a:t>
+            </a:r>
+            <a:r>
+              <a:rPr lang="en-US" dirty="0"/>
+              <a:t> table with only dosing events and no id column</a:t>
+            </a:r>
+          </a:p>
+          <a:p>
+            <a:pPr lvl="1"/>
+            <a:r>
+              <a:rPr lang="en-US" dirty="0"/>
+              <a:t>Same dose using user-specified parameters: </a:t>
+            </a:r>
+            <a:r>
+              <a:rPr lang="en-US" b="1" dirty="0">
+                <a:solidFill>
+                  <a:schemeClr val="accent2"/>
+                </a:solidFill>
+                <a:latin typeface="Courier New" panose="02070309020205020404" pitchFamily="49" charset="0"/>
+                <a:cs typeface="Courier New" panose="02070309020205020404" pitchFamily="49" charset="0"/>
+              </a:rPr>
+              <a:t>events</a:t>
+            </a:r>
+            <a:r>
+              <a:rPr lang="en-US" dirty="0"/>
+              <a:t> table with only dosing events and </a:t>
+            </a:r>
+            <a:r>
+              <a:rPr lang="en-US" b="1" dirty="0">
+                <a:solidFill>
+                  <a:schemeClr val="accent2"/>
+                </a:solidFill>
+                <a:latin typeface="Courier New" panose="02070309020205020404" pitchFamily="49" charset="0"/>
+                <a:cs typeface="Courier New" panose="02070309020205020404" pitchFamily="49" charset="0"/>
+              </a:rPr>
+              <a:t>params</a:t>
+            </a:r>
+            <a:r>
+              <a:rPr lang="en-US" dirty="0"/>
+              <a:t> table with a row for each subject and an id column</a:t>
+            </a:r>
+          </a:p>
+          <a:p>
+            <a:pPr lvl="1"/>
+            <a:r>
+              <a:rPr lang="en-US" dirty="0"/>
+              <a:t>User specific dosing: </a:t>
+            </a:r>
+            <a:r>
+              <a:rPr lang="en-US" b="1" dirty="0">
+                <a:solidFill>
+                  <a:schemeClr val="accent2"/>
+                </a:solidFill>
+                <a:latin typeface="Courier New" panose="02070309020205020404" pitchFamily="49" charset="0"/>
+                <a:cs typeface="Courier New" panose="02070309020205020404" pitchFamily="49" charset="0"/>
+              </a:rPr>
+              <a:t>events</a:t>
+            </a:r>
+            <a:r>
+              <a:rPr lang="en-US" dirty="0"/>
+              <a:t> table with dosing for each subject with an </a:t>
+            </a:r>
+            <a:r>
+              <a:rPr lang="en-US" b="1" dirty="0">
+                <a:solidFill>
+                  <a:schemeClr val="accent2"/>
+                </a:solidFill>
+              </a:rPr>
+              <a:t>id</a:t>
+            </a:r>
+            <a:r>
+              <a:rPr lang="en-US" dirty="0"/>
+              <a:t> column</a:t>
+            </a:r>
+          </a:p>
+          <a:p>
+            <a:pPr lvl="1"/>
+            <a:r>
+              <a:rPr lang="en-US" dirty="0"/>
+              <a:t>Covariates that are non-time-varying: These can be specified in either then </a:t>
+            </a:r>
+            <a:r>
+              <a:rPr lang="en-US" b="1" dirty="0">
+                <a:solidFill>
+                  <a:schemeClr val="accent2"/>
+                </a:solidFill>
+                <a:latin typeface="Courier New" panose="02070309020205020404" pitchFamily="49" charset="0"/>
+                <a:cs typeface="Courier New" panose="02070309020205020404" pitchFamily="49" charset="0"/>
+              </a:rPr>
+              <a:t>params</a:t>
+            </a:r>
+            <a:r>
+              <a:rPr lang="en-US" dirty="0"/>
+              <a:t> table or the </a:t>
+            </a:r>
+            <a:r>
+              <a:rPr lang="en-US" b="1" dirty="0" err="1">
+                <a:solidFill>
+                  <a:schemeClr val="accent2"/>
+                </a:solidFill>
+                <a:latin typeface="Courier New" panose="02070309020205020404" pitchFamily="49" charset="0"/>
+                <a:cs typeface="Courier New" panose="02070309020205020404" pitchFamily="49" charset="0"/>
+              </a:rPr>
+              <a:t>iCov</a:t>
+            </a:r>
+            <a:r>
+              <a:rPr lang="en-US"/>
+              <a:t> table</a:t>
+            </a:r>
+            <a:endParaRPr lang="en-US" dirty="0"/>
+          </a:p>
+        </p:txBody>
+      </p:sp>
+      <p:sp>
+        <p:nvSpPr>
+          <p:cNvPr id="4" name="Subtitle 3">
+            <a:extLst>
+              <a:ext uri="{FF2B5EF4-FFF2-40B4-BE49-F238E27FC236}">
+                <a16:creationId xmlns:a16="http://schemas.microsoft.com/office/drawing/2014/main" id="{26896DF7-EF32-595A-7A3A-AF9B46730BAE}"/>
+              </a:ext>
+            </a:extLst>
+          </p:cNvPr>
+          <p:cNvSpPr>
+            <a:spLocks noGrp="1"/>
+          </p:cNvSpPr>
+          <p:nvPr>
+            <p:ph type="subTitle" idx="13"/>
+          </p:nvPr>
+        </p:nvSpPr>
+        <p:spPr/>
+        <p:txBody>
+          <a:bodyPr/>
+          <a:lstStyle/>
+          <a:p>
+            <a:r>
+              <a:rPr lang="en-US" b="1" dirty="0">
+                <a:solidFill>
+                  <a:schemeClr val="accent2"/>
+                </a:solidFill>
+                <a:latin typeface="Courier New" panose="02070309020205020404" pitchFamily="49" charset="0"/>
+                <a:cs typeface="Courier New" panose="02070309020205020404" pitchFamily="49" charset="0"/>
+              </a:rPr>
+              <a:t>rxode2::</a:t>
+            </a:r>
+            <a:r>
+              <a:rPr lang="en-US" b="1" dirty="0" err="1">
+                <a:solidFill>
+                  <a:schemeClr val="accent2"/>
+                </a:solidFill>
+                <a:latin typeface="Courier New" panose="02070309020205020404" pitchFamily="49" charset="0"/>
+                <a:cs typeface="Courier New" panose="02070309020205020404" pitchFamily="49" charset="0"/>
+              </a:rPr>
+              <a:t>rxSolve</a:t>
+            </a:r>
+            <a:r>
+              <a:rPr lang="en-US" b="1" dirty="0">
+                <a:solidFill>
+                  <a:schemeClr val="accent2"/>
+                </a:solidFill>
+                <a:latin typeface="Courier New" panose="02070309020205020404" pitchFamily="49" charset="0"/>
+                <a:cs typeface="Courier New" panose="02070309020205020404" pitchFamily="49" charset="0"/>
+              </a:rPr>
+              <a:t>(mod, events, params, </a:t>
+            </a:r>
+            <a:r>
+              <a:rPr lang="en-US" b="1" dirty="0" err="1">
+                <a:solidFill>
+                  <a:schemeClr val="accent2"/>
+                </a:solidFill>
+                <a:latin typeface="Courier New" panose="02070309020205020404" pitchFamily="49" charset="0"/>
+                <a:cs typeface="Courier New" panose="02070309020205020404" pitchFamily="49" charset="0"/>
+              </a:rPr>
+              <a:t>iCov</a:t>
+            </a:r>
+            <a:r>
+              <a:rPr lang="en-US" b="1" dirty="0">
+                <a:solidFill>
+                  <a:schemeClr val="accent2"/>
+                </a:solidFill>
+                <a:latin typeface="Courier New" panose="02070309020205020404" pitchFamily="49" charset="0"/>
+                <a:cs typeface="Courier New" panose="02070309020205020404" pitchFamily="49" charset="0"/>
+              </a:rPr>
+              <a:t>)</a:t>
+            </a:r>
+          </a:p>
+        </p:txBody>
+      </p:sp>
+    </p:spTree>
+    <p:extLst>
+      <p:ext uri="{BB962C8B-B14F-4D97-AF65-F5344CB8AC3E}">
+        <p14:creationId xmlns:p14="http://schemas.microsoft.com/office/powerpoint/2010/main" val="2115325559"/>
+      </p:ext>
+    </p:extLst>
+  </p:cSld>
+  <p:clrMapOvr>
+    <a:masterClrMapping/>
+  </p:clrMapOvr>
+</p:sld>
+</file>
+
+<file path=ppt/slides/slide18.xml><?xml version="1.0" encoding="utf-8"?>
+<p:sld xmlns:a="http://schemas.openxmlformats.org/drawingml/2006/main" xmlns:r="http://schemas.openxmlformats.org/officeDocument/2006/relationships" xmlns:p="http://schemas.openxmlformats.org/presentationml/2006/main">
+  <p:cSld>
+    <p:spTree>
+      <p:nvGrpSpPr>
+        <p:cNvPr id="1" name=""/>
+        <p:cNvGrpSpPr/>
+        <p:nvPr/>
+      </p:nvGrpSpPr>
+      <p:grpSpPr>
+        <a:xfrm>
+          <a:off x="0" y="0"/>
+          <a:ext cx="0" cy="0"/>
+          <a:chOff x="0" y="0"/>
+          <a:chExt cx="0" cy="0"/>
+        </a:xfrm>
+      </p:grpSpPr>
+      <p:sp>
+        <p:nvSpPr>
+          <p:cNvPr id="2" name="Title 1">
+            <a:extLst>
+              <a:ext uri="{FF2B5EF4-FFF2-40B4-BE49-F238E27FC236}">
                 <a16:creationId xmlns:a16="http://schemas.microsoft.com/office/drawing/2014/main" id="{CCD6F364-6DB6-1EEF-DDD6-8E4A9249E1FB}"/>
               </a:ext>
             </a:extLst>
@@ -10725,7 +11127,7 @@
 </p:sld>
 </file>
 
-<file path=ppt/slides/slide18.xml><?xml version="1.0" encoding="utf-8"?>
+<file path=ppt/slides/slide19.xml><?xml version="1.0" encoding="utf-8"?>
 <p:sld xmlns:a="http://schemas.openxmlformats.org/drawingml/2006/main" xmlns:r="http://schemas.openxmlformats.org/officeDocument/2006/relationships" xmlns:p="http://schemas.openxmlformats.org/presentationml/2006/main">
   <p:cSld>
     <p:spTree>
@@ -10989,233 +11391,6 @@
     <p:extLst>
       <p:ext uri="{BB962C8B-B14F-4D97-AF65-F5344CB8AC3E}">
         <p14:creationId xmlns:p14="http://schemas.microsoft.com/office/powerpoint/2010/main" val="2022632545"/>
-      </p:ext>
-    </p:extLst>
-  </p:cSld>
-  <p:clrMapOvr>
-    <a:masterClrMapping/>
-  </p:clrMapOvr>
-</p:sld>
-</file>
-
-<file path=ppt/slides/slide19.xml><?xml version="1.0" encoding="utf-8"?>
-<p:sld xmlns:a="http://schemas.openxmlformats.org/drawingml/2006/main" xmlns:r="http://schemas.openxmlformats.org/officeDocument/2006/relationships" xmlns:p="http://schemas.openxmlformats.org/presentationml/2006/main">
-  <p:cSld>
-    <p:spTree>
-      <p:nvGrpSpPr>
-        <p:cNvPr id="1" name=""/>
-        <p:cNvGrpSpPr/>
-        <p:nvPr/>
-      </p:nvGrpSpPr>
-      <p:grpSpPr>
-        <a:xfrm>
-          <a:off x="0" y="0"/>
-          <a:ext cx="0" cy="0"/>
-          <a:chOff x="0" y="0"/>
-          <a:chExt cx="0" cy="0"/>
-        </a:xfrm>
-      </p:grpSpPr>
-      <p:sp>
-        <p:nvSpPr>
-          <p:cNvPr id="2" name="Title 1">
-            <a:extLst>
-              <a:ext uri="{FF2B5EF4-FFF2-40B4-BE49-F238E27FC236}">
-                <a16:creationId xmlns:a16="http://schemas.microsoft.com/office/drawing/2014/main" id="{0FC9E21E-A579-A08E-BF3E-A2CF715622BF}"/>
-              </a:ext>
-            </a:extLst>
-          </p:cNvPr>
-          <p:cNvSpPr>
-            <a:spLocks noGrp="1"/>
-          </p:cNvSpPr>
-          <p:nvPr>
-            <p:ph type="title"/>
-          </p:nvPr>
-        </p:nvSpPr>
-        <p:spPr/>
-        <p:txBody>
-          <a:bodyPr>
-            <a:normAutofit fontScale="90000"/>
-          </a:bodyPr>
-          <a:lstStyle/>
-          <a:p>
-            <a:r>
-              <a:rPr lang="en-US" dirty="0"/>
-              <a:t>Templated Reporting with </a:t>
-            </a:r>
-            <a:r>
-              <a:rPr lang="en-US" dirty="0" err="1"/>
-              <a:t>onbrand</a:t>
-            </a:r>
-            <a:endParaRPr lang="en-US"/>
-          </a:p>
-        </p:txBody>
-      </p:sp>
-      <p:sp>
-        <p:nvSpPr>
-          <p:cNvPr id="3" name="Content Placeholder 2">
-            <a:extLst>
-              <a:ext uri="{FF2B5EF4-FFF2-40B4-BE49-F238E27FC236}">
-                <a16:creationId xmlns:a16="http://schemas.microsoft.com/office/drawing/2014/main" id="{74AF7733-4CA3-8196-D226-365E708B692A}"/>
-              </a:ext>
-            </a:extLst>
-          </p:cNvPr>
-          <p:cNvSpPr>
-            <a:spLocks noGrp="1"/>
-          </p:cNvSpPr>
-          <p:nvPr>
-            <p:ph idx="1"/>
-          </p:nvPr>
-        </p:nvSpPr>
-        <p:spPr/>
-        <p:txBody>
-          <a:bodyPr/>
-          <a:lstStyle/>
-          <a:p>
-            <a:r>
-              <a:rPr lang="en-US" dirty="0"/>
-              <a:t>Sits on top of the </a:t>
-            </a:r>
-            <a:r>
-              <a:rPr lang="en-US" dirty="0">
-                <a:hlinkClick r:id="rId2"/>
-              </a:rPr>
-              <a:t>officer</a:t>
-            </a:r>
-            <a:r>
-              <a:rPr lang="en-US" dirty="0"/>
-              <a:t> package</a:t>
-            </a:r>
-          </a:p>
-          <a:p>
-            <a:r>
-              <a:rPr lang="en-US" dirty="0"/>
-              <a:t>Allows you to switch easily between organizational templates</a:t>
-            </a:r>
-          </a:p>
-          <a:p>
-            <a:r>
-              <a:rPr lang="en-US" dirty="0"/>
-              <a:t>Functionality to help you</a:t>
-            </a:r>
-          </a:p>
-          <a:p>
-            <a:pPr lvl="1"/>
-            <a:r>
-              <a:rPr lang="en-US" dirty="0"/>
-              <a:t>Format text with Markdown</a:t>
-            </a:r>
-          </a:p>
-          <a:p>
-            <a:pPr lvl="1"/>
-            <a:r>
-              <a:rPr lang="en-US" dirty="0"/>
-              <a:t>Span large tables across multiple pages</a:t>
-            </a:r>
-          </a:p>
-          <a:p>
-            <a:r>
-              <a:rPr lang="en-US" dirty="0"/>
-              <a:t>Automates the reporting part of workflows</a:t>
-            </a:r>
-          </a:p>
-          <a:p>
-            <a:pPr lvl="1"/>
-            <a:r>
-              <a:rPr lang="en-US" dirty="0"/>
-              <a:t>Dumping figures and tables directly into PowerPoint</a:t>
-            </a:r>
-          </a:p>
-          <a:p>
-            <a:pPr lvl="1"/>
-            <a:r>
-              <a:rPr lang="en-US" dirty="0"/>
-              <a:t>Creating Word reports that can be used as appendices</a:t>
-            </a:r>
-          </a:p>
-          <a:p>
-            <a:r>
-              <a:rPr lang="en-US" dirty="0"/>
-              <a:t>You can pull out the officer object, modify it, and put it back</a:t>
-            </a:r>
-          </a:p>
-          <a:p>
-            <a:r>
-              <a:rPr lang="en-US" dirty="0"/>
-              <a:t>The end of a </a:t>
-            </a:r>
-            <a:r>
-              <a:rPr lang="en-US" dirty="0" err="1"/>
-              <a:t>validatable</a:t>
-            </a:r>
-            <a:r>
-              <a:rPr lang="en-US" dirty="0"/>
-              <a:t> workflow:</a:t>
-            </a:r>
-          </a:p>
-        </p:txBody>
-      </p:sp>
-      <p:sp>
-        <p:nvSpPr>
-          <p:cNvPr id="4" name="Subtitle 3">
-            <a:extLst>
-              <a:ext uri="{FF2B5EF4-FFF2-40B4-BE49-F238E27FC236}">
-                <a16:creationId xmlns:a16="http://schemas.microsoft.com/office/drawing/2014/main" id="{1A3015B0-0703-9A8C-8F81-CC6926701280}"/>
-              </a:ext>
-            </a:extLst>
-          </p:cNvPr>
-          <p:cNvSpPr>
-            <a:spLocks noGrp="1"/>
-          </p:cNvSpPr>
-          <p:nvPr>
-            <p:ph type="subTitle" idx="13"/>
-          </p:nvPr>
-        </p:nvSpPr>
-        <p:spPr/>
-        <p:txBody>
-          <a:bodyPr/>
-          <a:lstStyle/>
-          <a:p>
-            <a:r>
-              <a:rPr lang="en-US"/>
-              <a:t>Generating Word and PowerPoint reports</a:t>
-            </a:r>
-          </a:p>
-        </p:txBody>
-      </p:sp>
-      <p:pic>
-        <p:nvPicPr>
-          <p:cNvPr id="5" name="Picture 4">
-            <a:extLst>
-              <a:ext uri="{FF2B5EF4-FFF2-40B4-BE49-F238E27FC236}">
-                <a16:creationId xmlns:a16="http://schemas.microsoft.com/office/drawing/2014/main" id="{F0EDCB9F-1671-ECD4-E206-FC58C3DA97F1}"/>
-              </a:ext>
-            </a:extLst>
-          </p:cNvPr>
-          <p:cNvPicPr>
-            <a:picLocks noChangeAspect="1"/>
-          </p:cNvPicPr>
-          <p:nvPr/>
-        </p:nvPicPr>
-        <p:blipFill>
-          <a:blip r:embed="rId3"/>
-          <a:stretch>
-            <a:fillRect/>
-          </a:stretch>
-        </p:blipFill>
-        <p:spPr>
-          <a:xfrm>
-            <a:off x="11353799" y="5913620"/>
-            <a:ext cx="824186" cy="944380"/>
-          </a:xfrm>
-          <a:prstGeom prst="rect">
-            <a:avLst/>
-          </a:prstGeom>
-        </p:spPr>
-      </p:pic>
-    </p:spTree>
-    <p:extLst>
-      <p:ext uri="{BB962C8B-B14F-4D97-AF65-F5344CB8AC3E}">
-        <p14:creationId xmlns:p14="http://schemas.microsoft.com/office/powerpoint/2010/main" val="2415928481"/>
       </p:ext>
     </p:extLst>
   </p:cSld>
@@ -12336,6 +12511,233 @@
           <p:cNvPr id="2" name="Title 1">
             <a:extLst>
               <a:ext uri="{FF2B5EF4-FFF2-40B4-BE49-F238E27FC236}">
+                <a16:creationId xmlns:a16="http://schemas.microsoft.com/office/drawing/2014/main" id="{0FC9E21E-A579-A08E-BF3E-A2CF715622BF}"/>
+              </a:ext>
+            </a:extLst>
+          </p:cNvPr>
+          <p:cNvSpPr>
+            <a:spLocks noGrp="1"/>
+          </p:cNvSpPr>
+          <p:nvPr>
+            <p:ph type="title"/>
+          </p:nvPr>
+        </p:nvSpPr>
+        <p:spPr/>
+        <p:txBody>
+          <a:bodyPr>
+            <a:normAutofit fontScale="90000"/>
+          </a:bodyPr>
+          <a:lstStyle/>
+          <a:p>
+            <a:r>
+              <a:rPr lang="en-US" dirty="0"/>
+              <a:t>Templated Reporting with </a:t>
+            </a:r>
+            <a:r>
+              <a:rPr lang="en-US" dirty="0" err="1"/>
+              <a:t>onbrand</a:t>
+            </a:r>
+            <a:endParaRPr lang="en-US"/>
+          </a:p>
+        </p:txBody>
+      </p:sp>
+      <p:sp>
+        <p:nvSpPr>
+          <p:cNvPr id="3" name="Content Placeholder 2">
+            <a:extLst>
+              <a:ext uri="{FF2B5EF4-FFF2-40B4-BE49-F238E27FC236}">
+                <a16:creationId xmlns:a16="http://schemas.microsoft.com/office/drawing/2014/main" id="{74AF7733-4CA3-8196-D226-365E708B692A}"/>
+              </a:ext>
+            </a:extLst>
+          </p:cNvPr>
+          <p:cNvSpPr>
+            <a:spLocks noGrp="1"/>
+          </p:cNvSpPr>
+          <p:nvPr>
+            <p:ph idx="1"/>
+          </p:nvPr>
+        </p:nvSpPr>
+        <p:spPr/>
+        <p:txBody>
+          <a:bodyPr/>
+          <a:lstStyle/>
+          <a:p>
+            <a:r>
+              <a:rPr lang="en-US" dirty="0"/>
+              <a:t>Sits on top of the </a:t>
+            </a:r>
+            <a:r>
+              <a:rPr lang="en-US" dirty="0">
+                <a:hlinkClick r:id="rId2"/>
+              </a:rPr>
+              <a:t>officer</a:t>
+            </a:r>
+            <a:r>
+              <a:rPr lang="en-US" dirty="0"/>
+              <a:t> package</a:t>
+            </a:r>
+          </a:p>
+          <a:p>
+            <a:r>
+              <a:rPr lang="en-US" dirty="0"/>
+              <a:t>Allows you to switch easily between organizational templates</a:t>
+            </a:r>
+          </a:p>
+          <a:p>
+            <a:r>
+              <a:rPr lang="en-US" dirty="0"/>
+              <a:t>Functionality to help you</a:t>
+            </a:r>
+          </a:p>
+          <a:p>
+            <a:pPr lvl="1"/>
+            <a:r>
+              <a:rPr lang="en-US" dirty="0"/>
+              <a:t>Format text with Markdown</a:t>
+            </a:r>
+          </a:p>
+          <a:p>
+            <a:pPr lvl="1"/>
+            <a:r>
+              <a:rPr lang="en-US" dirty="0"/>
+              <a:t>Span large tables across multiple pages</a:t>
+            </a:r>
+          </a:p>
+          <a:p>
+            <a:r>
+              <a:rPr lang="en-US" dirty="0"/>
+              <a:t>Automates the reporting part of workflows</a:t>
+            </a:r>
+          </a:p>
+          <a:p>
+            <a:pPr lvl="1"/>
+            <a:r>
+              <a:rPr lang="en-US" dirty="0"/>
+              <a:t>Dumping figures and tables directly into PowerPoint</a:t>
+            </a:r>
+          </a:p>
+          <a:p>
+            <a:pPr lvl="1"/>
+            <a:r>
+              <a:rPr lang="en-US" dirty="0"/>
+              <a:t>Creating Word reports that can be used as appendices</a:t>
+            </a:r>
+          </a:p>
+          <a:p>
+            <a:r>
+              <a:rPr lang="en-US" dirty="0"/>
+              <a:t>You can pull out the officer object, modify it, and put it back</a:t>
+            </a:r>
+          </a:p>
+          <a:p>
+            <a:r>
+              <a:rPr lang="en-US" dirty="0"/>
+              <a:t>The end of a </a:t>
+            </a:r>
+            <a:r>
+              <a:rPr lang="en-US" dirty="0" err="1"/>
+              <a:t>validatable</a:t>
+            </a:r>
+            <a:r>
+              <a:rPr lang="en-US" dirty="0"/>
+              <a:t> workflow:</a:t>
+            </a:r>
+          </a:p>
+        </p:txBody>
+      </p:sp>
+      <p:sp>
+        <p:nvSpPr>
+          <p:cNvPr id="4" name="Subtitle 3">
+            <a:extLst>
+              <a:ext uri="{FF2B5EF4-FFF2-40B4-BE49-F238E27FC236}">
+                <a16:creationId xmlns:a16="http://schemas.microsoft.com/office/drawing/2014/main" id="{1A3015B0-0703-9A8C-8F81-CC6926701280}"/>
+              </a:ext>
+            </a:extLst>
+          </p:cNvPr>
+          <p:cNvSpPr>
+            <a:spLocks noGrp="1"/>
+          </p:cNvSpPr>
+          <p:nvPr>
+            <p:ph type="subTitle" idx="13"/>
+          </p:nvPr>
+        </p:nvSpPr>
+        <p:spPr/>
+        <p:txBody>
+          <a:bodyPr/>
+          <a:lstStyle/>
+          <a:p>
+            <a:r>
+              <a:rPr lang="en-US"/>
+              <a:t>Generating Word and PowerPoint reports</a:t>
+            </a:r>
+          </a:p>
+        </p:txBody>
+      </p:sp>
+      <p:pic>
+        <p:nvPicPr>
+          <p:cNvPr id="5" name="Picture 4">
+            <a:extLst>
+              <a:ext uri="{FF2B5EF4-FFF2-40B4-BE49-F238E27FC236}">
+                <a16:creationId xmlns:a16="http://schemas.microsoft.com/office/drawing/2014/main" id="{F0EDCB9F-1671-ECD4-E206-FC58C3DA97F1}"/>
+              </a:ext>
+            </a:extLst>
+          </p:cNvPr>
+          <p:cNvPicPr>
+            <a:picLocks noChangeAspect="1"/>
+          </p:cNvPicPr>
+          <p:nvPr/>
+        </p:nvPicPr>
+        <p:blipFill>
+          <a:blip r:embed="rId3"/>
+          <a:stretch>
+            <a:fillRect/>
+          </a:stretch>
+        </p:blipFill>
+        <p:spPr>
+          <a:xfrm>
+            <a:off x="11353799" y="5913620"/>
+            <a:ext cx="824186" cy="944380"/>
+          </a:xfrm>
+          <a:prstGeom prst="rect">
+            <a:avLst/>
+          </a:prstGeom>
+        </p:spPr>
+      </p:pic>
+    </p:spTree>
+    <p:extLst>
+      <p:ext uri="{BB962C8B-B14F-4D97-AF65-F5344CB8AC3E}">
+        <p14:creationId xmlns:p14="http://schemas.microsoft.com/office/powerpoint/2010/main" val="2415928481"/>
+      </p:ext>
+    </p:extLst>
+  </p:cSld>
+  <p:clrMapOvr>
+    <a:masterClrMapping/>
+  </p:clrMapOvr>
+</p:sld>
+</file>
+
+<file path=ppt/slides/slide21.xml><?xml version="1.0" encoding="utf-8"?>
+<p:sld xmlns:a="http://schemas.openxmlformats.org/drawingml/2006/main" xmlns:r="http://schemas.openxmlformats.org/officeDocument/2006/relationships" xmlns:p="http://schemas.openxmlformats.org/presentationml/2006/main">
+  <p:cSld>
+    <p:spTree>
+      <p:nvGrpSpPr>
+        <p:cNvPr id="1" name=""/>
+        <p:cNvGrpSpPr/>
+        <p:nvPr/>
+      </p:nvGrpSpPr>
+      <p:grpSpPr>
+        <a:xfrm>
+          <a:off x="0" y="0"/>
+          <a:ext cx="0" cy="0"/>
+          <a:chOff x="0" y="0"/>
+          <a:chExt cx="0" cy="0"/>
+        </a:xfrm>
+      </p:grpSpPr>
+      <p:sp>
+        <p:nvSpPr>
+          <p:cNvPr id="2" name="Title 1">
+            <a:extLst>
+              <a:ext uri="{FF2B5EF4-FFF2-40B4-BE49-F238E27FC236}">
                 <a16:creationId xmlns:a16="http://schemas.microsoft.com/office/drawing/2014/main" id="{D582EA3B-9B48-685E-2B66-5043DAAC4FE1}"/>
               </a:ext>
             </a:extLst>
@@ -12573,7 +12975,7 @@
 </p:sld>
 </file>
 
-<file path=ppt/slides/slide21.xml><?xml version="1.0" encoding="utf-8"?>
+<file path=ppt/slides/slide22.xml><?xml version="1.0" encoding="utf-8"?>
 <p:sld xmlns:a="http://schemas.openxmlformats.org/drawingml/2006/main" xmlns:r="http://schemas.openxmlformats.org/officeDocument/2006/relationships" xmlns:p="http://schemas.openxmlformats.org/presentationml/2006/main">
   <p:cSld>
     <p:spTree>
@@ -13425,7 +13827,7 @@
 </p:sld>
 </file>
 
-<file path=ppt/slides/slide22.xml><?xml version="1.0" encoding="utf-8"?>
+<file path=ppt/slides/slide23.xml><?xml version="1.0" encoding="utf-8"?>
 <p:sld xmlns:a="http://schemas.openxmlformats.org/drawingml/2006/main" xmlns:r="http://schemas.openxmlformats.org/officeDocument/2006/relationships" xmlns:p="http://schemas.openxmlformats.org/presentationml/2006/main">
   <p:cSld>
     <p:spTree>
@@ -14361,7 +14763,7 @@
 </p:sld>
 </file>
 
-<file path=ppt/slides/slide23.xml><?xml version="1.0" encoding="utf-8"?>
+<file path=ppt/slides/slide24.xml><?xml version="1.0" encoding="utf-8"?>
 <p:sld xmlns:a="http://schemas.openxmlformats.org/drawingml/2006/main" xmlns:r="http://schemas.openxmlformats.org/officeDocument/2006/relationships" xmlns:p="http://schemas.openxmlformats.org/presentationml/2006/main">
   <p:cSld>
     <p:spTree>
@@ -15444,7 +15846,7 @@
 </p:sld>
 </file>
 
-<file path=ppt/slides/slide24.xml><?xml version="1.0" encoding="utf-8"?>
+<file path=ppt/slides/slide25.xml><?xml version="1.0" encoding="utf-8"?>
 <p:sld xmlns:a="http://schemas.openxmlformats.org/drawingml/2006/main" xmlns:r="http://schemas.openxmlformats.org/officeDocument/2006/relationships" xmlns:p="http://schemas.openxmlformats.org/presentationml/2006/main">
   <p:cSld>
     <p:spTree>
@@ -16678,7 +17080,7 @@
 </p:sld>
 </file>
 
-<file path=ppt/slides/slide25.xml><?xml version="1.0" encoding="utf-8"?>
+<file path=ppt/slides/slide26.xml><?xml version="1.0" encoding="utf-8"?>
 <p:sld xmlns:a="http://schemas.openxmlformats.org/drawingml/2006/main" xmlns:r="http://schemas.openxmlformats.org/officeDocument/2006/relationships" xmlns:p="http://schemas.openxmlformats.org/presentationml/2006/main">
   <p:cSld>
     <p:spTree>
@@ -16989,7 +17391,7 @@
 </p:sld>
 </file>
 
-<file path=ppt/slides/slide26.xml><?xml version="1.0" encoding="utf-8"?>
+<file path=ppt/slides/slide27.xml><?xml version="1.0" encoding="utf-8"?>
 <p:sld xmlns:a="http://schemas.openxmlformats.org/drawingml/2006/main" xmlns:r="http://schemas.openxmlformats.org/officeDocument/2006/relationships" xmlns:p="http://schemas.openxmlformats.org/presentationml/2006/main">
   <p:cSld>
     <p:spTree>

--- a/osmdd.pptx
+++ b/osmdd.pptx
@@ -5,7 +5,7 @@
     <p:sldMasterId id="2147483648" r:id="rId1"/>
   </p:sldMasterIdLst>
   <p:notesMasterIdLst>
-    <p:notesMasterId r:id="rId29"/>
+    <p:notesMasterId r:id="rId34"/>
   </p:notesMasterIdLst>
   <p:sldIdLst>
     <p:sldId id="256" r:id="rId2"/>
@@ -24,17 +24,22 @@
     <p:sldId id="269" r:id="rId15"/>
     <p:sldId id="280" r:id="rId16"/>
     <p:sldId id="281" r:id="rId17"/>
-    <p:sldId id="283" r:id="rId18"/>
-    <p:sldId id="279" r:id="rId19"/>
-    <p:sldId id="270" r:id="rId20"/>
-    <p:sldId id="258" r:id="rId21"/>
-    <p:sldId id="271" r:id="rId22"/>
-    <p:sldId id="273" r:id="rId23"/>
-    <p:sldId id="272" r:id="rId24"/>
-    <p:sldId id="274" r:id="rId25"/>
-    <p:sldId id="275" r:id="rId26"/>
-    <p:sldId id="276" r:id="rId27"/>
-    <p:sldId id="278" r:id="rId28"/>
+    <p:sldId id="285" r:id="rId18"/>
+    <p:sldId id="284" r:id="rId19"/>
+    <p:sldId id="286" r:id="rId20"/>
+    <p:sldId id="287" r:id="rId21"/>
+    <p:sldId id="288" r:id="rId22"/>
+    <p:sldId id="283" r:id="rId23"/>
+    <p:sldId id="279" r:id="rId24"/>
+    <p:sldId id="270" r:id="rId25"/>
+    <p:sldId id="258" r:id="rId26"/>
+    <p:sldId id="271" r:id="rId27"/>
+    <p:sldId id="273" r:id="rId28"/>
+    <p:sldId id="272" r:id="rId29"/>
+    <p:sldId id="274" r:id="rId30"/>
+    <p:sldId id="275" r:id="rId31"/>
+    <p:sldId id="276" r:id="rId32"/>
+    <p:sldId id="278" r:id="rId33"/>
   </p:sldIdLst>
   <p:sldSz cx="12192000" cy="6858000"/>
   <p:notesSz cx="6858000" cy="9144000"/>
@@ -135,7 +140,23 @@
   </p:defaultTextStyle>
   <p:extLst>
     <p:ext uri="{EFAFB233-063F-42B5-8137-9DF3F51BA10A}">
-      <p15:sldGuideLst xmlns:p15="http://schemas.microsoft.com/office/powerpoint/2012/main"/>
+      <p15:sldGuideLst xmlns:p15="http://schemas.microsoft.com/office/powerpoint/2012/main">
+        <p15:guide id="1" orient="horz" pos="2160" userDrawn="1">
+          <p15:clr>
+            <a:srgbClr val="A4A3A4"/>
+          </p15:clr>
+        </p15:guide>
+        <p15:guide id="2" pos="3840" userDrawn="1">
+          <p15:clr>
+            <a:srgbClr val="A4A3A4"/>
+          </p15:clr>
+        </p15:guide>
+        <p15:guide id="3" orient="horz" pos="3648" userDrawn="1">
+          <p15:clr>
+            <a:srgbClr val="A4A3A4"/>
+          </p15:clr>
+        </p15:guide>
+      </p15:sldGuideLst>
     </p:ext>
   </p:extLst>
 </p:presentation>
@@ -639,7 +660,7 @@
           <a:p>
             <a:fld id="{4F73DE0D-56D9-E547-8986-B568C4E16E4C}" type="slidenum">
               <a:rPr lang="en-US" smtClean="0"/>
-              <a:t>17</a:t>
+              <a:t>22</a:t>
             </a:fld>
             <a:endParaRPr lang="en-US" dirty="0"/>
           </a:p>
@@ -4283,6 +4304,144 @@
           </a:p>
         </p:txBody>
       </p:sp>
+      <p:sp>
+        <p:nvSpPr>
+          <p:cNvPr id="3" name="TextBox 2">
+            <a:extLst>
+              <a:ext uri="{FF2B5EF4-FFF2-40B4-BE49-F238E27FC236}">
+                <a16:creationId xmlns:a16="http://schemas.microsoft.com/office/drawing/2014/main" id="{80255362-EB81-AA2D-CCC1-87C46BF1B25A}"/>
+              </a:ext>
+            </a:extLst>
+          </p:cNvPr>
+          <p:cNvSpPr txBox="1"/>
+          <p:nvPr/>
+        </p:nvSpPr>
+        <p:spPr>
+          <a:xfrm>
+            <a:off x="1189138" y="5802766"/>
+            <a:ext cx="2931160" cy="646331"/>
+          </a:xfrm>
+          <a:prstGeom prst="rect">
+            <a:avLst/>
+          </a:prstGeom>
+          <a:noFill/>
+        </p:spPr>
+        <p:txBody>
+          <a:bodyPr wrap="square">
+            <a:spAutoFit/>
+          </a:bodyPr>
+          <a:lstStyle/>
+          <a:p>
+            <a:pPr algn="ctr"/>
+            <a:r>
+              <a:rPr lang="en-US" dirty="0"/>
+              <a:t>Copy of slides:</a:t>
+            </a:r>
+            <a:br>
+              <a:rPr lang="en-US" dirty="0"/>
+            </a:br>
+            <a:r>
+              <a:rPr lang="en-US" dirty="0">
+                <a:hlinkClick r:id="rId2"/>
+              </a:rPr>
+              <a:t>osmdd.ubiquity.tools</a:t>
+            </a:r>
+            <a:endParaRPr lang="en-US" dirty="0"/>
+          </a:p>
+        </p:txBody>
+      </p:sp>
+      <p:sp>
+        <p:nvSpPr>
+          <p:cNvPr id="6" name="TextBox 5">
+            <a:extLst>
+              <a:ext uri="{FF2B5EF4-FFF2-40B4-BE49-F238E27FC236}">
+                <a16:creationId xmlns:a16="http://schemas.microsoft.com/office/drawing/2014/main" id="{9E915832-BC0D-2838-0B04-F2E5B0AC8C12}"/>
+              </a:ext>
+            </a:extLst>
+          </p:cNvPr>
+          <p:cNvSpPr txBox="1"/>
+          <p:nvPr/>
+        </p:nvSpPr>
+        <p:spPr>
+          <a:xfrm>
+            <a:off x="4630420" y="5794085"/>
+            <a:ext cx="2931160" cy="646331"/>
+          </a:xfrm>
+          <a:prstGeom prst="rect">
+            <a:avLst/>
+          </a:prstGeom>
+          <a:noFill/>
+        </p:spPr>
+        <p:txBody>
+          <a:bodyPr wrap="square">
+            <a:spAutoFit/>
+          </a:bodyPr>
+          <a:lstStyle/>
+          <a:p>
+            <a:pPr algn="ctr"/>
+            <a:r>
+              <a:rPr lang="en-US" dirty="0"/>
+              <a:t>Repository with examples:</a:t>
+            </a:r>
+            <a:br>
+              <a:rPr lang="en-US" dirty="0"/>
+            </a:br>
+            <a:r>
+              <a:rPr lang="en-US" dirty="0" err="1">
+                <a:hlinkClick r:id="rId3"/>
+              </a:rPr>
+              <a:t>osmdd</a:t>
+            </a:r>
+            <a:endParaRPr lang="en-US" dirty="0"/>
+          </a:p>
+        </p:txBody>
+      </p:sp>
+      <p:sp>
+        <p:nvSpPr>
+          <p:cNvPr id="8" name="TextBox 7">
+            <a:extLst>
+              <a:ext uri="{FF2B5EF4-FFF2-40B4-BE49-F238E27FC236}">
+                <a16:creationId xmlns:a16="http://schemas.microsoft.com/office/drawing/2014/main" id="{2AD3DB50-0EEE-FC6A-F46D-8F1CDFAF78C1}"/>
+              </a:ext>
+            </a:extLst>
+          </p:cNvPr>
+          <p:cNvSpPr txBox="1"/>
+          <p:nvPr/>
+        </p:nvSpPr>
+        <p:spPr>
+          <a:xfrm>
+            <a:off x="8071702" y="5792606"/>
+            <a:ext cx="2931160" cy="646331"/>
+          </a:xfrm>
+          <a:prstGeom prst="rect">
+            <a:avLst/>
+          </a:prstGeom>
+          <a:noFill/>
+        </p:spPr>
+        <p:txBody>
+          <a:bodyPr wrap="square">
+            <a:spAutoFit/>
+          </a:bodyPr>
+          <a:lstStyle/>
+          <a:p>
+            <a:pPr algn="ctr"/>
+            <a:r>
+              <a:rPr lang="en-US" dirty="0"/>
+              <a:t>Repository with examples:</a:t>
+            </a:r>
+            <a:br>
+              <a:rPr lang="en-US" dirty="0"/>
+            </a:br>
+            <a:r>
+              <a:rPr lang="en-US" dirty="0">
+                <a:hlinkClick r:id="rId4"/>
+              </a:rPr>
+              <a:t>zip file</a:t>
+            </a:r>
+            <a:endParaRPr lang="en-US" dirty="0"/>
+          </a:p>
+        </p:txBody>
+      </p:sp>
     </p:spTree>
     <p:extLst>
       <p:ext uri="{BB962C8B-B14F-4D97-AF65-F5344CB8AC3E}">
@@ -10654,7 +10813,7 @@
           <p:cNvPr id="2" name="Title 1">
             <a:extLst>
               <a:ext uri="{FF2B5EF4-FFF2-40B4-BE49-F238E27FC236}">
-                <a16:creationId xmlns:a16="http://schemas.microsoft.com/office/drawing/2014/main" id="{EF9DBCE5-B1E7-AA73-F8ED-6841259B812B}"/>
+                <a16:creationId xmlns:a16="http://schemas.microsoft.com/office/drawing/2014/main" id="{3D1A2D9A-5997-C590-F71D-94630D799081}"/>
               </a:ext>
             </a:extLst>
           </p:cNvPr>
@@ -10674,191 +10833,8 @@
           <a:p>
             <a:r>
               <a:rPr lang="en-US" dirty="0"/>
-              <a:t>Simulating with rxode2</a:t>
-            </a:r>
-          </a:p>
-        </p:txBody>
-      </p:sp>
-      <p:sp>
-        <p:nvSpPr>
-          <p:cNvPr id="3" name="Content Placeholder 2">
-            <a:extLst>
-              <a:ext uri="{FF2B5EF4-FFF2-40B4-BE49-F238E27FC236}">
-                <a16:creationId xmlns:a16="http://schemas.microsoft.com/office/drawing/2014/main" id="{8C410CA5-CDFA-5BC1-19B8-835A2B2F2D0B}"/>
-              </a:ext>
-            </a:extLst>
-          </p:cNvPr>
-          <p:cNvSpPr>
-            <a:spLocks noGrp="1"/>
-          </p:cNvSpPr>
-          <p:nvPr>
-            <p:ph idx="1"/>
-          </p:nvPr>
-        </p:nvSpPr>
-        <p:spPr>
-          <a:xfrm>
-            <a:off x="838200" y="1414914"/>
-            <a:ext cx="10515600" cy="5250045"/>
-          </a:xfrm>
-        </p:spPr>
-        <p:txBody>
-          <a:bodyPr>
-            <a:normAutofit/>
-          </a:bodyPr>
-          <a:lstStyle/>
-          <a:p>
-            <a:r>
-              <a:rPr lang="en-US" dirty="0"/>
-              <a:t>Like NONMEM: The </a:t>
-            </a:r>
-            <a:r>
-              <a:rPr lang="en-US" b="1" dirty="0">
-                <a:solidFill>
-                  <a:schemeClr val="accent2"/>
-                </a:solidFill>
-                <a:latin typeface="Courier New" panose="02070309020205020404" pitchFamily="49" charset="0"/>
-                <a:cs typeface="Courier New" panose="02070309020205020404" pitchFamily="49" charset="0"/>
-              </a:rPr>
-              <a:t>events</a:t>
-            </a:r>
-            <a:r>
-              <a:rPr lang="en-US" dirty="0"/>
-              <a:t> table can have dosing events, subject level parameters, and covariates (time-varying and non-time-varying)</a:t>
-            </a:r>
-          </a:p>
-          <a:p>
-            <a:endParaRPr lang="en-US" dirty="0"/>
-          </a:p>
-          <a:p>
-            <a:r>
-              <a:rPr lang="en-US" dirty="0"/>
-              <a:t>Using rxode2 you have some flexibility in how this is specified:</a:t>
-            </a:r>
-          </a:p>
-          <a:p>
-            <a:pPr lvl="1"/>
-            <a:r>
-              <a:rPr lang="en-US" dirty="0"/>
-              <a:t>Same dose sampling from IIV: </a:t>
-            </a:r>
-            <a:r>
-              <a:rPr lang="en-US" b="1" dirty="0">
-                <a:solidFill>
-                  <a:schemeClr val="accent2"/>
-                </a:solidFill>
-                <a:latin typeface="Courier New" panose="02070309020205020404" pitchFamily="49" charset="0"/>
-                <a:cs typeface="Courier New" panose="02070309020205020404" pitchFamily="49" charset="0"/>
-              </a:rPr>
-              <a:t>events</a:t>
-            </a:r>
-            <a:r>
-              <a:rPr lang="en-US" dirty="0"/>
-              <a:t> table with only dosing events and no id column</a:t>
-            </a:r>
-          </a:p>
-          <a:p>
-            <a:pPr lvl="1"/>
-            <a:r>
-              <a:rPr lang="en-US" dirty="0"/>
-              <a:t>Same dose using user-specified parameters: </a:t>
-            </a:r>
-            <a:r>
-              <a:rPr lang="en-US" b="1" dirty="0">
-                <a:solidFill>
-                  <a:schemeClr val="accent2"/>
-                </a:solidFill>
-                <a:latin typeface="Courier New" panose="02070309020205020404" pitchFamily="49" charset="0"/>
-                <a:cs typeface="Courier New" panose="02070309020205020404" pitchFamily="49" charset="0"/>
-              </a:rPr>
-              <a:t>events</a:t>
-            </a:r>
-            <a:r>
-              <a:rPr lang="en-US" dirty="0"/>
-              <a:t> table with only dosing events and </a:t>
-            </a:r>
-            <a:r>
-              <a:rPr lang="en-US" b="1" dirty="0">
-                <a:solidFill>
-                  <a:schemeClr val="accent2"/>
-                </a:solidFill>
-                <a:latin typeface="Courier New" panose="02070309020205020404" pitchFamily="49" charset="0"/>
-                <a:cs typeface="Courier New" panose="02070309020205020404" pitchFamily="49" charset="0"/>
-              </a:rPr>
-              <a:t>params</a:t>
-            </a:r>
-            <a:r>
-              <a:rPr lang="en-US" dirty="0"/>
-              <a:t> table with a row for each subject and an id column</a:t>
-            </a:r>
-          </a:p>
-          <a:p>
-            <a:pPr lvl="1"/>
-            <a:r>
-              <a:rPr lang="en-US" dirty="0"/>
-              <a:t>User specific dosing: </a:t>
-            </a:r>
-            <a:r>
-              <a:rPr lang="en-US" b="1" dirty="0">
-                <a:solidFill>
-                  <a:schemeClr val="accent2"/>
-                </a:solidFill>
-                <a:latin typeface="Courier New" panose="02070309020205020404" pitchFamily="49" charset="0"/>
-                <a:cs typeface="Courier New" panose="02070309020205020404" pitchFamily="49" charset="0"/>
-              </a:rPr>
-              <a:t>events</a:t>
-            </a:r>
-            <a:r>
-              <a:rPr lang="en-US" dirty="0"/>
-              <a:t> table with dosing for each subject with an </a:t>
-            </a:r>
-            <a:r>
-              <a:rPr lang="en-US" b="1" dirty="0">
-                <a:solidFill>
-                  <a:schemeClr val="accent2"/>
-                </a:solidFill>
-              </a:rPr>
-              <a:t>id</a:t>
-            </a:r>
-            <a:r>
-              <a:rPr lang="en-US" dirty="0"/>
-              <a:t> column</a:t>
-            </a:r>
-          </a:p>
-          <a:p>
-            <a:pPr lvl="1"/>
-            <a:r>
-              <a:rPr lang="en-US" dirty="0"/>
-              <a:t>Covariates that are non-time-varying: These can be specified in either then </a:t>
-            </a:r>
-            <a:r>
-              <a:rPr lang="en-US" b="1" dirty="0">
-                <a:solidFill>
-                  <a:schemeClr val="accent2"/>
-                </a:solidFill>
-                <a:latin typeface="Courier New" panose="02070309020205020404" pitchFamily="49" charset="0"/>
-                <a:cs typeface="Courier New" panose="02070309020205020404" pitchFamily="49" charset="0"/>
-              </a:rPr>
-              <a:t>params</a:t>
-            </a:r>
-            <a:r>
-              <a:rPr lang="en-US" dirty="0"/>
-              <a:t> table or the </a:t>
-            </a:r>
-            <a:r>
-              <a:rPr lang="en-US" b="1" dirty="0" err="1">
-                <a:solidFill>
-                  <a:schemeClr val="accent2"/>
-                </a:solidFill>
-                <a:latin typeface="Courier New" panose="02070309020205020404" pitchFamily="49" charset="0"/>
-                <a:cs typeface="Courier New" panose="02070309020205020404" pitchFamily="49" charset="0"/>
-              </a:rPr>
-              <a:t>iCov</a:t>
-            </a:r>
-            <a:r>
-              <a:rPr lang="en-US"/>
-              <a:t> table</a:t>
-            </a:r>
-            <a:endParaRPr lang="en-US" dirty="0"/>
+              <a:t>Interoperability Between nlmixr2 and NONMEM</a:t>
+            </a:r>
           </a:p>
         </p:txBody>
       </p:sp>
@@ -10867,7 +10843,7 @@
           <p:cNvPr id="4" name="Subtitle 3">
             <a:extLst>
               <a:ext uri="{FF2B5EF4-FFF2-40B4-BE49-F238E27FC236}">
-                <a16:creationId xmlns:a16="http://schemas.microsoft.com/office/drawing/2014/main" id="{26896DF7-EF32-595A-7A3A-AF9B46730BAE}"/>
+                <a16:creationId xmlns:a16="http://schemas.microsoft.com/office/drawing/2014/main" id="{AD99FAAD-D791-3C25-1C4A-B6559967FE45}"/>
               </a:ext>
             </a:extLst>
           </p:cNvPr>
@@ -10890,18 +10866,26 @@
                 </a:solidFill>
                 <a:latin typeface="Courier New" panose="02070309020205020404" pitchFamily="49" charset="0"/>
                 <a:cs typeface="Courier New" panose="02070309020205020404" pitchFamily="49" charset="0"/>
-              </a:rPr>
-              <a:t>rxode2::</a:t>
-            </a:r>
-            <a:r>
-              <a:rPr lang="en-US" b="1" dirty="0" err="1">
+                <a:hlinkClick r:id="rId2"/>
+              </a:rPr>
+              <a:t>nonmem2rx</a:t>
+            </a:r>
+            <a:r>
+              <a:rPr lang="en-US" b="1" dirty="0">
                 <a:solidFill>
                   <a:schemeClr val="accent2"/>
                 </a:solidFill>
                 <a:latin typeface="Courier New" panose="02070309020205020404" pitchFamily="49" charset="0"/>
                 <a:cs typeface="Courier New" panose="02070309020205020404" pitchFamily="49" charset="0"/>
               </a:rPr>
-              <a:t>rxSolve</a:t>
+              <a:t> </a:t>
+            </a:r>
+            <a:r>
+              <a:rPr lang="en-US" dirty="0">
+                <a:latin typeface="+mj-lt"/>
+                <a:cs typeface="Courier New" panose="02070309020205020404" pitchFamily="49" charset="0"/>
+              </a:rPr>
+              <a:t>&amp;</a:t>
             </a:r>
             <a:r>
               <a:rPr lang="en-US" b="1" dirty="0">
@@ -10911,35 +10895,63 @@
                 <a:latin typeface="Courier New" panose="02070309020205020404" pitchFamily="49" charset="0"/>
                 <a:cs typeface="Courier New" panose="02070309020205020404" pitchFamily="49" charset="0"/>
               </a:rPr>
-              <a:t>(mod, events, params, </a:t>
-            </a:r>
-            <a:r>
-              <a:rPr lang="en-US" b="1" dirty="0" err="1">
+              <a:t> </a:t>
+            </a:r>
+            <a:r>
+              <a:rPr lang="en-US" b="1" dirty="0">
                 <a:solidFill>
                   <a:schemeClr val="accent2"/>
                 </a:solidFill>
                 <a:latin typeface="Courier New" panose="02070309020205020404" pitchFamily="49" charset="0"/>
                 <a:cs typeface="Courier New" panose="02070309020205020404" pitchFamily="49" charset="0"/>
-              </a:rPr>
-              <a:t>iCov</a:t>
-            </a:r>
-            <a:r>
-              <a:rPr lang="en-US" b="1" dirty="0">
-                <a:solidFill>
-                  <a:schemeClr val="accent2"/>
-                </a:solidFill>
-                <a:latin typeface="Courier New" panose="02070309020205020404" pitchFamily="49" charset="0"/>
-                <a:cs typeface="Courier New" panose="02070309020205020404" pitchFamily="49" charset="0"/>
-              </a:rPr>
-              <a:t>)</a:t>
-            </a:r>
+                <a:hlinkClick r:id="rId3"/>
+              </a:rPr>
+              <a:t>babelmixr2</a:t>
+            </a:r>
+            <a:endParaRPr lang="en-US" b="1" dirty="0">
+              <a:solidFill>
+                <a:schemeClr val="accent2"/>
+              </a:solidFill>
+              <a:latin typeface="Courier New" panose="02070309020205020404" pitchFamily="49" charset="0"/>
+              <a:cs typeface="Courier New" panose="02070309020205020404" pitchFamily="49" charset="0"/>
+            </a:endParaRPr>
           </a:p>
         </p:txBody>
       </p:sp>
+      <p:pic>
+        <p:nvPicPr>
+          <p:cNvPr id="5" name="Picture 4">
+            <a:extLst>
+              <a:ext uri="{FF2B5EF4-FFF2-40B4-BE49-F238E27FC236}">
+                <a16:creationId xmlns:a16="http://schemas.microsoft.com/office/drawing/2014/main" id="{A6BD5C9A-F802-EBEB-78D3-207D2E65BBC7}"/>
+              </a:ext>
+            </a:extLst>
+          </p:cNvPr>
+          <p:cNvPicPr>
+            <a:picLocks noChangeAspect="1"/>
+          </p:cNvPicPr>
+          <p:nvPr/>
+        </p:nvPicPr>
+        <p:blipFill>
+          <a:blip r:embed="rId4"/>
+          <a:stretch>
+            <a:fillRect/>
+          </a:stretch>
+        </p:blipFill>
+        <p:spPr>
+          <a:xfrm>
+            <a:off x="45624" y="1608881"/>
+            <a:ext cx="12118922" cy="4837053"/>
+          </a:xfrm>
+          <a:prstGeom prst="rect">
+            <a:avLst/>
+          </a:prstGeom>
+        </p:spPr>
+      </p:pic>
     </p:spTree>
     <p:extLst>
       <p:ext uri="{BB962C8B-B14F-4D97-AF65-F5344CB8AC3E}">
-        <p14:creationId xmlns:p14="http://schemas.microsoft.com/office/powerpoint/2010/main" val="2115325559"/>
+        <p14:creationId xmlns:p14="http://schemas.microsoft.com/office/powerpoint/2010/main" val="276249706"/>
       </p:ext>
     </p:extLst>
   </p:cSld>
@@ -10971,7 +10983,7 @@
           <p:cNvPr id="2" name="Title 1">
             <a:extLst>
               <a:ext uri="{FF2B5EF4-FFF2-40B4-BE49-F238E27FC236}">
-                <a16:creationId xmlns:a16="http://schemas.microsoft.com/office/drawing/2014/main" id="{CCD6F364-6DB6-1EEF-DDD6-8E4A9249E1FB}"/>
+                <a16:creationId xmlns:a16="http://schemas.microsoft.com/office/drawing/2014/main" id="{2B3BD602-9BD6-1985-63EA-84354A0816BB}"/>
               </a:ext>
             </a:extLst>
           </p:cNvPr>
@@ -10979,29 +10991,29 @@
             <a:spLocks noGrp="1"/>
           </p:cNvSpPr>
           <p:nvPr>
-            <p:ph type="ctrTitle"/>
+            <p:ph type="title"/>
           </p:nvPr>
         </p:nvSpPr>
         <p:spPr/>
         <p:txBody>
           <a:bodyPr>
-            <a:normAutofit/>
+            <a:normAutofit fontScale="90000"/>
           </a:bodyPr>
           <a:lstStyle/>
           <a:p>
             <a:r>
               <a:rPr lang="en-US" dirty="0"/>
-              <a:t>Templated Reporting</a:t>
+              <a:t>Simulating from NONMEM Results</a:t>
             </a:r>
           </a:p>
         </p:txBody>
       </p:sp>
       <p:sp>
         <p:nvSpPr>
-          <p:cNvPr id="3" name="Subtitle 2">
-            <a:extLst>
-              <a:ext uri="{FF2B5EF4-FFF2-40B4-BE49-F238E27FC236}">
-                <a16:creationId xmlns:a16="http://schemas.microsoft.com/office/drawing/2014/main" id="{1BE893E1-F898-CF1E-E248-4B618A67CCE4}"/>
+          <p:cNvPr id="3" name="Content Placeholder 2">
+            <a:extLst>
+              <a:ext uri="{FF2B5EF4-FFF2-40B4-BE49-F238E27FC236}">
+                <a16:creationId xmlns:a16="http://schemas.microsoft.com/office/drawing/2014/main" id="{23AB834F-0D97-9251-815B-7305E532801F}"/>
               </a:ext>
             </a:extLst>
           </p:cNvPr>
@@ -11009,7 +11021,7 @@
             <a:spLocks noGrp="1"/>
           </p:cNvSpPr>
           <p:nvPr>
-            <p:ph type="subTitle" idx="1"/>
+            <p:ph idx="1"/>
           </p:nvPr>
         </p:nvSpPr>
         <p:spPr/>
@@ -11019,105 +11031,103 @@
           <a:p>
             <a:r>
               <a:rPr lang="en-US" dirty="0"/>
-              <a:t>Outputting your work into Word and PowerPoint</a:t>
+              <a:t>Scenario: You have results from an analysis in NONMEM and you want to run simulations based on those results.</a:t>
+            </a:r>
+          </a:p>
+          <a:p>
+            <a:pPr marL="0" indent="0">
+              <a:buNone/>
+            </a:pPr>
+            <a:endParaRPr lang="en-US" dirty="0"/>
+          </a:p>
+          <a:p>
+            <a:r>
+              <a:rPr lang="en-US" dirty="0"/>
+              <a:t>Examples:</a:t>
+            </a:r>
+          </a:p>
+          <a:p>
+            <a:pPr lvl="1"/>
+            <a:r>
+              <a:rPr lang="en-US" b="1" dirty="0">
+                <a:latin typeface="Courier New" panose="02070309020205020404" pitchFamily="49" charset="0"/>
+                <a:cs typeface="Courier New" panose="02070309020205020404" pitchFamily="49" charset="0"/>
+                <a:hlinkClick r:id="rId2"/>
+              </a:rPr>
+              <a:t>sim_nonmem.R</a:t>
+            </a:r>
+            <a:r>
+              <a:rPr lang="en-US" dirty="0"/>
+              <a:t>: Read in a NONMEM output then  simulate the typical value and population predictions from IIV</a:t>
+            </a:r>
+          </a:p>
+          <a:p>
+            <a:pPr lvl="1"/>
+            <a:endParaRPr lang="en-US" dirty="0"/>
+          </a:p>
+          <a:p>
+            <a:pPr lvl="1"/>
+            <a:r>
+              <a:rPr lang="en-US" b="1" dirty="0">
+                <a:latin typeface="Courier New" panose="02070309020205020404" pitchFamily="49" charset="0"/>
+                <a:cs typeface="Courier New" panose="02070309020205020404" pitchFamily="49" charset="0"/>
+                <a:hlinkClick r:id="rId3"/>
+              </a:rPr>
+              <a:t>sim_nonmem_manual.R</a:t>
+            </a:r>
+            <a:r>
+              <a:rPr lang="en-US" dirty="0"/>
+              <a:t>: Read in a NONMEM output and then simulate using sampling from post hoc estimates using dosing based on individual body weights</a:t>
             </a:r>
           </a:p>
         </p:txBody>
       </p:sp>
-      <p:pic>
-        <p:nvPicPr>
-          <p:cNvPr id="5" name="Picture 4">
-            <a:extLst>
-              <a:ext uri="{FF2B5EF4-FFF2-40B4-BE49-F238E27FC236}">
-                <a16:creationId xmlns:a16="http://schemas.microsoft.com/office/drawing/2014/main" id="{E25E281B-BC58-33AC-D957-86F8A2BF2DEA}"/>
-              </a:ext>
-            </a:extLst>
-          </p:cNvPr>
-          <p:cNvPicPr>
-            <a:picLocks noChangeAspect="1"/>
-          </p:cNvPicPr>
-          <p:nvPr/>
-        </p:nvPicPr>
-        <p:blipFill>
-          <a:blip r:embed="rId2"/>
-          <a:stretch>
-            <a:fillRect/>
-          </a:stretch>
-        </p:blipFill>
-        <p:spPr>
-          <a:xfrm>
-            <a:off x="10529612" y="5913620"/>
-            <a:ext cx="824186" cy="944380"/>
-          </a:xfrm>
-          <a:prstGeom prst="rect">
-            <a:avLst/>
-          </a:prstGeom>
-        </p:spPr>
-      </p:pic>
-      <p:pic>
-        <p:nvPicPr>
-          <p:cNvPr id="6" name="Picture 5">
-            <a:extLst>
-              <a:ext uri="{FF2B5EF4-FFF2-40B4-BE49-F238E27FC236}">
-                <a16:creationId xmlns:a16="http://schemas.microsoft.com/office/drawing/2014/main" id="{304DB135-B1DE-B12B-5E44-CAD28914BDE0}"/>
-              </a:ext>
-            </a:extLst>
-          </p:cNvPr>
-          <p:cNvPicPr>
-            <a:picLocks noChangeAspect="1"/>
-          </p:cNvPicPr>
-          <p:nvPr/>
-        </p:nvPicPr>
-        <p:blipFill>
-          <a:blip r:embed="rId3"/>
-          <a:stretch>
-            <a:fillRect/>
-          </a:stretch>
-        </p:blipFill>
-        <p:spPr>
-          <a:xfrm>
-            <a:off x="9710117" y="5913620"/>
-            <a:ext cx="819494" cy="951670"/>
-          </a:xfrm>
-          <a:prstGeom prst="rect">
-            <a:avLst/>
-          </a:prstGeom>
-        </p:spPr>
-      </p:pic>
-      <p:pic>
-        <p:nvPicPr>
-          <p:cNvPr id="7" name="Picture 6">
-            <a:extLst>
-              <a:ext uri="{FF2B5EF4-FFF2-40B4-BE49-F238E27FC236}">
-                <a16:creationId xmlns:a16="http://schemas.microsoft.com/office/drawing/2014/main" id="{BBA1F16B-988F-FFDB-C769-BFFEE244063C}"/>
-              </a:ext>
-            </a:extLst>
-          </p:cNvPr>
-          <p:cNvPicPr>
-            <a:picLocks noChangeAspect="1"/>
-          </p:cNvPicPr>
-          <p:nvPr/>
-        </p:nvPicPr>
-        <p:blipFill>
-          <a:blip r:embed="rId4"/>
-          <a:stretch>
-            <a:fillRect/>
-          </a:stretch>
-        </p:blipFill>
-        <p:spPr>
-          <a:xfrm>
-            <a:off x="11353798" y="5894778"/>
-            <a:ext cx="838202" cy="963222"/>
-          </a:xfrm>
-          <a:prstGeom prst="rect">
-            <a:avLst/>
-          </a:prstGeom>
-        </p:spPr>
-      </p:pic>
+      <p:sp>
+        <p:nvSpPr>
+          <p:cNvPr id="4" name="Subtitle 3">
+            <a:extLst>
+              <a:ext uri="{FF2B5EF4-FFF2-40B4-BE49-F238E27FC236}">
+                <a16:creationId xmlns:a16="http://schemas.microsoft.com/office/drawing/2014/main" id="{62F3DC3B-0594-4640-6025-5F15153A9D76}"/>
+              </a:ext>
+            </a:extLst>
+          </p:cNvPr>
+          <p:cNvSpPr>
+            <a:spLocks noGrp="1"/>
+          </p:cNvSpPr>
+          <p:nvPr>
+            <p:ph type="subTitle" idx="13"/>
+          </p:nvPr>
+        </p:nvSpPr>
+        <p:spPr/>
+        <p:txBody>
+          <a:bodyPr/>
+          <a:lstStyle/>
+          <a:p>
+            <a:r>
+              <a:rPr lang="en-US" b="1" dirty="0">
+                <a:solidFill>
+                  <a:schemeClr val="accent2"/>
+                </a:solidFill>
+                <a:latin typeface="Courier New" panose="02070309020205020404" pitchFamily="49" charset="0"/>
+                <a:cs typeface="Courier New" panose="02070309020205020404" pitchFamily="49" charset="0"/>
+                <a:hlinkClick r:id="rId4"/>
+              </a:rPr>
+              <a:t>nonmem2rx</a:t>
+            </a:r>
+            <a:endParaRPr lang="en-US" b="1" dirty="0">
+              <a:solidFill>
+                <a:schemeClr val="accent2"/>
+              </a:solidFill>
+              <a:latin typeface="Courier New" panose="02070309020205020404" pitchFamily="49" charset="0"/>
+              <a:cs typeface="Courier New" panose="02070309020205020404" pitchFamily="49" charset="0"/>
+            </a:endParaRPr>
+          </a:p>
+        </p:txBody>
+      </p:sp>
     </p:spTree>
     <p:extLst>
       <p:ext uri="{BB962C8B-B14F-4D97-AF65-F5344CB8AC3E}">
-        <p14:creationId xmlns:p14="http://schemas.microsoft.com/office/powerpoint/2010/main" val="1871385784"/>
+        <p14:creationId xmlns:p14="http://schemas.microsoft.com/office/powerpoint/2010/main" val="3432367490"/>
       </p:ext>
     </p:extLst>
   </p:cSld>
@@ -11149,7 +11159,7 @@
           <p:cNvPr id="2" name="Title 1">
             <a:extLst>
               <a:ext uri="{FF2B5EF4-FFF2-40B4-BE49-F238E27FC236}">
-                <a16:creationId xmlns:a16="http://schemas.microsoft.com/office/drawing/2014/main" id="{06C1E19A-E1EC-F3C3-98C1-82E3123CB143}"/>
+                <a16:creationId xmlns:a16="http://schemas.microsoft.com/office/drawing/2014/main" id="{47B6EEA9-125A-91CC-B6B3-CD1A84895C08}"/>
               </a:ext>
             </a:extLst>
           </p:cNvPr>
@@ -11169,7 +11179,7 @@
           <a:p>
             <a:r>
               <a:rPr lang="en-US" dirty="0"/>
-              <a:t>Word and PowerPoint Reporting</a:t>
+              <a:t>Reading in NONMEM Results</a:t>
             </a:r>
           </a:p>
         </p:txBody>
@@ -11179,7 +11189,7 @@
           <p:cNvPr id="3" name="Content Placeholder 2">
             <a:extLst>
               <a:ext uri="{FF2B5EF4-FFF2-40B4-BE49-F238E27FC236}">
-                <a16:creationId xmlns:a16="http://schemas.microsoft.com/office/drawing/2014/main" id="{73F34AAA-C41B-A390-52DC-E471F287753E}"/>
+                <a16:creationId xmlns:a16="http://schemas.microsoft.com/office/drawing/2014/main" id="{2F5AF81D-0993-0072-A38C-65A715097D87}"/>
               </a:ext>
             </a:extLst>
           </p:cNvPr>
@@ -11190,43 +11200,58 @@
             <p:ph idx="1"/>
           </p:nvPr>
         </p:nvSpPr>
-        <p:spPr>
-          <a:xfrm>
-            <a:off x="838200" y="1414914"/>
-            <a:ext cx="10515600" cy="5443085"/>
-          </a:xfrm>
-        </p:spPr>
+        <p:spPr/>
         <p:txBody>
-          <a:bodyPr>
-            <a:normAutofit lnSpcReduction="10000"/>
-          </a:bodyPr>
+          <a:bodyPr/>
           <a:lstStyle/>
           <a:p>
             <a:r>
               <a:rPr lang="en-US" dirty="0"/>
-              <a:t>Provides detailed methods to create and modify both Word and PowerPoint files</a:t>
-            </a:r>
-          </a:p>
-          <a:p>
+              <a:t>You need the following:</a:t>
+            </a:r>
+          </a:p>
+          <a:p>
+            <a:pPr lvl="1"/>
             <a:r>
               <a:rPr lang="en-US" dirty="0"/>
-              <a:t>Images from files (</a:t>
+              <a:t>NONMEM output (</a:t>
             </a:r>
             <a:r>
               <a:rPr lang="en-US" dirty="0" err="1"/>
-              <a:t>png</a:t>
+              <a:t>lst</a:t>
             </a:r>
             <a:r>
               <a:rPr lang="en-US" dirty="0"/>
-              <a:t>, </a:t>
+              <a:t> or xml)</a:t>
+            </a:r>
+          </a:p>
+          <a:p>
+            <a:pPr lvl="1"/>
+            <a:r>
+              <a:rPr lang="en-US" dirty="0"/>
+              <a:t>Analysis data set</a:t>
+            </a:r>
+          </a:p>
+          <a:p>
+            <a:pPr lvl="1"/>
+            <a:r>
+              <a:rPr lang="en-US" dirty="0"/>
+              <a:t>Post hoc parameters (</a:t>
             </a:r>
             <a:r>
               <a:rPr lang="en-US" dirty="0" err="1"/>
-              <a:t>svg</a:t>
+              <a:t>patab</a:t>
             </a:r>
             <a:r>
               <a:rPr lang="en-US" dirty="0"/>
-              <a:t>, </a:t>
+              <a:t>)</a:t>
+            </a:r>
+          </a:p>
+          <a:p>
+            <a:pPr lvl="1"/>
+            <a:r>
+              <a:rPr lang="en-US" dirty="0"/>
+              <a:t>PRED, IPRED, RES, </a:t>
             </a:r>
             <a:r>
               <a:rPr lang="en-US" dirty="0" err="1"/>
@@ -11234,21 +11259,11 @@
             </a:r>
             <a:r>
               <a:rPr lang="en-US" dirty="0"/>
-              <a:t>), </a:t>
+              <a:t> (</a:t>
             </a:r>
             <a:r>
               <a:rPr lang="en-US" dirty="0" err="1"/>
-              <a:t>ggplot</a:t>
-            </a:r>
-            <a:r>
-              <a:rPr lang="en-US" dirty="0"/>
-              <a:t> objects, Office charts (</a:t>
-            </a:r>
-            <a:r>
-              <a:rPr lang="en-US" dirty="0" err="1">
-                <a:hlinkClick r:id="rId2"/>
-              </a:rPr>
-              <a:t>mschart</a:t>
+              <a:t>sdtab</a:t>
             </a:r>
             <a:r>
               <a:rPr lang="en-US" dirty="0"/>
@@ -11258,73 +11273,32 @@
           <a:p>
             <a:r>
               <a:rPr lang="en-US" dirty="0"/>
-              <a:t>Tables can be office formatted tables or you have have more granular control through </a:t>
-            </a:r>
-            <a:r>
-              <a:rPr lang="en-US" dirty="0" err="1">
-                <a:hlinkClick r:id="rId3"/>
-              </a:rPr>
-              <a:t>flextable</a:t>
-            </a:r>
-            <a:endParaRPr lang="en-US" dirty="0"/>
-          </a:p>
-          <a:p>
+              <a:t>Using </a:t>
+            </a:r>
+            <a:r>
+              <a:rPr lang="en-US" b="1" dirty="0">
+                <a:latin typeface="Courier New" panose="02070309020205020404" pitchFamily="49" charset="0"/>
+                <a:cs typeface="Courier New" panose="02070309020205020404" pitchFamily="49" charset="0"/>
+                <a:hlinkClick r:id="rId2"/>
+              </a:rPr>
+              <a:t>nonmem2rx</a:t>
+            </a:r>
             <a:r>
               <a:rPr lang="en-US" dirty="0"/>
-              <a:t>Text can utilize styles or you can control the format more explicitly</a:t>
-            </a:r>
-          </a:p>
-          <a:p>
-            <a:r>
+              <a:t> you can read </a:t>
+            </a:r>
+            <a:br>
               <a:rPr lang="en-US" dirty="0"/>
-              <a:t>Equations: the </a:t>
-            </a:r>
-            <a:r>
-              <a:rPr lang="en-US" dirty="0">
-                <a:hlinkClick r:id="rId4"/>
-              </a:rPr>
-              <a:t>equatags</a:t>
-            </a:r>
+            </a:br>
             <a:r>
               <a:rPr lang="en-US" dirty="0"/>
-              <a:t> (relatively new)</a:t>
+              <a:t>in the NONMEM results</a:t>
             </a:r>
           </a:p>
           <a:p>
             <a:r>
               <a:rPr lang="en-US" dirty="0"/>
-              <a:t>Downsides:</a:t>
-            </a:r>
-          </a:p>
-          <a:p>
-            <a:pPr lvl="1"/>
-            <a:r>
-              <a:rPr lang="en-US" dirty="0"/>
-              <a:t>High level of control means </a:t>
-            </a:r>
-            <a:r>
-              <a:rPr lang="en-US" dirty="0">
-                <a:sym typeface="Wingdings" pitchFamily="2" charset="2"/>
-              </a:rPr>
-              <a:t> complexity</a:t>
-            </a:r>
-            <a:r>
-              <a:rPr lang="en-US" dirty="0"/>
-              <a:t> </a:t>
-            </a:r>
-          </a:p>
-          <a:p>
-            <a:pPr lvl="1"/>
-            <a:r>
-              <a:rPr lang="en-US" dirty="0"/>
-              <a:t>Changes to the code base have broken things for me </a:t>
-            </a:r>
-          </a:p>
-          <a:p>
-            <a:pPr lvl="1"/>
-            <a:r>
-              <a:rPr lang="en-US" dirty="0"/>
-              <a:t>Placeholders in documents are used and can difficult to deal with when templates change</a:t>
+              <a:t>Validation is built in (use plot)</a:t>
             </a:r>
           </a:p>
         </p:txBody>
@@ -11334,7 +11308,7 @@
           <p:cNvPr id="4" name="Subtitle 3">
             <a:extLst>
               <a:ext uri="{FF2B5EF4-FFF2-40B4-BE49-F238E27FC236}">
-                <a16:creationId xmlns:a16="http://schemas.microsoft.com/office/drawing/2014/main" id="{3DFB509F-E6F1-9BC3-2ABD-3D0BF08CE422}"/>
+                <a16:creationId xmlns:a16="http://schemas.microsoft.com/office/drawing/2014/main" id="{D2FF5242-F7DA-6F06-A89D-7F7B07F53BAC}"/>
               </a:ext>
             </a:extLst>
           </p:cNvPr>
@@ -11351,18 +11325,479 @@
           <a:lstStyle/>
           <a:p>
             <a:r>
-              <a:rPr lang="en-US" dirty="0"/>
-              <a:t>If you want absolute control use the officer package</a:t>
+              <a:rPr lang="en-US" b="1" dirty="0">
+                <a:latin typeface="Courier New" panose="02070309020205020404" pitchFamily="49" charset="0"/>
+                <a:cs typeface="Courier New" panose="02070309020205020404" pitchFamily="49" charset="0"/>
+                <a:hlinkClick r:id="rId3"/>
+              </a:rPr>
+              <a:t>sim_nonmem.R</a:t>
+            </a:r>
+            <a:endParaRPr lang="en-US" dirty="0"/>
+          </a:p>
+        </p:txBody>
+      </p:sp>
+      <p:sp>
+        <p:nvSpPr>
+          <p:cNvPr id="5" name="TextBox 4">
+            <a:extLst>
+              <a:ext uri="{FF2B5EF4-FFF2-40B4-BE49-F238E27FC236}">
+                <a16:creationId xmlns:a16="http://schemas.microsoft.com/office/drawing/2014/main" id="{CD630058-0B3D-0719-4595-A1F7507CDC06}"/>
+              </a:ext>
+            </a:extLst>
+          </p:cNvPr>
+          <p:cNvSpPr txBox="1"/>
+          <p:nvPr/>
+        </p:nvSpPr>
+        <p:spPr>
+          <a:xfrm>
+            <a:off x="6281195" y="1414915"/>
+            <a:ext cx="5801588" cy="1938992"/>
+          </a:xfrm>
+          <a:prstGeom prst="rect">
+            <a:avLst/>
+          </a:prstGeom>
+          <a:solidFill>
+            <a:schemeClr val="tx2">
+              <a:lumMod val="20000"/>
+              <a:lumOff val="80000"/>
+            </a:schemeClr>
+          </a:solidFill>
+          <a:ln>
+            <a:solidFill>
+              <a:schemeClr val="accent1"/>
+            </a:solidFill>
+          </a:ln>
+        </p:spPr>
+        <p:txBody>
+          <a:bodyPr wrap="none" rtlCol="0">
+            <a:spAutoFit/>
+          </a:bodyPr>
+          <a:lstStyle/>
+          <a:p>
+            <a:r>
+              <a:rPr lang="en-US" sz="1000" b="1" dirty="0" err="1">
+                <a:solidFill>
+                  <a:schemeClr val="accent2">
+                    <a:lumMod val="75000"/>
+                  </a:schemeClr>
+                </a:solidFill>
+                <a:latin typeface="Courier New" panose="02070309020205020404" pitchFamily="49" charset="0"/>
+                <a:cs typeface="Courier New" panose="02070309020205020404" pitchFamily="49" charset="0"/>
+              </a:rPr>
+              <a:t>resFileName</a:t>
+            </a:r>
+            <a:r>
+              <a:rPr lang="en-US" sz="1000" b="1" dirty="0">
+                <a:solidFill>
+                  <a:schemeClr val="accent2">
+                    <a:lumMod val="75000"/>
+                  </a:schemeClr>
+                </a:solidFill>
+                <a:latin typeface="Courier New" panose="02070309020205020404" pitchFamily="49" charset="0"/>
+                <a:cs typeface="Courier New" panose="02070309020205020404" pitchFamily="49" charset="0"/>
+              </a:rPr>
+              <a:t> &lt;- </a:t>
+            </a:r>
+            <a:r>
+              <a:rPr lang="en-US" sz="1000" b="1" dirty="0" err="1">
+                <a:solidFill>
+                  <a:schemeClr val="accent2">
+                    <a:lumMod val="75000"/>
+                  </a:schemeClr>
+                </a:solidFill>
+                <a:latin typeface="Courier New" panose="02070309020205020404" pitchFamily="49" charset="0"/>
+                <a:cs typeface="Courier New" panose="02070309020205020404" pitchFamily="49" charset="0"/>
+              </a:rPr>
+              <a:t>system.file</a:t>
+            </a:r>
+            <a:r>
+              <a:rPr lang="en-US" sz="1000" b="1" dirty="0">
+                <a:solidFill>
+                  <a:schemeClr val="accent2">
+                    <a:lumMod val="75000"/>
+                  </a:schemeClr>
+                </a:solidFill>
+                <a:latin typeface="Courier New" panose="02070309020205020404" pitchFamily="49" charset="0"/>
+                <a:cs typeface="Courier New" panose="02070309020205020404" pitchFamily="49" charset="0"/>
+              </a:rPr>
+              <a:t>("mods/</a:t>
+            </a:r>
+            <a:r>
+              <a:rPr lang="en-US" sz="1000" b="1" dirty="0" err="1">
+                <a:solidFill>
+                  <a:schemeClr val="accent2">
+                    <a:lumMod val="75000"/>
+                  </a:schemeClr>
+                </a:solidFill>
+                <a:latin typeface="Courier New" panose="02070309020205020404" pitchFamily="49" charset="0"/>
+                <a:cs typeface="Courier New" panose="02070309020205020404" pitchFamily="49" charset="0"/>
+              </a:rPr>
+              <a:t>cpt</a:t>
+            </a:r>
+            <a:r>
+              <a:rPr lang="en-US" sz="1000" b="1" dirty="0">
+                <a:solidFill>
+                  <a:schemeClr val="accent2">
+                    <a:lumMod val="75000"/>
+                  </a:schemeClr>
+                </a:solidFill>
+                <a:latin typeface="Courier New" panose="02070309020205020404" pitchFamily="49" charset="0"/>
+                <a:cs typeface="Courier New" panose="02070309020205020404" pitchFamily="49" charset="0"/>
+              </a:rPr>
+              <a:t>/runODE032.res", package="nonmem2rx")</a:t>
+            </a:r>
+          </a:p>
+          <a:p>
+            <a:r>
+              <a:rPr lang="en-US" sz="1000" b="1" dirty="0">
+                <a:solidFill>
+                  <a:schemeClr val="accent2">
+                    <a:lumMod val="75000"/>
+                  </a:schemeClr>
+                </a:solidFill>
+                <a:latin typeface="Courier New" panose="02070309020205020404" pitchFamily="49" charset="0"/>
+                <a:cs typeface="Courier New" panose="02070309020205020404" pitchFamily="49" charset="0"/>
+              </a:rPr>
+              <a:t>mod  &lt;- nonmem2rx(</a:t>
+            </a:r>
+            <a:r>
+              <a:rPr lang="en-US" sz="1000" b="1" dirty="0" err="1">
+                <a:solidFill>
+                  <a:schemeClr val="accent2">
+                    <a:lumMod val="75000"/>
+                  </a:schemeClr>
+                </a:solidFill>
+                <a:latin typeface="Courier New" panose="02070309020205020404" pitchFamily="49" charset="0"/>
+                <a:cs typeface="Courier New" panose="02070309020205020404" pitchFamily="49" charset="0"/>
+              </a:rPr>
+              <a:t>resFileName</a:t>
+            </a:r>
+            <a:r>
+              <a:rPr lang="en-US" sz="1000" b="1" dirty="0">
+                <a:solidFill>
+                  <a:schemeClr val="accent2">
+                    <a:lumMod val="75000"/>
+                  </a:schemeClr>
+                </a:solidFill>
+                <a:latin typeface="Courier New" panose="02070309020205020404" pitchFamily="49" charset="0"/>
+                <a:cs typeface="Courier New" panose="02070309020205020404" pitchFamily="49" charset="0"/>
+              </a:rPr>
+              <a:t>, validate = TRUE, save=FALSE)</a:t>
+            </a:r>
+          </a:p>
+          <a:p>
+            <a:endParaRPr lang="en-US" sz="1000" b="1" dirty="0">
+              <a:solidFill>
+                <a:schemeClr val="accent2">
+                  <a:lumMod val="75000"/>
+                </a:schemeClr>
+              </a:solidFill>
+              <a:latin typeface="Courier New" panose="02070309020205020404" pitchFamily="49" charset="0"/>
+              <a:cs typeface="Courier New" panose="02070309020205020404" pitchFamily="49" charset="0"/>
+            </a:endParaRPr>
+          </a:p>
+          <a:p>
+            <a:r>
+              <a:rPr lang="en-US" sz="1000" b="1" dirty="0" err="1">
+                <a:solidFill>
+                  <a:schemeClr val="accent2">
+                    <a:lumMod val="75000"/>
+                  </a:schemeClr>
+                </a:solidFill>
+                <a:latin typeface="Courier New" panose="02070309020205020404" pitchFamily="49" charset="0"/>
+                <a:cs typeface="Courier New" panose="02070309020205020404" pitchFamily="49" charset="0"/>
+              </a:rPr>
+              <a:t>xmlFileName</a:t>
+            </a:r>
+            <a:r>
+              <a:rPr lang="en-US" sz="1000" b="1" dirty="0">
+                <a:solidFill>
+                  <a:schemeClr val="accent2">
+                    <a:lumMod val="75000"/>
+                  </a:schemeClr>
+                </a:solidFill>
+                <a:latin typeface="Courier New" panose="02070309020205020404" pitchFamily="49" charset="0"/>
+                <a:cs typeface="Courier New" panose="02070309020205020404" pitchFamily="49" charset="0"/>
+              </a:rPr>
+              <a:t> &lt;- </a:t>
+            </a:r>
+            <a:r>
+              <a:rPr lang="en-US" sz="1000" b="1" dirty="0" err="1">
+                <a:solidFill>
+                  <a:schemeClr val="accent2">
+                    <a:lumMod val="75000"/>
+                  </a:schemeClr>
+                </a:solidFill>
+                <a:latin typeface="Courier New" panose="02070309020205020404" pitchFamily="49" charset="0"/>
+                <a:cs typeface="Courier New" panose="02070309020205020404" pitchFamily="49" charset="0"/>
+              </a:rPr>
+              <a:t>system.file</a:t>
+            </a:r>
+            <a:r>
+              <a:rPr lang="en-US" sz="1000" b="1" dirty="0">
+                <a:solidFill>
+                  <a:schemeClr val="accent2">
+                    <a:lumMod val="75000"/>
+                  </a:schemeClr>
+                </a:solidFill>
+                <a:latin typeface="Courier New" panose="02070309020205020404" pitchFamily="49" charset="0"/>
+                <a:cs typeface="Courier New" panose="02070309020205020404" pitchFamily="49" charset="0"/>
+              </a:rPr>
+              <a:t>("mods/</a:t>
+            </a:r>
+            <a:r>
+              <a:rPr lang="en-US" sz="1000" b="1" dirty="0" err="1">
+                <a:solidFill>
+                  <a:schemeClr val="accent2">
+                    <a:lumMod val="75000"/>
+                  </a:schemeClr>
+                </a:solidFill>
+                <a:latin typeface="Courier New" panose="02070309020205020404" pitchFamily="49" charset="0"/>
+                <a:cs typeface="Courier New" panose="02070309020205020404" pitchFamily="49" charset="0"/>
+              </a:rPr>
+              <a:t>cpt</a:t>
+            </a:r>
+            <a:r>
+              <a:rPr lang="en-US" sz="1000" b="1" dirty="0">
+                <a:solidFill>
+                  <a:schemeClr val="accent2">
+                    <a:lumMod val="75000"/>
+                  </a:schemeClr>
+                </a:solidFill>
+                <a:latin typeface="Courier New" panose="02070309020205020404" pitchFamily="49" charset="0"/>
+                <a:cs typeface="Courier New" panose="02070309020205020404" pitchFamily="49" charset="0"/>
+              </a:rPr>
+              <a:t>/runODE032.xml", package="nonmem2rx")</a:t>
+            </a:r>
+          </a:p>
+          <a:p>
+            <a:endParaRPr lang="en-US" sz="1000" b="1" dirty="0">
+              <a:solidFill>
+                <a:schemeClr val="accent2">
+                  <a:lumMod val="75000"/>
+                </a:schemeClr>
+              </a:solidFill>
+              <a:latin typeface="Courier New" panose="02070309020205020404" pitchFamily="49" charset="0"/>
+              <a:cs typeface="Courier New" panose="02070309020205020404" pitchFamily="49" charset="0"/>
+            </a:endParaRPr>
+          </a:p>
+          <a:p>
+            <a:r>
+              <a:rPr lang="en-US" sz="1000" b="1" dirty="0">
+                <a:solidFill>
+                  <a:schemeClr val="accent2">
+                    <a:lumMod val="75000"/>
+                  </a:schemeClr>
+                </a:solidFill>
+                <a:latin typeface="Courier New" panose="02070309020205020404" pitchFamily="49" charset="0"/>
+                <a:cs typeface="Courier New" panose="02070309020205020404" pitchFamily="49" charset="0"/>
+              </a:rPr>
+              <a:t># Show the rxode2 model</a:t>
+            </a:r>
+          </a:p>
+          <a:p>
+            <a:r>
+              <a:rPr lang="en-US" sz="1000" b="1" dirty="0" err="1">
+                <a:solidFill>
+                  <a:schemeClr val="accent2">
+                    <a:lumMod val="75000"/>
+                  </a:schemeClr>
+                </a:solidFill>
+                <a:latin typeface="Courier New" panose="02070309020205020404" pitchFamily="49" charset="0"/>
+                <a:cs typeface="Courier New" panose="02070309020205020404" pitchFamily="49" charset="0"/>
+              </a:rPr>
+              <a:t>rxode_mod_str</a:t>
+            </a:r>
+            <a:r>
+              <a:rPr lang="en-US" sz="1000" b="1" dirty="0">
+                <a:solidFill>
+                  <a:schemeClr val="accent2">
+                    <a:lumMod val="75000"/>
+                  </a:schemeClr>
+                </a:solidFill>
+                <a:latin typeface="Courier New" panose="02070309020205020404" pitchFamily="49" charset="0"/>
+                <a:cs typeface="Courier New" panose="02070309020205020404" pitchFamily="49" charset="0"/>
+              </a:rPr>
+              <a:t> = paste0(</a:t>
+            </a:r>
+            <a:r>
+              <a:rPr lang="en-US" sz="1000" b="1" dirty="0" err="1">
+                <a:solidFill>
+                  <a:schemeClr val="accent2">
+                    <a:lumMod val="75000"/>
+                  </a:schemeClr>
+                </a:solidFill>
+                <a:latin typeface="Courier New" panose="02070309020205020404" pitchFamily="49" charset="0"/>
+                <a:cs typeface="Courier New" panose="02070309020205020404" pitchFamily="49" charset="0"/>
+              </a:rPr>
+              <a:t>deparse</a:t>
+            </a:r>
+            <a:r>
+              <a:rPr lang="en-US" sz="1000" b="1" dirty="0">
+                <a:solidFill>
+                  <a:schemeClr val="accent2">
+                    <a:lumMod val="75000"/>
+                  </a:schemeClr>
+                </a:solidFill>
+                <a:latin typeface="Courier New" panose="02070309020205020404" pitchFamily="49" charset="0"/>
+                <a:cs typeface="Courier New" panose="02070309020205020404" pitchFamily="49" charset="0"/>
+              </a:rPr>
+              <a:t>(</a:t>
+            </a:r>
+            <a:r>
+              <a:rPr lang="en-US" sz="1000" b="1" dirty="0" err="1">
+                <a:solidFill>
+                  <a:schemeClr val="accent2">
+                    <a:lumMod val="75000"/>
+                  </a:schemeClr>
+                </a:solidFill>
+                <a:latin typeface="Courier New" panose="02070309020205020404" pitchFamily="49" charset="0"/>
+                <a:cs typeface="Courier New" panose="02070309020205020404" pitchFamily="49" charset="0"/>
+              </a:rPr>
+              <a:t>as.function</a:t>
+            </a:r>
+            <a:r>
+              <a:rPr lang="en-US" sz="1000" b="1" dirty="0">
+                <a:solidFill>
+                  <a:schemeClr val="accent2">
+                    <a:lumMod val="75000"/>
+                  </a:schemeClr>
+                </a:solidFill>
+                <a:latin typeface="Courier New" panose="02070309020205020404" pitchFamily="49" charset="0"/>
+                <a:cs typeface="Courier New" panose="02070309020205020404" pitchFamily="49" charset="0"/>
+              </a:rPr>
+              <a:t>(mod)), collapse="\n")</a:t>
+            </a:r>
+          </a:p>
+          <a:p>
+            <a:r>
+              <a:rPr lang="en-US" sz="1000" b="1" dirty="0">
+                <a:solidFill>
+                  <a:schemeClr val="accent2">
+                    <a:lumMod val="75000"/>
+                  </a:schemeClr>
+                </a:solidFill>
+                <a:latin typeface="Courier New" panose="02070309020205020404" pitchFamily="49" charset="0"/>
+                <a:cs typeface="Courier New" panose="02070309020205020404" pitchFamily="49" charset="0"/>
+              </a:rPr>
+              <a:t>cat(</a:t>
+            </a:r>
+            <a:r>
+              <a:rPr lang="en-US" sz="1000" b="1" dirty="0" err="1">
+                <a:solidFill>
+                  <a:schemeClr val="accent2">
+                    <a:lumMod val="75000"/>
+                  </a:schemeClr>
+                </a:solidFill>
+                <a:latin typeface="Courier New" panose="02070309020205020404" pitchFamily="49" charset="0"/>
+                <a:cs typeface="Courier New" panose="02070309020205020404" pitchFamily="49" charset="0"/>
+              </a:rPr>
+              <a:t>rxode_mod_str</a:t>
+            </a:r>
+            <a:r>
+              <a:rPr lang="en-US" sz="1000" b="1" dirty="0">
+                <a:solidFill>
+                  <a:schemeClr val="accent2">
+                    <a:lumMod val="75000"/>
+                  </a:schemeClr>
+                </a:solidFill>
+                <a:latin typeface="Courier New" panose="02070309020205020404" pitchFamily="49" charset="0"/>
+                <a:cs typeface="Courier New" panose="02070309020205020404" pitchFamily="49" charset="0"/>
+              </a:rPr>
+              <a:t>)</a:t>
+            </a:r>
+          </a:p>
+          <a:p>
+            <a:endParaRPr lang="en-US" sz="1000" b="1" dirty="0">
+              <a:solidFill>
+                <a:schemeClr val="accent2">
+                  <a:lumMod val="75000"/>
+                </a:schemeClr>
+              </a:solidFill>
+              <a:latin typeface="Courier New" panose="02070309020205020404" pitchFamily="49" charset="0"/>
+              <a:cs typeface="Courier New" panose="02070309020205020404" pitchFamily="49" charset="0"/>
+            </a:endParaRPr>
+          </a:p>
+          <a:p>
+            <a:r>
+              <a:rPr lang="en-US" sz="1000" b="1" dirty="0">
+                <a:solidFill>
+                  <a:schemeClr val="accent2">
+                    <a:lumMod val="75000"/>
+                  </a:schemeClr>
+                </a:solidFill>
+                <a:latin typeface="Courier New" panose="02070309020205020404" pitchFamily="49" charset="0"/>
+                <a:cs typeface="Courier New" panose="02070309020205020404" pitchFamily="49" charset="0"/>
+              </a:rPr>
+              <a:t># Validation</a:t>
+            </a:r>
+          </a:p>
+          <a:p>
+            <a:r>
+              <a:rPr lang="en-US" sz="1000" b="1" dirty="0">
+                <a:solidFill>
+                  <a:schemeClr val="accent2">
+                    <a:lumMod val="75000"/>
+                  </a:schemeClr>
+                </a:solidFill>
+                <a:latin typeface="Courier New" panose="02070309020205020404" pitchFamily="49" charset="0"/>
+                <a:cs typeface="Courier New" panose="02070309020205020404" pitchFamily="49" charset="0"/>
+              </a:rPr>
+              <a:t>plot(mod)</a:t>
+            </a:r>
+          </a:p>
+          <a:p>
+            <a:r>
+              <a:rPr lang="en-US" sz="1000" b="1" dirty="0">
+                <a:solidFill>
+                  <a:schemeClr val="accent2">
+                    <a:lumMod val="75000"/>
+                  </a:schemeClr>
+                </a:solidFill>
+                <a:latin typeface="Courier New" panose="02070309020205020404" pitchFamily="49" charset="0"/>
+                <a:cs typeface="Courier New" panose="02070309020205020404" pitchFamily="49" charset="0"/>
+              </a:rPr>
+              <a:t>plot(mod, page=1, log="y") </a:t>
             </a:r>
           </a:p>
         </p:txBody>
       </p:sp>
       <p:pic>
         <p:nvPicPr>
-          <p:cNvPr id="9" name="Picture 8">
-            <a:extLst>
-              <a:ext uri="{FF2B5EF4-FFF2-40B4-BE49-F238E27FC236}">
-                <a16:creationId xmlns:a16="http://schemas.microsoft.com/office/drawing/2014/main" id="{B9188C14-F233-CDE7-C6EB-608C0279497F}"/>
+          <p:cNvPr id="7" name="Picture 6">
+            <a:extLst>
+              <a:ext uri="{FF2B5EF4-FFF2-40B4-BE49-F238E27FC236}">
+                <a16:creationId xmlns:a16="http://schemas.microsoft.com/office/drawing/2014/main" id="{6B74F84E-65BA-0B25-C2F0-E2E47134C682}"/>
+              </a:ext>
+            </a:extLst>
+          </p:cNvPr>
+          <p:cNvPicPr>
+            <a:picLocks noChangeAspect="1"/>
+          </p:cNvPicPr>
+          <p:nvPr/>
+        </p:nvPicPr>
+        <p:blipFill>
+          <a:blip r:embed="rId4"/>
+          <a:stretch>
+            <a:fillRect/>
+          </a:stretch>
+        </p:blipFill>
+        <p:spPr>
+          <a:xfrm>
+            <a:off x="173669" y="5021992"/>
+            <a:ext cx="5833754" cy="1633451"/>
+          </a:xfrm>
+          <a:prstGeom prst="rect">
+            <a:avLst/>
+          </a:prstGeom>
+        </p:spPr>
+      </p:pic>
+      <p:pic>
+        <p:nvPicPr>
+          <p:cNvPr id="11" name="Picture 10">
+            <a:extLst>
+              <a:ext uri="{FF2B5EF4-FFF2-40B4-BE49-F238E27FC236}">
+                <a16:creationId xmlns:a16="http://schemas.microsoft.com/office/drawing/2014/main" id="{3F19D66B-4ADE-35A5-62C0-856015F80697}"/>
               </a:ext>
             </a:extLst>
           </p:cNvPr>
@@ -11379,8 +11814,8 @@
         </p:blipFill>
         <p:spPr>
           <a:xfrm>
-            <a:off x="11366286" y="5923555"/>
-            <a:ext cx="819494" cy="951670"/>
+            <a:off x="6119150" y="3493059"/>
+            <a:ext cx="5965330" cy="3253816"/>
           </a:xfrm>
           <a:prstGeom prst="rect">
             <a:avLst/>
@@ -11390,7 +11825,7 @@
     </p:spTree>
     <p:extLst>
       <p:ext uri="{BB962C8B-B14F-4D97-AF65-F5344CB8AC3E}">
-        <p14:creationId xmlns:p14="http://schemas.microsoft.com/office/powerpoint/2010/main" val="2022632545"/>
+        <p14:creationId xmlns:p14="http://schemas.microsoft.com/office/powerpoint/2010/main" val="1611447813"/>
       </p:ext>
     </p:extLst>
   </p:cSld>
@@ -12511,6 +12946,2286 @@
           <p:cNvPr id="2" name="Title 1">
             <a:extLst>
               <a:ext uri="{FF2B5EF4-FFF2-40B4-BE49-F238E27FC236}">
+                <a16:creationId xmlns:a16="http://schemas.microsoft.com/office/drawing/2014/main" id="{47B6EEA9-125A-91CC-B6B3-CD1A84895C08}"/>
+              </a:ext>
+            </a:extLst>
+          </p:cNvPr>
+          <p:cNvSpPr>
+            <a:spLocks noGrp="1"/>
+          </p:cNvSpPr>
+          <p:nvPr>
+            <p:ph type="title"/>
+          </p:nvPr>
+        </p:nvSpPr>
+        <p:spPr/>
+        <p:txBody>
+          <a:bodyPr>
+            <a:normAutofit fontScale="90000"/>
+          </a:bodyPr>
+          <a:lstStyle/>
+          <a:p>
+            <a:r>
+              <a:rPr lang="en-US" dirty="0"/>
+              <a:t>NONMEM-Specific Aspects of </a:t>
+            </a:r>
+            <a:r>
+              <a:rPr lang="en-US" b="1" dirty="0">
+                <a:solidFill>
+                  <a:schemeClr val="accent2"/>
+                </a:solidFill>
+                <a:latin typeface="Courier New" panose="02070309020205020404" pitchFamily="49" charset="0"/>
+                <a:cs typeface="Courier New" panose="02070309020205020404" pitchFamily="49" charset="0"/>
+              </a:rPr>
+              <a:t>mod</a:t>
+            </a:r>
+          </a:p>
+        </p:txBody>
+      </p:sp>
+      <p:sp>
+        <p:nvSpPr>
+          <p:cNvPr id="3" name="Content Placeholder 2">
+            <a:extLst>
+              <a:ext uri="{FF2B5EF4-FFF2-40B4-BE49-F238E27FC236}">
+                <a16:creationId xmlns:a16="http://schemas.microsoft.com/office/drawing/2014/main" id="{2F5AF81D-0993-0072-A38C-65A715097D87}"/>
+              </a:ext>
+            </a:extLst>
+          </p:cNvPr>
+          <p:cNvSpPr>
+            <a:spLocks noGrp="1"/>
+          </p:cNvSpPr>
+          <p:nvPr>
+            <p:ph idx="1"/>
+          </p:nvPr>
+        </p:nvSpPr>
+        <p:spPr>
+          <a:xfrm>
+            <a:off x="838200" y="1414916"/>
+            <a:ext cx="10515600" cy="4603920"/>
+          </a:xfrm>
+        </p:spPr>
+        <p:txBody>
+          <a:bodyPr>
+            <a:normAutofit lnSpcReduction="10000"/>
+          </a:bodyPr>
+          <a:lstStyle/>
+          <a:p>
+            <a:pPr marL="0" indent="0">
+              <a:buNone/>
+            </a:pPr>
+            <a:r>
+              <a:rPr lang="en-US" dirty="0"/>
+              <a:t>When NONMEM output is read in an rxode2 model is created (called </a:t>
+            </a:r>
+            <a:r>
+              <a:rPr lang="en-US" b="1" dirty="0">
+                <a:solidFill>
+                  <a:schemeClr val="accent2"/>
+                </a:solidFill>
+                <a:latin typeface="Courier New" panose="02070309020205020404" pitchFamily="49" charset="0"/>
+                <a:cs typeface="Courier New" panose="02070309020205020404" pitchFamily="49" charset="0"/>
+              </a:rPr>
+              <a:t>mod</a:t>
+            </a:r>
+            <a:r>
+              <a:rPr lang="en-US" dirty="0"/>
+              <a:t> here). This contains data specific to the NONMEM analysis these are some of the fields that you may find useful:</a:t>
+            </a:r>
+          </a:p>
+          <a:p>
+            <a:r>
+              <a:rPr lang="en-US" dirty="0"/>
+              <a:t> </a:t>
+            </a:r>
+            <a:r>
+              <a:rPr lang="en-US" b="1" dirty="0" err="1">
+                <a:solidFill>
+                  <a:schemeClr val="accent2"/>
+                </a:solidFill>
+                <a:latin typeface="Courier New" panose="02070309020205020404" pitchFamily="49" charset="0"/>
+                <a:cs typeface="Courier New" panose="02070309020205020404" pitchFamily="49" charset="0"/>
+              </a:rPr>
+              <a:t>mod$nonmemData</a:t>
+            </a:r>
+            <a:r>
+              <a:rPr lang="en-US" dirty="0"/>
+              <a:t>: original NONMEM dataset</a:t>
+            </a:r>
+          </a:p>
+          <a:p>
+            <a:endParaRPr lang="en-US" dirty="0"/>
+          </a:p>
+          <a:p>
+            <a:r>
+              <a:rPr lang="en-US" dirty="0"/>
+              <a:t> </a:t>
+            </a:r>
+            <a:r>
+              <a:rPr lang="en-US" b="1" dirty="0" err="1">
+                <a:solidFill>
+                  <a:schemeClr val="accent2"/>
+                </a:solidFill>
+                <a:latin typeface="Courier New" panose="02070309020205020404" pitchFamily="49" charset="0"/>
+                <a:cs typeface="Courier New" panose="02070309020205020404" pitchFamily="49" charset="0"/>
+              </a:rPr>
+              <a:t>mod$ipredCompare</a:t>
+            </a:r>
+            <a:r>
+              <a:rPr lang="en-US" dirty="0"/>
+              <a:t>: Data frame with </a:t>
+            </a:r>
+            <a:r>
+              <a:rPr lang="en-US" dirty="0" err="1"/>
+              <a:t>ipred</a:t>
+            </a:r>
+            <a:r>
+              <a:rPr lang="en-US" dirty="0"/>
+              <a:t> values</a:t>
+            </a:r>
+          </a:p>
+          <a:p>
+            <a:endParaRPr lang="en-US" dirty="0"/>
+          </a:p>
+          <a:p>
+            <a:r>
+              <a:rPr lang="en-US" dirty="0"/>
+              <a:t> </a:t>
+            </a:r>
+            <a:r>
+              <a:rPr lang="en-US" b="1" dirty="0" err="1">
+                <a:solidFill>
+                  <a:schemeClr val="accent2"/>
+                </a:solidFill>
+                <a:latin typeface="Courier New" panose="02070309020205020404" pitchFamily="49" charset="0"/>
+                <a:cs typeface="Courier New" panose="02070309020205020404" pitchFamily="49" charset="0"/>
+              </a:rPr>
+              <a:t>mod$predCompare</a:t>
+            </a:r>
+            <a:r>
+              <a:rPr lang="en-US" dirty="0"/>
+              <a:t>: Data frame with pred values</a:t>
+            </a:r>
+          </a:p>
+          <a:p>
+            <a:endParaRPr lang="en-US" dirty="0"/>
+          </a:p>
+          <a:p>
+            <a:r>
+              <a:rPr lang="en-US" dirty="0"/>
+              <a:t> </a:t>
+            </a:r>
+            <a:r>
+              <a:rPr lang="en-US" b="1" dirty="0" err="1">
+                <a:solidFill>
+                  <a:schemeClr val="accent2"/>
+                </a:solidFill>
+                <a:latin typeface="Courier New" panose="02070309020205020404" pitchFamily="49" charset="0"/>
+                <a:cs typeface="Courier New" panose="02070309020205020404" pitchFamily="49" charset="0"/>
+              </a:rPr>
+              <a:t>mod$etaData</a:t>
+            </a:r>
+            <a:r>
+              <a:rPr lang="en-US" dirty="0"/>
+              <a:t>: Subject level IIV values</a:t>
+            </a:r>
+          </a:p>
+        </p:txBody>
+      </p:sp>
+      <p:sp>
+        <p:nvSpPr>
+          <p:cNvPr id="4" name="Subtitle 3">
+            <a:extLst>
+              <a:ext uri="{FF2B5EF4-FFF2-40B4-BE49-F238E27FC236}">
+                <a16:creationId xmlns:a16="http://schemas.microsoft.com/office/drawing/2014/main" id="{D2FF5242-F7DA-6F06-A89D-7F7B07F53BAC}"/>
+              </a:ext>
+            </a:extLst>
+          </p:cNvPr>
+          <p:cNvSpPr>
+            <a:spLocks noGrp="1"/>
+          </p:cNvSpPr>
+          <p:nvPr>
+            <p:ph type="subTitle" idx="13"/>
+          </p:nvPr>
+        </p:nvSpPr>
+        <p:spPr/>
+        <p:txBody>
+          <a:bodyPr/>
+          <a:lstStyle/>
+          <a:p>
+            <a:r>
+              <a:rPr lang="en-US" b="1" dirty="0">
+                <a:latin typeface="Courier New" panose="02070309020205020404" pitchFamily="49" charset="0"/>
+                <a:cs typeface="Courier New" panose="02070309020205020404" pitchFamily="49" charset="0"/>
+                <a:hlinkClick r:id="rId2"/>
+              </a:rPr>
+              <a:t>sim_nonmem.R</a:t>
+            </a:r>
+            <a:endParaRPr lang="en-US" dirty="0"/>
+          </a:p>
+        </p:txBody>
+      </p:sp>
+      <p:sp>
+        <p:nvSpPr>
+          <p:cNvPr id="7" name="TextBox 6">
+            <a:extLst>
+              <a:ext uri="{FF2B5EF4-FFF2-40B4-BE49-F238E27FC236}">
+                <a16:creationId xmlns:a16="http://schemas.microsoft.com/office/drawing/2014/main" id="{5D702707-AAD9-DC73-9A25-A1E94A78C29F}"/>
+              </a:ext>
+            </a:extLst>
+          </p:cNvPr>
+          <p:cNvSpPr txBox="1"/>
+          <p:nvPr/>
+        </p:nvSpPr>
+        <p:spPr>
+          <a:xfrm>
+            <a:off x="-11575" y="6499976"/>
+            <a:ext cx="6111432" cy="369332"/>
+          </a:xfrm>
+          <a:prstGeom prst="rect">
+            <a:avLst/>
+          </a:prstGeom>
+          <a:noFill/>
+        </p:spPr>
+        <p:txBody>
+          <a:bodyPr wrap="square">
+            <a:spAutoFit/>
+          </a:bodyPr>
+          <a:lstStyle/>
+          <a:p>
+            <a:r>
+              <a:rPr lang="en-US" dirty="0">
+                <a:solidFill>
+                  <a:schemeClr val="accent6"/>
+                </a:solidFill>
+              </a:rPr>
+              <a:t>More information on rxode2/nlmixr2 model objects </a:t>
+            </a:r>
+            <a:r>
+              <a:rPr lang="en-US" dirty="0">
+                <a:solidFill>
+                  <a:schemeClr val="accent6"/>
+                </a:solidFill>
+                <a:hlinkClick r:id="rId3">
+                  <a:extLst>
+                    <a:ext uri="{A12FA001-AC4F-418D-AE19-62706E023703}">
+                      <ahyp:hlinkClr xmlns:ahyp="http://schemas.microsoft.com/office/drawing/2018/hyperlinkcolor" val="tx"/>
+                    </a:ext>
+                  </a:extLst>
+                </a:hlinkClick>
+              </a:rPr>
+              <a:t>here</a:t>
+            </a:r>
+            <a:r>
+              <a:rPr lang="en-US" dirty="0">
+                <a:solidFill>
+                  <a:schemeClr val="accent6"/>
+                </a:solidFill>
+              </a:rPr>
+              <a:t>.</a:t>
+            </a:r>
+          </a:p>
+        </p:txBody>
+      </p:sp>
+    </p:spTree>
+    <p:extLst>
+      <p:ext uri="{BB962C8B-B14F-4D97-AF65-F5344CB8AC3E}">
+        <p14:creationId xmlns:p14="http://schemas.microsoft.com/office/powerpoint/2010/main" val="3139054767"/>
+      </p:ext>
+    </p:extLst>
+  </p:cSld>
+  <p:clrMapOvr>
+    <a:masterClrMapping/>
+  </p:clrMapOvr>
+</p:sld>
+</file>
+
+<file path=ppt/slides/slide21.xml><?xml version="1.0" encoding="utf-8"?>
+<p:sld xmlns:a="http://schemas.openxmlformats.org/drawingml/2006/main" xmlns:r="http://schemas.openxmlformats.org/officeDocument/2006/relationships" xmlns:p="http://schemas.openxmlformats.org/presentationml/2006/main">
+  <p:cSld>
+    <p:spTree>
+      <p:nvGrpSpPr>
+        <p:cNvPr id="1" name=""/>
+        <p:cNvGrpSpPr/>
+        <p:nvPr/>
+      </p:nvGrpSpPr>
+      <p:grpSpPr>
+        <a:xfrm>
+          <a:off x="0" y="0"/>
+          <a:ext cx="0" cy="0"/>
+          <a:chOff x="0" y="0"/>
+          <a:chExt cx="0" cy="0"/>
+        </a:xfrm>
+      </p:grpSpPr>
+      <p:sp>
+        <p:nvSpPr>
+          <p:cNvPr id="2" name="Title 1">
+            <a:extLst>
+              <a:ext uri="{FF2B5EF4-FFF2-40B4-BE49-F238E27FC236}">
+                <a16:creationId xmlns:a16="http://schemas.microsoft.com/office/drawing/2014/main" id="{47B6EEA9-125A-91CC-B6B3-CD1A84895C08}"/>
+              </a:ext>
+            </a:extLst>
+          </p:cNvPr>
+          <p:cNvSpPr>
+            <a:spLocks noGrp="1"/>
+          </p:cNvSpPr>
+          <p:nvPr>
+            <p:ph type="title"/>
+          </p:nvPr>
+        </p:nvSpPr>
+        <p:spPr/>
+        <p:txBody>
+          <a:bodyPr>
+            <a:normAutofit fontScale="90000"/>
+          </a:bodyPr>
+          <a:lstStyle/>
+          <a:p>
+            <a:r>
+              <a:rPr lang="en-US" dirty="0"/>
+              <a:t>Creating Events and Simulating</a:t>
+            </a:r>
+          </a:p>
+        </p:txBody>
+      </p:sp>
+      <p:sp>
+        <p:nvSpPr>
+          <p:cNvPr id="3" name="Content Placeholder 2">
+            <a:extLst>
+              <a:ext uri="{FF2B5EF4-FFF2-40B4-BE49-F238E27FC236}">
+                <a16:creationId xmlns:a16="http://schemas.microsoft.com/office/drawing/2014/main" id="{2F5AF81D-0993-0072-A38C-65A715097D87}"/>
+              </a:ext>
+            </a:extLst>
+          </p:cNvPr>
+          <p:cNvSpPr>
+            <a:spLocks noGrp="1"/>
+          </p:cNvSpPr>
+          <p:nvPr>
+            <p:ph idx="1"/>
+          </p:nvPr>
+        </p:nvSpPr>
+        <p:spPr>
+          <a:xfrm>
+            <a:off x="838200" y="1414915"/>
+            <a:ext cx="5107331" cy="4762048"/>
+          </a:xfrm>
+        </p:spPr>
+        <p:txBody>
+          <a:bodyPr/>
+          <a:lstStyle/>
+          <a:p>
+            <a:r>
+              <a:rPr lang="en-US" dirty="0"/>
+              <a:t>Simulating only typical values: Specify only </a:t>
+            </a:r>
+            <a:r>
+              <a:rPr lang="en-US" b="1" dirty="0">
+                <a:solidFill>
+                  <a:schemeClr val="accent2"/>
+                </a:solidFill>
+                <a:latin typeface="Courier New" panose="02070309020205020404" pitchFamily="49" charset="0"/>
+                <a:cs typeface="Courier New" panose="02070309020205020404" pitchFamily="49" charset="0"/>
+              </a:rPr>
+              <a:t>events</a:t>
+            </a:r>
+          </a:p>
+          <a:p>
+            <a:endParaRPr lang="en-US" dirty="0"/>
+          </a:p>
+          <a:p>
+            <a:endParaRPr lang="en-US" dirty="0"/>
+          </a:p>
+          <a:p>
+            <a:r>
+              <a:rPr lang="en-US" dirty="0"/>
+              <a:t>Simulating from IIV: Specify </a:t>
+            </a:r>
+            <a:r>
+              <a:rPr lang="en-US" b="1" dirty="0">
+                <a:solidFill>
+                  <a:schemeClr val="accent2"/>
+                </a:solidFill>
+                <a:latin typeface="Courier New" panose="02070309020205020404" pitchFamily="49" charset="0"/>
+                <a:cs typeface="Courier New" panose="02070309020205020404" pitchFamily="49" charset="0"/>
+              </a:rPr>
+              <a:t>events</a:t>
+            </a:r>
+            <a:r>
+              <a:rPr lang="en-US" dirty="0"/>
+              <a:t> and also the number of subjects (</a:t>
+            </a:r>
+            <a:r>
+              <a:rPr lang="en-US" b="1" dirty="0" err="1">
+                <a:solidFill>
+                  <a:schemeClr val="accent2"/>
+                </a:solidFill>
+                <a:latin typeface="Courier New" panose="02070309020205020404" pitchFamily="49" charset="0"/>
+                <a:cs typeface="Courier New" panose="02070309020205020404" pitchFamily="49" charset="0"/>
+              </a:rPr>
+              <a:t>nSub</a:t>
+            </a:r>
+            <a:r>
+              <a:rPr lang="en-US" dirty="0"/>
+              <a:t>)</a:t>
+            </a:r>
+          </a:p>
+        </p:txBody>
+      </p:sp>
+      <p:sp>
+        <p:nvSpPr>
+          <p:cNvPr id="4" name="Subtitle 3">
+            <a:extLst>
+              <a:ext uri="{FF2B5EF4-FFF2-40B4-BE49-F238E27FC236}">
+                <a16:creationId xmlns:a16="http://schemas.microsoft.com/office/drawing/2014/main" id="{D2FF5242-F7DA-6F06-A89D-7F7B07F53BAC}"/>
+              </a:ext>
+            </a:extLst>
+          </p:cNvPr>
+          <p:cNvSpPr>
+            <a:spLocks noGrp="1"/>
+          </p:cNvSpPr>
+          <p:nvPr>
+            <p:ph type="subTitle" idx="13"/>
+          </p:nvPr>
+        </p:nvSpPr>
+        <p:spPr/>
+        <p:txBody>
+          <a:bodyPr/>
+          <a:lstStyle/>
+          <a:p>
+            <a:r>
+              <a:rPr lang="en-US" b="1" dirty="0">
+                <a:latin typeface="Courier New" panose="02070309020205020404" pitchFamily="49" charset="0"/>
+                <a:cs typeface="Courier New" panose="02070309020205020404" pitchFamily="49" charset="0"/>
+                <a:hlinkClick r:id="rId2"/>
+              </a:rPr>
+              <a:t>sim_nonmem.R</a:t>
+            </a:r>
+            <a:endParaRPr lang="en-US" dirty="0"/>
+          </a:p>
+        </p:txBody>
+      </p:sp>
+      <p:sp>
+        <p:nvSpPr>
+          <p:cNvPr id="5" name="TextBox 4">
+            <a:extLst>
+              <a:ext uri="{FF2B5EF4-FFF2-40B4-BE49-F238E27FC236}">
+                <a16:creationId xmlns:a16="http://schemas.microsoft.com/office/drawing/2014/main" id="{CD630058-0B3D-0719-4595-A1F7507CDC06}"/>
+              </a:ext>
+            </a:extLst>
+          </p:cNvPr>
+          <p:cNvSpPr txBox="1"/>
+          <p:nvPr/>
+        </p:nvSpPr>
+        <p:spPr>
+          <a:xfrm>
+            <a:off x="6246470" y="1521891"/>
+            <a:ext cx="5570756" cy="4093428"/>
+          </a:xfrm>
+          <a:prstGeom prst="rect">
+            <a:avLst/>
+          </a:prstGeom>
+          <a:solidFill>
+            <a:schemeClr val="tx2">
+              <a:lumMod val="20000"/>
+              <a:lumOff val="80000"/>
+            </a:schemeClr>
+          </a:solidFill>
+          <a:ln>
+            <a:solidFill>
+              <a:schemeClr val="accent1"/>
+            </a:solidFill>
+          </a:ln>
+        </p:spPr>
+        <p:txBody>
+          <a:bodyPr wrap="none" rtlCol="0">
+            <a:spAutoFit/>
+          </a:bodyPr>
+          <a:lstStyle/>
+          <a:p>
+            <a:r>
+              <a:rPr lang="en-US" sz="1000" b="1" dirty="0">
+                <a:solidFill>
+                  <a:schemeClr val="accent2">
+                    <a:lumMod val="75000"/>
+                  </a:schemeClr>
+                </a:solidFill>
+                <a:latin typeface="Courier New" panose="02070309020205020404" pitchFamily="49" charset="0"/>
+                <a:cs typeface="Courier New" panose="02070309020205020404" pitchFamily="49" charset="0"/>
+              </a:rPr>
+              <a:t># Flat dosing simulation event table</a:t>
+            </a:r>
+          </a:p>
+          <a:p>
+            <a:r>
+              <a:rPr lang="en-US" sz="1000" b="1" dirty="0" err="1">
+                <a:solidFill>
+                  <a:schemeClr val="accent2">
+                    <a:lumMod val="75000"/>
+                  </a:schemeClr>
+                </a:solidFill>
+                <a:latin typeface="Courier New" panose="02070309020205020404" pitchFamily="49" charset="0"/>
+                <a:cs typeface="Courier New" panose="02070309020205020404" pitchFamily="49" charset="0"/>
+              </a:rPr>
+              <a:t>ev</a:t>
+            </a:r>
+            <a:r>
+              <a:rPr lang="en-US" sz="1000" b="1" dirty="0">
+                <a:solidFill>
+                  <a:schemeClr val="accent2">
+                    <a:lumMod val="75000"/>
+                  </a:schemeClr>
+                </a:solidFill>
+                <a:latin typeface="Courier New" panose="02070309020205020404" pitchFamily="49" charset="0"/>
+                <a:cs typeface="Courier New" panose="02070309020205020404" pitchFamily="49" charset="0"/>
+              </a:rPr>
+              <a:t> &lt;- et(amt  = 120000, time=0,    # 10 doses</a:t>
+            </a:r>
+          </a:p>
+          <a:p>
+            <a:r>
+              <a:rPr lang="en-US" sz="1000" b="1" dirty="0">
+                <a:solidFill>
+                  <a:schemeClr val="accent2">
+                    <a:lumMod val="75000"/>
+                  </a:schemeClr>
+                </a:solidFill>
+                <a:latin typeface="Courier New" panose="02070309020205020404" pitchFamily="49" charset="0"/>
+                <a:cs typeface="Courier New" panose="02070309020205020404" pitchFamily="49" charset="0"/>
+              </a:rPr>
+              <a:t>         </a:t>
+            </a:r>
+            <a:r>
+              <a:rPr lang="en-US" sz="1000" b="1" dirty="0" err="1">
+                <a:solidFill>
+                  <a:schemeClr val="accent2">
+                    <a:lumMod val="75000"/>
+                  </a:schemeClr>
+                </a:solidFill>
+                <a:latin typeface="Courier New" panose="02070309020205020404" pitchFamily="49" charset="0"/>
+                <a:cs typeface="Courier New" panose="02070309020205020404" pitchFamily="49" charset="0"/>
+              </a:rPr>
+              <a:t>addl</a:t>
+            </a:r>
+            <a:r>
+              <a:rPr lang="en-US" sz="1000" b="1" dirty="0">
+                <a:solidFill>
+                  <a:schemeClr val="accent2">
+                    <a:lumMod val="75000"/>
+                  </a:schemeClr>
+                </a:solidFill>
+                <a:latin typeface="Courier New" panose="02070309020205020404" pitchFamily="49" charset="0"/>
+                <a:cs typeface="Courier New" panose="02070309020205020404" pitchFamily="49" charset="0"/>
+              </a:rPr>
+              <a:t> = 9,      ii=12) |&gt;  # first +9 </a:t>
+            </a:r>
+            <a:r>
+              <a:rPr lang="en-US" sz="1000" b="1" dirty="0" err="1">
+                <a:solidFill>
+                  <a:schemeClr val="accent2">
+                    <a:lumMod val="75000"/>
+                  </a:schemeClr>
+                </a:solidFill>
+                <a:latin typeface="Courier New" panose="02070309020205020404" pitchFamily="49" charset="0"/>
+                <a:cs typeface="Courier New" panose="02070309020205020404" pitchFamily="49" charset="0"/>
+              </a:rPr>
+              <a:t>addl</a:t>
+            </a:r>
+            <a:r>
+              <a:rPr lang="en-US" sz="1000" b="1" dirty="0">
+                <a:solidFill>
+                  <a:schemeClr val="accent2">
+                    <a:lumMod val="75000"/>
+                  </a:schemeClr>
+                </a:solidFill>
+                <a:latin typeface="Courier New" panose="02070309020205020404" pitchFamily="49" charset="0"/>
+                <a:cs typeface="Courier New" panose="02070309020205020404" pitchFamily="49" charset="0"/>
+              </a:rPr>
+              <a:t> every 12 hours</a:t>
+            </a:r>
+          </a:p>
+          <a:p>
+            <a:r>
+              <a:rPr lang="en-US" sz="1000" b="1" dirty="0">
+                <a:solidFill>
+                  <a:schemeClr val="accent2">
+                    <a:lumMod val="75000"/>
+                  </a:schemeClr>
+                </a:solidFill>
+                <a:latin typeface="Courier New" panose="02070309020205020404" pitchFamily="49" charset="0"/>
+                <a:cs typeface="Courier New" panose="02070309020205020404" pitchFamily="49" charset="0"/>
+              </a:rPr>
+              <a:t>      et(amt  = 120000, time=120,  # Followed by 6 doses</a:t>
+            </a:r>
+          </a:p>
+          <a:p>
+            <a:r>
+              <a:rPr lang="en-US" sz="1000" b="1" dirty="0">
+                <a:solidFill>
+                  <a:schemeClr val="accent2">
+                    <a:lumMod val="75000"/>
+                  </a:schemeClr>
+                </a:solidFill>
+                <a:latin typeface="Courier New" panose="02070309020205020404" pitchFamily="49" charset="0"/>
+                <a:cs typeface="Courier New" panose="02070309020205020404" pitchFamily="49" charset="0"/>
+              </a:rPr>
+              <a:t>         </a:t>
+            </a:r>
+            <a:r>
+              <a:rPr lang="en-US" sz="1000" b="1" dirty="0" err="1">
+                <a:solidFill>
+                  <a:schemeClr val="accent2">
+                    <a:lumMod val="75000"/>
+                  </a:schemeClr>
+                </a:solidFill>
+                <a:latin typeface="Courier New" panose="02070309020205020404" pitchFamily="49" charset="0"/>
+                <a:cs typeface="Courier New" panose="02070309020205020404" pitchFamily="49" charset="0"/>
+              </a:rPr>
+              <a:t>addl</a:t>
+            </a:r>
+            <a:r>
+              <a:rPr lang="en-US" sz="1000" b="1" dirty="0">
+                <a:solidFill>
+                  <a:schemeClr val="accent2">
+                    <a:lumMod val="75000"/>
+                  </a:schemeClr>
+                </a:solidFill>
+                <a:latin typeface="Courier New" panose="02070309020205020404" pitchFamily="49" charset="0"/>
+                <a:cs typeface="Courier New" panose="02070309020205020404" pitchFamily="49" charset="0"/>
+              </a:rPr>
+              <a:t> = 5,      ii=24) |&gt;  # Every 24 hours</a:t>
+            </a:r>
+          </a:p>
+          <a:p>
+            <a:r>
+              <a:rPr lang="en-US" sz="1000" b="1" dirty="0">
+                <a:solidFill>
+                  <a:schemeClr val="accent2">
+                    <a:lumMod val="75000"/>
+                  </a:schemeClr>
+                </a:solidFill>
+                <a:latin typeface="Courier New" panose="02070309020205020404" pitchFamily="49" charset="0"/>
+                <a:cs typeface="Courier New" panose="02070309020205020404" pitchFamily="49" charset="0"/>
+              </a:rPr>
+              <a:t>      </a:t>
+            </a:r>
+            <a:r>
+              <a:rPr lang="en-US" sz="1000" b="1" dirty="0" err="1">
+                <a:solidFill>
+                  <a:schemeClr val="accent2">
+                    <a:lumMod val="75000"/>
+                  </a:schemeClr>
+                </a:solidFill>
+                <a:latin typeface="Courier New" panose="02070309020205020404" pitchFamily="49" charset="0"/>
+                <a:cs typeface="Courier New" panose="02070309020205020404" pitchFamily="49" charset="0"/>
+              </a:rPr>
+              <a:t>add.sampling</a:t>
+            </a:r>
+            <a:r>
+              <a:rPr lang="en-US" sz="1000" b="1" dirty="0">
+                <a:solidFill>
+                  <a:schemeClr val="accent2">
+                    <a:lumMod val="75000"/>
+                  </a:schemeClr>
+                </a:solidFill>
+                <a:latin typeface="Courier New" panose="02070309020205020404" pitchFamily="49" charset="0"/>
+                <a:cs typeface="Courier New" panose="02070309020205020404" pitchFamily="49" charset="0"/>
+              </a:rPr>
+              <a:t>(seq(0,200,1))      </a:t>
+            </a:r>
+          </a:p>
+          <a:p>
+            <a:r>
+              <a:rPr lang="en-US" sz="1000" b="1" dirty="0" err="1">
+                <a:solidFill>
+                  <a:schemeClr val="accent2">
+                    <a:lumMod val="75000"/>
+                  </a:schemeClr>
+                </a:solidFill>
+                <a:latin typeface="Courier New" panose="02070309020205020404" pitchFamily="49" charset="0"/>
+                <a:cs typeface="Courier New" panose="02070309020205020404" pitchFamily="49" charset="0"/>
+              </a:rPr>
+              <a:t>ev</a:t>
+            </a:r>
+            <a:endParaRPr lang="en-US" sz="1000" b="1" dirty="0">
+              <a:solidFill>
+                <a:schemeClr val="accent2">
+                  <a:lumMod val="75000"/>
+                </a:schemeClr>
+              </a:solidFill>
+              <a:latin typeface="Courier New" panose="02070309020205020404" pitchFamily="49" charset="0"/>
+              <a:cs typeface="Courier New" panose="02070309020205020404" pitchFamily="49" charset="0"/>
+            </a:endParaRPr>
+          </a:p>
+          <a:p>
+            <a:endParaRPr lang="en-US" sz="1000" b="1" dirty="0">
+              <a:solidFill>
+                <a:schemeClr val="accent2">
+                  <a:lumMod val="75000"/>
+                </a:schemeClr>
+              </a:solidFill>
+              <a:latin typeface="Courier New" panose="02070309020205020404" pitchFamily="49" charset="0"/>
+              <a:cs typeface="Courier New" panose="02070309020205020404" pitchFamily="49" charset="0"/>
+            </a:endParaRPr>
+          </a:p>
+          <a:p>
+            <a:r>
+              <a:rPr lang="en-US" sz="1000" b="1" dirty="0">
+                <a:solidFill>
+                  <a:schemeClr val="accent2">
+                    <a:lumMod val="75000"/>
+                  </a:schemeClr>
+                </a:solidFill>
+                <a:latin typeface="Courier New" panose="02070309020205020404" pitchFamily="49" charset="0"/>
+                <a:cs typeface="Courier New" panose="02070309020205020404" pitchFamily="49" charset="0"/>
+              </a:rPr>
+              <a:t># Individual simulation using the typical values (do not specify </a:t>
+            </a:r>
+            <a:r>
+              <a:rPr lang="en-US" sz="1000" b="1" dirty="0" err="1">
+                <a:solidFill>
+                  <a:schemeClr val="accent2">
+                    <a:lumMod val="75000"/>
+                  </a:schemeClr>
+                </a:solidFill>
+                <a:latin typeface="Courier New" panose="02070309020205020404" pitchFamily="49" charset="0"/>
+                <a:cs typeface="Courier New" panose="02070309020205020404" pitchFamily="49" charset="0"/>
+              </a:rPr>
+              <a:t>nSub</a:t>
+            </a:r>
+            <a:r>
+              <a:rPr lang="en-US" sz="1000" b="1" dirty="0">
+                <a:solidFill>
+                  <a:schemeClr val="accent2">
+                    <a:lumMod val="75000"/>
+                  </a:schemeClr>
+                </a:solidFill>
+                <a:latin typeface="Courier New" panose="02070309020205020404" pitchFamily="49" charset="0"/>
+                <a:cs typeface="Courier New" panose="02070309020205020404" pitchFamily="49" charset="0"/>
+              </a:rPr>
+              <a:t>)</a:t>
+            </a:r>
+          </a:p>
+          <a:p>
+            <a:r>
+              <a:rPr lang="en-US" sz="1000" b="1" dirty="0">
+                <a:solidFill>
+                  <a:schemeClr val="accent2">
+                    <a:lumMod val="75000"/>
+                  </a:schemeClr>
+                </a:solidFill>
+                <a:latin typeface="Courier New" panose="02070309020205020404" pitchFamily="49" charset="0"/>
+                <a:cs typeface="Courier New" panose="02070309020205020404" pitchFamily="49" charset="0"/>
+              </a:rPr>
+              <a:t># https://nlmixr2.github.io/rxode2/articles/rxode2-single-subject.html</a:t>
+            </a:r>
+          </a:p>
+          <a:p>
+            <a:r>
+              <a:rPr lang="en-US" sz="1000" b="1" dirty="0" err="1">
+                <a:solidFill>
+                  <a:schemeClr val="accent2">
+                    <a:lumMod val="75000"/>
+                  </a:schemeClr>
+                </a:solidFill>
+                <a:latin typeface="Courier New" panose="02070309020205020404" pitchFamily="49" charset="0"/>
+                <a:cs typeface="Courier New" panose="02070309020205020404" pitchFamily="49" charset="0"/>
+              </a:rPr>
+              <a:t>sim_ind</a:t>
+            </a:r>
+            <a:r>
+              <a:rPr lang="en-US" sz="1000" b="1" dirty="0">
+                <a:solidFill>
+                  <a:schemeClr val="accent2">
+                    <a:lumMod val="75000"/>
+                  </a:schemeClr>
+                </a:solidFill>
+                <a:latin typeface="Courier New" panose="02070309020205020404" pitchFamily="49" charset="0"/>
+                <a:cs typeface="Courier New" panose="02070309020205020404" pitchFamily="49" charset="0"/>
+              </a:rPr>
+              <a:t> &lt;- </a:t>
+            </a:r>
+            <a:r>
+              <a:rPr lang="en-US" sz="1000" b="1" dirty="0" err="1">
+                <a:solidFill>
+                  <a:schemeClr val="accent2">
+                    <a:lumMod val="75000"/>
+                  </a:schemeClr>
+                </a:solidFill>
+                <a:latin typeface="Courier New" panose="02070309020205020404" pitchFamily="49" charset="0"/>
+                <a:cs typeface="Courier New" panose="02070309020205020404" pitchFamily="49" charset="0"/>
+              </a:rPr>
+              <a:t>rxSolve</a:t>
+            </a:r>
+            <a:r>
+              <a:rPr lang="en-US" sz="1000" b="1" dirty="0">
+                <a:solidFill>
+                  <a:schemeClr val="accent2">
+                    <a:lumMod val="75000"/>
+                  </a:schemeClr>
+                </a:solidFill>
+                <a:latin typeface="Courier New" panose="02070309020205020404" pitchFamily="49" charset="0"/>
+                <a:cs typeface="Courier New" panose="02070309020205020404" pitchFamily="49" charset="0"/>
+              </a:rPr>
+              <a:t>(mod, </a:t>
+            </a:r>
+            <a:r>
+              <a:rPr lang="en-US" sz="1000" b="1" dirty="0" err="1">
+                <a:solidFill>
+                  <a:schemeClr val="accent2">
+                    <a:lumMod val="75000"/>
+                  </a:schemeClr>
+                </a:solidFill>
+                <a:latin typeface="Courier New" panose="02070309020205020404" pitchFamily="49" charset="0"/>
+                <a:cs typeface="Courier New" panose="02070309020205020404" pitchFamily="49" charset="0"/>
+              </a:rPr>
+              <a:t>ev</a:t>
+            </a:r>
+            <a:r>
+              <a:rPr lang="en-US" sz="1000" b="1" dirty="0">
+                <a:solidFill>
+                  <a:schemeClr val="accent2">
+                    <a:lumMod val="75000"/>
+                  </a:schemeClr>
+                </a:solidFill>
+                <a:latin typeface="Courier New" panose="02070309020205020404" pitchFamily="49" charset="0"/>
+                <a:cs typeface="Courier New" panose="02070309020205020404" pitchFamily="49" charset="0"/>
+              </a:rPr>
+              <a:t>)</a:t>
+            </a:r>
+          </a:p>
+          <a:p>
+            <a:r>
+              <a:rPr lang="en-US" sz="1000" b="1" dirty="0">
+                <a:solidFill>
+                  <a:schemeClr val="accent2">
+                    <a:lumMod val="75000"/>
+                  </a:schemeClr>
+                </a:solidFill>
+                <a:latin typeface="Courier New" panose="02070309020205020404" pitchFamily="49" charset="0"/>
+                <a:cs typeface="Courier New" panose="02070309020205020404" pitchFamily="49" charset="0"/>
+              </a:rPr>
+              <a:t>plot(</a:t>
+            </a:r>
+            <a:r>
+              <a:rPr lang="en-US" sz="1000" b="1" dirty="0" err="1">
+                <a:solidFill>
+                  <a:schemeClr val="accent2">
+                    <a:lumMod val="75000"/>
+                  </a:schemeClr>
+                </a:solidFill>
+                <a:latin typeface="Courier New" panose="02070309020205020404" pitchFamily="49" charset="0"/>
+                <a:cs typeface="Courier New" panose="02070309020205020404" pitchFamily="49" charset="0"/>
+              </a:rPr>
+              <a:t>sim_ind</a:t>
+            </a:r>
+            <a:r>
+              <a:rPr lang="en-US" sz="1000" b="1" dirty="0">
+                <a:solidFill>
+                  <a:schemeClr val="accent2">
+                    <a:lumMod val="75000"/>
+                  </a:schemeClr>
+                </a:solidFill>
+                <a:latin typeface="Courier New" panose="02070309020205020404" pitchFamily="49" charset="0"/>
+                <a:cs typeface="Courier New" panose="02070309020205020404" pitchFamily="49" charset="0"/>
+              </a:rPr>
+              <a:t>, </a:t>
+            </a:r>
+            <a:r>
+              <a:rPr lang="en-US" sz="1000" b="1" dirty="0" err="1">
+                <a:solidFill>
+                  <a:schemeClr val="accent2">
+                    <a:lumMod val="75000"/>
+                  </a:schemeClr>
+                </a:solidFill>
+                <a:latin typeface="Courier New" panose="02070309020205020404" pitchFamily="49" charset="0"/>
+                <a:cs typeface="Courier New" panose="02070309020205020404" pitchFamily="49" charset="0"/>
+              </a:rPr>
+              <a:t>ipred</a:t>
+            </a:r>
+            <a:r>
+              <a:rPr lang="en-US" sz="1000" b="1" dirty="0">
+                <a:solidFill>
+                  <a:schemeClr val="accent2">
+                    <a:lumMod val="75000"/>
+                  </a:schemeClr>
+                </a:solidFill>
+                <a:latin typeface="Courier New" panose="02070309020205020404" pitchFamily="49" charset="0"/>
+                <a:cs typeface="Courier New" panose="02070309020205020404" pitchFamily="49" charset="0"/>
+              </a:rPr>
+              <a:t>)</a:t>
+            </a:r>
+          </a:p>
+          <a:p>
+            <a:endParaRPr lang="en-US" sz="1000" b="1" dirty="0">
+              <a:solidFill>
+                <a:schemeClr val="accent2">
+                  <a:lumMod val="75000"/>
+                </a:schemeClr>
+              </a:solidFill>
+              <a:latin typeface="Courier New" panose="02070309020205020404" pitchFamily="49" charset="0"/>
+              <a:cs typeface="Courier New" panose="02070309020205020404" pitchFamily="49" charset="0"/>
+            </a:endParaRPr>
+          </a:p>
+          <a:p>
+            <a:r>
+              <a:rPr lang="en-US" sz="1000" b="1" dirty="0">
+                <a:solidFill>
+                  <a:schemeClr val="accent2">
+                    <a:lumMod val="75000"/>
+                  </a:schemeClr>
+                </a:solidFill>
+                <a:latin typeface="Courier New" panose="02070309020205020404" pitchFamily="49" charset="0"/>
+                <a:cs typeface="Courier New" panose="02070309020205020404" pitchFamily="49" charset="0"/>
+              </a:rPr>
+              <a:t># Accessing the </a:t>
+            </a:r>
+            <a:r>
+              <a:rPr lang="en-US" sz="1000" b="1" dirty="0" err="1">
+                <a:solidFill>
+                  <a:schemeClr val="accent2">
+                    <a:lumMod val="75000"/>
+                  </a:schemeClr>
+                </a:solidFill>
+                <a:latin typeface="Courier New" panose="02070309020205020404" pitchFamily="49" charset="0"/>
+                <a:cs typeface="Courier New" panose="02070309020205020404" pitchFamily="49" charset="0"/>
+              </a:rPr>
+              <a:t>dataframe</a:t>
+            </a:r>
+            <a:r>
+              <a:rPr lang="en-US" sz="1000" b="1" dirty="0">
+                <a:solidFill>
+                  <a:schemeClr val="accent2">
+                    <a:lumMod val="75000"/>
+                  </a:schemeClr>
+                </a:solidFill>
+                <a:latin typeface="Courier New" panose="02070309020205020404" pitchFamily="49" charset="0"/>
+                <a:cs typeface="Courier New" panose="02070309020205020404" pitchFamily="49" charset="0"/>
+              </a:rPr>
+              <a:t> of the simulation</a:t>
+            </a:r>
+          </a:p>
+          <a:p>
+            <a:r>
+              <a:rPr lang="en-US" sz="1000" b="1" dirty="0" err="1">
+                <a:solidFill>
+                  <a:schemeClr val="accent2">
+                    <a:lumMod val="75000"/>
+                  </a:schemeClr>
+                </a:solidFill>
+                <a:latin typeface="Courier New" panose="02070309020205020404" pitchFamily="49" charset="0"/>
+                <a:cs typeface="Courier New" panose="02070309020205020404" pitchFamily="49" charset="0"/>
+              </a:rPr>
+              <a:t>sim_ind_res</a:t>
+            </a:r>
+            <a:r>
+              <a:rPr lang="en-US" sz="1000" b="1" dirty="0">
+                <a:solidFill>
+                  <a:schemeClr val="accent2">
+                    <a:lumMod val="75000"/>
+                  </a:schemeClr>
+                </a:solidFill>
+                <a:latin typeface="Courier New" panose="02070309020205020404" pitchFamily="49" charset="0"/>
+                <a:cs typeface="Courier New" panose="02070309020205020404" pitchFamily="49" charset="0"/>
+              </a:rPr>
+              <a:t> &lt;- </a:t>
+            </a:r>
+            <a:r>
+              <a:rPr lang="en-US" sz="1000" b="1" dirty="0" err="1">
+                <a:solidFill>
+                  <a:schemeClr val="accent2">
+                    <a:lumMod val="75000"/>
+                  </a:schemeClr>
+                </a:solidFill>
+                <a:latin typeface="Courier New" panose="02070309020205020404" pitchFamily="49" charset="0"/>
+                <a:cs typeface="Courier New" panose="02070309020205020404" pitchFamily="49" charset="0"/>
+              </a:rPr>
+              <a:t>as.data.frame</a:t>
+            </a:r>
+            <a:r>
+              <a:rPr lang="en-US" sz="1000" b="1" dirty="0">
+                <a:solidFill>
+                  <a:schemeClr val="accent2">
+                    <a:lumMod val="75000"/>
+                  </a:schemeClr>
+                </a:solidFill>
+                <a:latin typeface="Courier New" panose="02070309020205020404" pitchFamily="49" charset="0"/>
+                <a:cs typeface="Courier New" panose="02070309020205020404" pitchFamily="49" charset="0"/>
+              </a:rPr>
+              <a:t>(sim)</a:t>
+            </a:r>
+          </a:p>
+          <a:p>
+            <a:endParaRPr lang="en-US" sz="1000" b="1" dirty="0">
+              <a:solidFill>
+                <a:schemeClr val="accent2">
+                  <a:lumMod val="75000"/>
+                </a:schemeClr>
+              </a:solidFill>
+              <a:latin typeface="Courier New" panose="02070309020205020404" pitchFamily="49" charset="0"/>
+              <a:cs typeface="Courier New" panose="02070309020205020404" pitchFamily="49" charset="0"/>
+            </a:endParaRPr>
+          </a:p>
+          <a:p>
+            <a:r>
+              <a:rPr lang="en-US" sz="1000" b="1" dirty="0">
+                <a:solidFill>
+                  <a:schemeClr val="accent2">
+                    <a:lumMod val="75000"/>
+                  </a:schemeClr>
+                </a:solidFill>
+                <a:latin typeface="Courier New" panose="02070309020205020404" pitchFamily="49" charset="0"/>
+                <a:cs typeface="Courier New" panose="02070309020205020404" pitchFamily="49" charset="0"/>
+              </a:rPr>
+              <a:t># Population simulation from </a:t>
+            </a:r>
+            <a:r>
+              <a:rPr lang="en-US" sz="1000" b="1" dirty="0" err="1">
+                <a:solidFill>
+                  <a:schemeClr val="accent2">
+                    <a:lumMod val="75000"/>
+                  </a:schemeClr>
+                </a:solidFill>
+                <a:latin typeface="Courier New" panose="02070309020205020404" pitchFamily="49" charset="0"/>
+                <a:cs typeface="Courier New" panose="02070309020205020404" pitchFamily="49" charset="0"/>
+              </a:rPr>
+              <a:t>iiv</a:t>
+            </a:r>
+            <a:r>
+              <a:rPr lang="en-US" sz="1000" b="1" dirty="0">
+                <a:solidFill>
+                  <a:schemeClr val="accent2">
+                    <a:lumMod val="75000"/>
+                  </a:schemeClr>
+                </a:solidFill>
+                <a:latin typeface="Courier New" panose="02070309020205020404" pitchFamily="49" charset="0"/>
+                <a:cs typeface="Courier New" panose="02070309020205020404" pitchFamily="49" charset="0"/>
+              </a:rPr>
+              <a:t> (specify </a:t>
+            </a:r>
+            <a:r>
+              <a:rPr lang="en-US" sz="1000" b="1" dirty="0" err="1">
+                <a:solidFill>
+                  <a:schemeClr val="accent2">
+                    <a:lumMod val="75000"/>
+                  </a:schemeClr>
+                </a:solidFill>
+                <a:latin typeface="Courier New" panose="02070309020205020404" pitchFamily="49" charset="0"/>
+                <a:cs typeface="Courier New" panose="02070309020205020404" pitchFamily="49" charset="0"/>
+              </a:rPr>
+              <a:t>nSub</a:t>
+            </a:r>
+            <a:r>
+              <a:rPr lang="en-US" sz="1000" b="1" dirty="0">
+                <a:solidFill>
+                  <a:schemeClr val="accent2">
+                    <a:lumMod val="75000"/>
+                  </a:schemeClr>
+                </a:solidFill>
+                <a:latin typeface="Courier New" panose="02070309020205020404" pitchFamily="49" charset="0"/>
+                <a:cs typeface="Courier New" panose="02070309020205020404" pitchFamily="49" charset="0"/>
+              </a:rPr>
+              <a:t>)</a:t>
+            </a:r>
+          </a:p>
+          <a:p>
+            <a:r>
+              <a:rPr lang="en-US" sz="1000" b="1" dirty="0">
+                <a:solidFill>
+                  <a:schemeClr val="accent2">
+                    <a:lumMod val="75000"/>
+                  </a:schemeClr>
+                </a:solidFill>
+                <a:latin typeface="Courier New" panose="02070309020205020404" pitchFamily="49" charset="0"/>
+                <a:cs typeface="Courier New" panose="02070309020205020404" pitchFamily="49" charset="0"/>
+              </a:rPr>
+              <a:t># https://nlmixr2.github.io/rxode2/articles/rxode2-sim-var.html</a:t>
+            </a:r>
+          </a:p>
+          <a:p>
+            <a:r>
+              <a:rPr lang="en-US" sz="1000" b="1" dirty="0" err="1">
+                <a:solidFill>
+                  <a:schemeClr val="accent2">
+                    <a:lumMod val="75000"/>
+                  </a:schemeClr>
+                </a:solidFill>
+                <a:latin typeface="Courier New" panose="02070309020205020404" pitchFamily="49" charset="0"/>
+                <a:cs typeface="Courier New" panose="02070309020205020404" pitchFamily="49" charset="0"/>
+              </a:rPr>
+              <a:t>nsub</a:t>
+            </a:r>
+            <a:r>
+              <a:rPr lang="en-US" sz="1000" b="1" dirty="0">
+                <a:solidFill>
+                  <a:schemeClr val="accent2">
+                    <a:lumMod val="75000"/>
+                  </a:schemeClr>
+                </a:solidFill>
+                <a:latin typeface="Courier New" panose="02070309020205020404" pitchFamily="49" charset="0"/>
+                <a:cs typeface="Courier New" panose="02070309020205020404" pitchFamily="49" charset="0"/>
+              </a:rPr>
+              <a:t> = 100</a:t>
+            </a:r>
+          </a:p>
+          <a:p>
+            <a:r>
+              <a:rPr lang="en-US" sz="1000" b="1" dirty="0" err="1">
+                <a:solidFill>
+                  <a:schemeClr val="accent2">
+                    <a:lumMod val="75000"/>
+                  </a:schemeClr>
+                </a:solidFill>
+                <a:latin typeface="Courier New" panose="02070309020205020404" pitchFamily="49" charset="0"/>
+                <a:cs typeface="Courier New" panose="02070309020205020404" pitchFamily="49" charset="0"/>
+              </a:rPr>
+              <a:t>sim_pop</a:t>
+            </a:r>
+            <a:r>
+              <a:rPr lang="en-US" sz="1000" b="1" dirty="0">
+                <a:solidFill>
+                  <a:schemeClr val="accent2">
+                    <a:lumMod val="75000"/>
+                  </a:schemeClr>
+                </a:solidFill>
+                <a:latin typeface="Courier New" panose="02070309020205020404" pitchFamily="49" charset="0"/>
+                <a:cs typeface="Courier New" panose="02070309020205020404" pitchFamily="49" charset="0"/>
+              </a:rPr>
+              <a:t> &lt;- </a:t>
+            </a:r>
+            <a:r>
+              <a:rPr lang="en-US" sz="1000" b="1" dirty="0" err="1">
+                <a:solidFill>
+                  <a:schemeClr val="accent2">
+                    <a:lumMod val="75000"/>
+                  </a:schemeClr>
+                </a:solidFill>
+                <a:latin typeface="Courier New" panose="02070309020205020404" pitchFamily="49" charset="0"/>
+                <a:cs typeface="Courier New" panose="02070309020205020404" pitchFamily="49" charset="0"/>
+              </a:rPr>
+              <a:t>rxSolve</a:t>
+            </a:r>
+            <a:r>
+              <a:rPr lang="en-US" sz="1000" b="1" dirty="0">
+                <a:solidFill>
+                  <a:schemeClr val="accent2">
+                    <a:lumMod val="75000"/>
+                  </a:schemeClr>
+                </a:solidFill>
+                <a:latin typeface="Courier New" panose="02070309020205020404" pitchFamily="49" charset="0"/>
+                <a:cs typeface="Courier New" panose="02070309020205020404" pitchFamily="49" charset="0"/>
+              </a:rPr>
+              <a:t>(mod, </a:t>
+            </a:r>
+            <a:r>
+              <a:rPr lang="en-US" sz="1000" b="1" dirty="0" err="1">
+                <a:solidFill>
+                  <a:schemeClr val="accent2">
+                    <a:lumMod val="75000"/>
+                  </a:schemeClr>
+                </a:solidFill>
+                <a:latin typeface="Courier New" panose="02070309020205020404" pitchFamily="49" charset="0"/>
+                <a:cs typeface="Courier New" panose="02070309020205020404" pitchFamily="49" charset="0"/>
+              </a:rPr>
+              <a:t>ev</a:t>
+            </a:r>
+            <a:r>
+              <a:rPr lang="en-US" sz="1000" b="1" dirty="0">
+                <a:solidFill>
+                  <a:schemeClr val="accent2">
+                    <a:lumMod val="75000"/>
+                  </a:schemeClr>
+                </a:solidFill>
+                <a:latin typeface="Courier New" panose="02070309020205020404" pitchFamily="49" charset="0"/>
+                <a:cs typeface="Courier New" panose="02070309020205020404" pitchFamily="49" charset="0"/>
+              </a:rPr>
+              <a:t>, </a:t>
+            </a:r>
+            <a:r>
+              <a:rPr lang="en-US" sz="1000" b="1" dirty="0" err="1">
+                <a:solidFill>
+                  <a:schemeClr val="accent2">
+                    <a:lumMod val="75000"/>
+                  </a:schemeClr>
+                </a:solidFill>
+                <a:latin typeface="Courier New" panose="02070309020205020404" pitchFamily="49" charset="0"/>
+                <a:cs typeface="Courier New" panose="02070309020205020404" pitchFamily="49" charset="0"/>
+              </a:rPr>
+              <a:t>nSub</a:t>
+            </a:r>
+            <a:r>
+              <a:rPr lang="en-US" sz="1000" b="1" dirty="0">
+                <a:solidFill>
+                  <a:schemeClr val="accent2">
+                    <a:lumMod val="75000"/>
+                  </a:schemeClr>
+                </a:solidFill>
+                <a:latin typeface="Courier New" panose="02070309020205020404" pitchFamily="49" charset="0"/>
+                <a:cs typeface="Courier New" panose="02070309020205020404" pitchFamily="49" charset="0"/>
+              </a:rPr>
+              <a:t>=</a:t>
+            </a:r>
+            <a:r>
+              <a:rPr lang="en-US" sz="1000" b="1" dirty="0" err="1">
+                <a:solidFill>
+                  <a:schemeClr val="accent2">
+                    <a:lumMod val="75000"/>
+                  </a:schemeClr>
+                </a:solidFill>
+                <a:latin typeface="Courier New" panose="02070309020205020404" pitchFamily="49" charset="0"/>
+                <a:cs typeface="Courier New" panose="02070309020205020404" pitchFamily="49" charset="0"/>
+              </a:rPr>
+              <a:t>nsub</a:t>
+            </a:r>
+            <a:r>
+              <a:rPr lang="en-US" sz="1000" b="1" dirty="0">
+                <a:solidFill>
+                  <a:schemeClr val="accent2">
+                    <a:lumMod val="75000"/>
+                  </a:schemeClr>
+                </a:solidFill>
+                <a:latin typeface="Courier New" panose="02070309020205020404" pitchFamily="49" charset="0"/>
+                <a:cs typeface="Courier New" panose="02070309020205020404" pitchFamily="49" charset="0"/>
+              </a:rPr>
+              <a:t>)</a:t>
+            </a:r>
+          </a:p>
+          <a:p>
+            <a:r>
+              <a:rPr lang="en-US" sz="1000" b="1" dirty="0" err="1">
+                <a:solidFill>
+                  <a:schemeClr val="accent2">
+                    <a:lumMod val="75000"/>
+                  </a:schemeClr>
+                </a:solidFill>
+                <a:latin typeface="Courier New" panose="02070309020205020404" pitchFamily="49" charset="0"/>
+                <a:cs typeface="Courier New" panose="02070309020205020404" pitchFamily="49" charset="0"/>
+              </a:rPr>
+              <a:t>confint</a:t>
+            </a:r>
+            <a:r>
+              <a:rPr lang="en-US" sz="1000" b="1" dirty="0">
+                <a:solidFill>
+                  <a:schemeClr val="accent2">
+                    <a:lumMod val="75000"/>
+                  </a:schemeClr>
+                </a:solidFill>
+                <a:latin typeface="Courier New" panose="02070309020205020404" pitchFamily="49" charset="0"/>
+                <a:cs typeface="Courier New" panose="02070309020205020404" pitchFamily="49" charset="0"/>
+              </a:rPr>
+              <a:t>(</a:t>
+            </a:r>
+            <a:r>
+              <a:rPr lang="en-US" sz="1000" b="1" dirty="0" err="1">
+                <a:solidFill>
+                  <a:schemeClr val="accent2">
+                    <a:lumMod val="75000"/>
+                  </a:schemeClr>
+                </a:solidFill>
+                <a:latin typeface="Courier New" panose="02070309020205020404" pitchFamily="49" charset="0"/>
+                <a:cs typeface="Courier New" panose="02070309020205020404" pitchFamily="49" charset="0"/>
+              </a:rPr>
+              <a:t>sim_pop</a:t>
+            </a:r>
+            <a:r>
+              <a:rPr lang="en-US" sz="1000" b="1" dirty="0">
+                <a:solidFill>
+                  <a:schemeClr val="accent2">
+                    <a:lumMod val="75000"/>
+                  </a:schemeClr>
+                </a:solidFill>
+                <a:latin typeface="Courier New" panose="02070309020205020404" pitchFamily="49" charset="0"/>
+                <a:cs typeface="Courier New" panose="02070309020205020404" pitchFamily="49" charset="0"/>
+              </a:rPr>
+              <a:t>, "</a:t>
+            </a:r>
+            <a:r>
+              <a:rPr lang="en-US" sz="1000" b="1" dirty="0" err="1">
+                <a:solidFill>
+                  <a:schemeClr val="accent2">
+                    <a:lumMod val="75000"/>
+                  </a:schemeClr>
+                </a:solidFill>
+                <a:latin typeface="Courier New" panose="02070309020205020404" pitchFamily="49" charset="0"/>
+                <a:cs typeface="Courier New" panose="02070309020205020404" pitchFamily="49" charset="0"/>
+              </a:rPr>
+              <a:t>ipred</a:t>
+            </a:r>
+            <a:r>
+              <a:rPr lang="en-US" sz="1000" b="1" dirty="0">
+                <a:solidFill>
+                  <a:schemeClr val="accent2">
+                    <a:lumMod val="75000"/>
+                  </a:schemeClr>
+                </a:solidFill>
+                <a:latin typeface="Courier New" panose="02070309020205020404" pitchFamily="49" charset="0"/>
+                <a:cs typeface="Courier New" panose="02070309020205020404" pitchFamily="49" charset="0"/>
+              </a:rPr>
+              <a:t>", level=0.95) |&gt;</a:t>
+            </a:r>
+          </a:p>
+          <a:p>
+            <a:r>
+              <a:rPr lang="en-US" sz="1000" b="1" dirty="0">
+                <a:solidFill>
+                  <a:schemeClr val="accent2">
+                    <a:lumMod val="75000"/>
+                  </a:schemeClr>
+                </a:solidFill>
+                <a:latin typeface="Courier New" panose="02070309020205020404" pitchFamily="49" charset="0"/>
+                <a:cs typeface="Courier New" panose="02070309020205020404" pitchFamily="49" charset="0"/>
+              </a:rPr>
+              <a:t>  plot()</a:t>
+            </a:r>
+          </a:p>
+          <a:p>
+            <a:endParaRPr lang="en-US" sz="1000" b="1" dirty="0">
+              <a:solidFill>
+                <a:schemeClr val="accent2">
+                  <a:lumMod val="75000"/>
+                </a:schemeClr>
+              </a:solidFill>
+              <a:latin typeface="Courier New" panose="02070309020205020404" pitchFamily="49" charset="0"/>
+              <a:cs typeface="Courier New" panose="02070309020205020404" pitchFamily="49" charset="0"/>
+            </a:endParaRPr>
+          </a:p>
+          <a:p>
+            <a:r>
+              <a:rPr lang="en-US" sz="1000" b="1" dirty="0">
+                <a:solidFill>
+                  <a:schemeClr val="accent2">
+                    <a:lumMod val="75000"/>
+                  </a:schemeClr>
+                </a:solidFill>
+                <a:latin typeface="Courier New" panose="02070309020205020404" pitchFamily="49" charset="0"/>
+                <a:cs typeface="Courier New" panose="02070309020205020404" pitchFamily="49" charset="0"/>
+              </a:rPr>
+              <a:t># Accessing the </a:t>
+            </a:r>
+            <a:r>
+              <a:rPr lang="en-US" sz="1000" b="1" dirty="0" err="1">
+                <a:solidFill>
+                  <a:schemeClr val="accent2">
+                    <a:lumMod val="75000"/>
+                  </a:schemeClr>
+                </a:solidFill>
+                <a:latin typeface="Courier New" panose="02070309020205020404" pitchFamily="49" charset="0"/>
+                <a:cs typeface="Courier New" panose="02070309020205020404" pitchFamily="49" charset="0"/>
+              </a:rPr>
+              <a:t>dataframe</a:t>
+            </a:r>
+            <a:r>
+              <a:rPr lang="en-US" sz="1000" b="1" dirty="0">
+                <a:solidFill>
+                  <a:schemeClr val="accent2">
+                    <a:lumMod val="75000"/>
+                  </a:schemeClr>
+                </a:solidFill>
+                <a:latin typeface="Courier New" panose="02070309020205020404" pitchFamily="49" charset="0"/>
+                <a:cs typeface="Courier New" panose="02070309020205020404" pitchFamily="49" charset="0"/>
+              </a:rPr>
+              <a:t> of the simulations</a:t>
+            </a:r>
+          </a:p>
+          <a:p>
+            <a:r>
+              <a:rPr lang="en-US" sz="1000" b="1" dirty="0" err="1">
+                <a:solidFill>
+                  <a:schemeClr val="accent2">
+                    <a:lumMod val="75000"/>
+                  </a:schemeClr>
+                </a:solidFill>
+                <a:latin typeface="Courier New" panose="02070309020205020404" pitchFamily="49" charset="0"/>
+                <a:cs typeface="Courier New" panose="02070309020205020404" pitchFamily="49" charset="0"/>
+              </a:rPr>
+              <a:t>sim_pop_res</a:t>
+            </a:r>
+            <a:r>
+              <a:rPr lang="en-US" sz="1000" b="1" dirty="0">
+                <a:solidFill>
+                  <a:schemeClr val="accent2">
+                    <a:lumMod val="75000"/>
+                  </a:schemeClr>
+                </a:solidFill>
+                <a:latin typeface="Courier New" panose="02070309020205020404" pitchFamily="49" charset="0"/>
+                <a:cs typeface="Courier New" panose="02070309020205020404" pitchFamily="49" charset="0"/>
+              </a:rPr>
+              <a:t> &lt;- </a:t>
+            </a:r>
+            <a:r>
+              <a:rPr lang="en-US" sz="1000" b="1" dirty="0" err="1">
+                <a:solidFill>
+                  <a:schemeClr val="accent2">
+                    <a:lumMod val="75000"/>
+                  </a:schemeClr>
+                </a:solidFill>
+                <a:latin typeface="Courier New" panose="02070309020205020404" pitchFamily="49" charset="0"/>
+                <a:cs typeface="Courier New" panose="02070309020205020404" pitchFamily="49" charset="0"/>
+              </a:rPr>
+              <a:t>as.data.frame</a:t>
+            </a:r>
+            <a:r>
+              <a:rPr lang="en-US" sz="1000" b="1" dirty="0">
+                <a:solidFill>
+                  <a:schemeClr val="accent2">
+                    <a:lumMod val="75000"/>
+                  </a:schemeClr>
+                </a:solidFill>
+                <a:latin typeface="Courier New" panose="02070309020205020404" pitchFamily="49" charset="0"/>
+                <a:cs typeface="Courier New" panose="02070309020205020404" pitchFamily="49" charset="0"/>
+              </a:rPr>
+              <a:t>(</a:t>
+            </a:r>
+            <a:r>
+              <a:rPr lang="en-US" sz="1000" b="1" dirty="0" err="1">
+                <a:solidFill>
+                  <a:schemeClr val="accent2">
+                    <a:lumMod val="75000"/>
+                  </a:schemeClr>
+                </a:solidFill>
+                <a:latin typeface="Courier New" panose="02070309020205020404" pitchFamily="49" charset="0"/>
+                <a:cs typeface="Courier New" panose="02070309020205020404" pitchFamily="49" charset="0"/>
+              </a:rPr>
+              <a:t>sim_pop</a:t>
+            </a:r>
+            <a:r>
+              <a:rPr lang="en-US" sz="1000" b="1" dirty="0">
+                <a:solidFill>
+                  <a:schemeClr val="accent2">
+                    <a:lumMod val="75000"/>
+                  </a:schemeClr>
+                </a:solidFill>
+                <a:latin typeface="Courier New" panose="02070309020205020404" pitchFamily="49" charset="0"/>
+                <a:cs typeface="Courier New" panose="02070309020205020404" pitchFamily="49" charset="0"/>
+              </a:rPr>
+              <a:t>)</a:t>
+            </a:r>
+          </a:p>
+          <a:p>
+            <a:endParaRPr lang="en-US" sz="1000" b="1" dirty="0">
+              <a:solidFill>
+                <a:schemeClr val="accent2">
+                  <a:lumMod val="75000"/>
+                </a:schemeClr>
+              </a:solidFill>
+              <a:latin typeface="Courier New" panose="02070309020205020404" pitchFamily="49" charset="0"/>
+              <a:cs typeface="Courier New" panose="02070309020205020404" pitchFamily="49" charset="0"/>
+            </a:endParaRPr>
+          </a:p>
+        </p:txBody>
+      </p:sp>
+    </p:spTree>
+    <p:extLst>
+      <p:ext uri="{BB962C8B-B14F-4D97-AF65-F5344CB8AC3E}">
+        <p14:creationId xmlns:p14="http://schemas.microsoft.com/office/powerpoint/2010/main" val="466043084"/>
+      </p:ext>
+    </p:extLst>
+  </p:cSld>
+  <p:clrMapOvr>
+    <a:masterClrMapping/>
+  </p:clrMapOvr>
+</p:sld>
+</file>
+
+<file path=ppt/slides/slide22.xml><?xml version="1.0" encoding="utf-8"?>
+<p:sld xmlns:a="http://schemas.openxmlformats.org/drawingml/2006/main" xmlns:r="http://schemas.openxmlformats.org/officeDocument/2006/relationships" xmlns:p="http://schemas.openxmlformats.org/presentationml/2006/main">
+  <p:cSld>
+    <p:spTree>
+      <p:nvGrpSpPr>
+        <p:cNvPr id="1" name=""/>
+        <p:cNvGrpSpPr/>
+        <p:nvPr/>
+      </p:nvGrpSpPr>
+      <p:grpSpPr>
+        <a:xfrm>
+          <a:off x="0" y="0"/>
+          <a:ext cx="0" cy="0"/>
+          <a:chOff x="0" y="0"/>
+          <a:chExt cx="0" cy="0"/>
+        </a:xfrm>
+      </p:grpSpPr>
+      <p:sp>
+        <p:nvSpPr>
+          <p:cNvPr id="2" name="Title 1">
+            <a:extLst>
+              <a:ext uri="{FF2B5EF4-FFF2-40B4-BE49-F238E27FC236}">
+                <a16:creationId xmlns:a16="http://schemas.microsoft.com/office/drawing/2014/main" id="{EF9DBCE5-B1E7-AA73-F8ED-6841259B812B}"/>
+              </a:ext>
+            </a:extLst>
+          </p:cNvPr>
+          <p:cNvSpPr>
+            <a:spLocks noGrp="1"/>
+          </p:cNvSpPr>
+          <p:nvPr>
+            <p:ph type="title"/>
+          </p:nvPr>
+        </p:nvSpPr>
+        <p:spPr/>
+        <p:txBody>
+          <a:bodyPr>
+            <a:normAutofit fontScale="90000"/>
+          </a:bodyPr>
+          <a:lstStyle/>
+          <a:p>
+            <a:r>
+              <a:rPr lang="en-US" dirty="0"/>
+              <a:t>Notes on Event Tables and rxode2</a:t>
+            </a:r>
+          </a:p>
+        </p:txBody>
+      </p:sp>
+      <p:sp>
+        <p:nvSpPr>
+          <p:cNvPr id="3" name="Content Placeholder 2">
+            <a:extLst>
+              <a:ext uri="{FF2B5EF4-FFF2-40B4-BE49-F238E27FC236}">
+                <a16:creationId xmlns:a16="http://schemas.microsoft.com/office/drawing/2014/main" id="{8C410CA5-CDFA-5BC1-19B8-835A2B2F2D0B}"/>
+              </a:ext>
+            </a:extLst>
+          </p:cNvPr>
+          <p:cNvSpPr>
+            <a:spLocks noGrp="1"/>
+          </p:cNvSpPr>
+          <p:nvPr>
+            <p:ph idx="1"/>
+          </p:nvPr>
+        </p:nvSpPr>
+        <p:spPr>
+          <a:xfrm>
+            <a:off x="838200" y="1414914"/>
+            <a:ext cx="10515600" cy="5250045"/>
+          </a:xfrm>
+        </p:spPr>
+        <p:txBody>
+          <a:bodyPr>
+            <a:normAutofit/>
+          </a:bodyPr>
+          <a:lstStyle/>
+          <a:p>
+            <a:r>
+              <a:rPr lang="en-US" dirty="0"/>
+              <a:t>Like NONMEM: The </a:t>
+            </a:r>
+            <a:r>
+              <a:rPr lang="en-US" b="1" dirty="0">
+                <a:solidFill>
+                  <a:schemeClr val="accent2"/>
+                </a:solidFill>
+                <a:latin typeface="Courier New" panose="02070309020205020404" pitchFamily="49" charset="0"/>
+                <a:cs typeface="Courier New" panose="02070309020205020404" pitchFamily="49" charset="0"/>
+              </a:rPr>
+              <a:t>events</a:t>
+            </a:r>
+            <a:r>
+              <a:rPr lang="en-US" dirty="0"/>
+              <a:t> table can have dosing events, subject level parameters, and covariates (time-varying and non-time-varying)</a:t>
+            </a:r>
+          </a:p>
+          <a:p>
+            <a:endParaRPr lang="en-US" dirty="0"/>
+          </a:p>
+          <a:p>
+            <a:r>
+              <a:rPr lang="en-US" dirty="0"/>
+              <a:t>Using rxode2 you have some flexibility in how this is specified:</a:t>
+            </a:r>
+          </a:p>
+          <a:p>
+            <a:pPr lvl="1"/>
+            <a:r>
+              <a:rPr lang="en-US" dirty="0"/>
+              <a:t>Same dose sampling from IIV: </a:t>
+            </a:r>
+            <a:r>
+              <a:rPr lang="en-US" b="1" dirty="0">
+                <a:solidFill>
+                  <a:schemeClr val="accent2"/>
+                </a:solidFill>
+                <a:latin typeface="Courier New" panose="02070309020205020404" pitchFamily="49" charset="0"/>
+                <a:cs typeface="Courier New" panose="02070309020205020404" pitchFamily="49" charset="0"/>
+              </a:rPr>
+              <a:t>events</a:t>
+            </a:r>
+            <a:r>
+              <a:rPr lang="en-US" dirty="0"/>
+              <a:t> table with only dosing events and no id column, </a:t>
+            </a:r>
+            <a:r>
+              <a:rPr lang="en-US" b="1" dirty="0" err="1">
+                <a:solidFill>
+                  <a:schemeClr val="accent2"/>
+                </a:solidFill>
+                <a:latin typeface="Courier New" panose="02070309020205020404" pitchFamily="49" charset="0"/>
+                <a:cs typeface="Courier New" panose="02070309020205020404" pitchFamily="49" charset="0"/>
+              </a:rPr>
+              <a:t>nSub</a:t>
+            </a:r>
+            <a:r>
+              <a:rPr lang="en-US" dirty="0"/>
+              <a:t> &gt; 1</a:t>
+            </a:r>
+          </a:p>
+          <a:p>
+            <a:pPr lvl="1"/>
+            <a:r>
+              <a:rPr lang="en-US" dirty="0"/>
+              <a:t>Same dose using user-specified parameters: </a:t>
+            </a:r>
+            <a:r>
+              <a:rPr lang="en-US" b="1" dirty="0">
+                <a:solidFill>
+                  <a:schemeClr val="accent2"/>
+                </a:solidFill>
+                <a:latin typeface="Courier New" panose="02070309020205020404" pitchFamily="49" charset="0"/>
+                <a:cs typeface="Courier New" panose="02070309020205020404" pitchFamily="49" charset="0"/>
+              </a:rPr>
+              <a:t>events</a:t>
+            </a:r>
+            <a:r>
+              <a:rPr lang="en-US" dirty="0"/>
+              <a:t> table with only dosing events and </a:t>
+            </a:r>
+            <a:r>
+              <a:rPr lang="en-US" b="1" dirty="0">
+                <a:solidFill>
+                  <a:schemeClr val="accent2"/>
+                </a:solidFill>
+                <a:latin typeface="Courier New" panose="02070309020205020404" pitchFamily="49" charset="0"/>
+                <a:cs typeface="Courier New" panose="02070309020205020404" pitchFamily="49" charset="0"/>
+              </a:rPr>
+              <a:t>params</a:t>
+            </a:r>
+            <a:r>
+              <a:rPr lang="en-US" dirty="0"/>
+              <a:t> table with a row for each subject and an id column</a:t>
+            </a:r>
+          </a:p>
+          <a:p>
+            <a:pPr lvl="1"/>
+            <a:r>
+              <a:rPr lang="en-US" dirty="0"/>
+              <a:t>User specific dosing: </a:t>
+            </a:r>
+            <a:r>
+              <a:rPr lang="en-US" b="1" dirty="0">
+                <a:solidFill>
+                  <a:schemeClr val="accent2"/>
+                </a:solidFill>
+                <a:latin typeface="Courier New" panose="02070309020205020404" pitchFamily="49" charset="0"/>
+                <a:cs typeface="Courier New" panose="02070309020205020404" pitchFamily="49" charset="0"/>
+              </a:rPr>
+              <a:t>events</a:t>
+            </a:r>
+            <a:r>
+              <a:rPr lang="en-US" dirty="0"/>
+              <a:t> table with dosing for each subject with an </a:t>
+            </a:r>
+            <a:r>
+              <a:rPr lang="en-US" b="1" dirty="0">
+                <a:solidFill>
+                  <a:schemeClr val="accent2"/>
+                </a:solidFill>
+              </a:rPr>
+              <a:t>id</a:t>
+            </a:r>
+            <a:r>
+              <a:rPr lang="en-US" dirty="0"/>
+              <a:t> column</a:t>
+            </a:r>
+          </a:p>
+          <a:p>
+            <a:pPr lvl="1"/>
+            <a:r>
+              <a:rPr lang="en-US" dirty="0"/>
+              <a:t>Covariates that are non-time-varying: These can be specified in either then </a:t>
+            </a:r>
+            <a:r>
+              <a:rPr lang="en-US" b="1" dirty="0">
+                <a:solidFill>
+                  <a:schemeClr val="accent2"/>
+                </a:solidFill>
+                <a:latin typeface="Courier New" panose="02070309020205020404" pitchFamily="49" charset="0"/>
+                <a:cs typeface="Courier New" panose="02070309020205020404" pitchFamily="49" charset="0"/>
+              </a:rPr>
+              <a:t>params</a:t>
+            </a:r>
+            <a:r>
+              <a:rPr lang="en-US" dirty="0"/>
+              <a:t> table or the </a:t>
+            </a:r>
+            <a:r>
+              <a:rPr lang="en-US" b="1" dirty="0" err="1">
+                <a:solidFill>
+                  <a:schemeClr val="accent2"/>
+                </a:solidFill>
+                <a:latin typeface="Courier New" panose="02070309020205020404" pitchFamily="49" charset="0"/>
+                <a:cs typeface="Courier New" panose="02070309020205020404" pitchFamily="49" charset="0"/>
+              </a:rPr>
+              <a:t>iCov</a:t>
+            </a:r>
+            <a:r>
+              <a:rPr lang="en-US" dirty="0"/>
+              <a:t> table</a:t>
+            </a:r>
+          </a:p>
+        </p:txBody>
+      </p:sp>
+      <p:sp>
+        <p:nvSpPr>
+          <p:cNvPr id="4" name="Subtitle 3">
+            <a:extLst>
+              <a:ext uri="{FF2B5EF4-FFF2-40B4-BE49-F238E27FC236}">
+                <a16:creationId xmlns:a16="http://schemas.microsoft.com/office/drawing/2014/main" id="{26896DF7-EF32-595A-7A3A-AF9B46730BAE}"/>
+              </a:ext>
+            </a:extLst>
+          </p:cNvPr>
+          <p:cNvSpPr>
+            <a:spLocks noGrp="1"/>
+          </p:cNvSpPr>
+          <p:nvPr>
+            <p:ph type="subTitle" idx="13"/>
+          </p:nvPr>
+        </p:nvSpPr>
+        <p:spPr/>
+        <p:txBody>
+          <a:bodyPr/>
+          <a:lstStyle/>
+          <a:p>
+            <a:r>
+              <a:rPr lang="en-US" b="1" dirty="0">
+                <a:solidFill>
+                  <a:schemeClr val="accent2"/>
+                </a:solidFill>
+                <a:latin typeface="Courier New" panose="02070309020205020404" pitchFamily="49" charset="0"/>
+                <a:cs typeface="Courier New" panose="02070309020205020404" pitchFamily="49" charset="0"/>
+              </a:rPr>
+              <a:t>rxode2::</a:t>
+            </a:r>
+            <a:r>
+              <a:rPr lang="en-US" b="1" dirty="0" err="1">
+                <a:solidFill>
+                  <a:schemeClr val="accent2"/>
+                </a:solidFill>
+                <a:latin typeface="Courier New" panose="02070309020205020404" pitchFamily="49" charset="0"/>
+                <a:cs typeface="Courier New" panose="02070309020205020404" pitchFamily="49" charset="0"/>
+              </a:rPr>
+              <a:t>rxSolve</a:t>
+            </a:r>
+            <a:r>
+              <a:rPr lang="en-US" b="1" dirty="0">
+                <a:solidFill>
+                  <a:schemeClr val="accent2"/>
+                </a:solidFill>
+                <a:latin typeface="Courier New" panose="02070309020205020404" pitchFamily="49" charset="0"/>
+                <a:cs typeface="Courier New" panose="02070309020205020404" pitchFamily="49" charset="0"/>
+              </a:rPr>
+              <a:t>(mod, events, params, </a:t>
+            </a:r>
+            <a:r>
+              <a:rPr lang="en-US" b="1" dirty="0" err="1">
+                <a:solidFill>
+                  <a:schemeClr val="accent2"/>
+                </a:solidFill>
+                <a:latin typeface="Courier New" panose="02070309020205020404" pitchFamily="49" charset="0"/>
+                <a:cs typeface="Courier New" panose="02070309020205020404" pitchFamily="49" charset="0"/>
+              </a:rPr>
+              <a:t>iCov</a:t>
+            </a:r>
+            <a:r>
+              <a:rPr lang="en-US" b="1" dirty="0">
+                <a:solidFill>
+                  <a:schemeClr val="accent2"/>
+                </a:solidFill>
+                <a:latin typeface="Courier New" panose="02070309020205020404" pitchFamily="49" charset="0"/>
+                <a:cs typeface="Courier New" panose="02070309020205020404" pitchFamily="49" charset="0"/>
+              </a:rPr>
+              <a:t>)</a:t>
+            </a:r>
+          </a:p>
+        </p:txBody>
+      </p:sp>
+    </p:spTree>
+    <p:extLst>
+      <p:ext uri="{BB962C8B-B14F-4D97-AF65-F5344CB8AC3E}">
+        <p14:creationId xmlns:p14="http://schemas.microsoft.com/office/powerpoint/2010/main" val="2115325559"/>
+      </p:ext>
+    </p:extLst>
+  </p:cSld>
+  <p:clrMapOvr>
+    <a:masterClrMapping/>
+  </p:clrMapOvr>
+</p:sld>
+</file>
+
+<file path=ppt/slides/slide23.xml><?xml version="1.0" encoding="utf-8"?>
+<p:sld xmlns:a="http://schemas.openxmlformats.org/drawingml/2006/main" xmlns:r="http://schemas.openxmlformats.org/officeDocument/2006/relationships" xmlns:p="http://schemas.openxmlformats.org/presentationml/2006/main">
+  <p:cSld>
+    <p:spTree>
+      <p:nvGrpSpPr>
+        <p:cNvPr id="1" name=""/>
+        <p:cNvGrpSpPr/>
+        <p:nvPr/>
+      </p:nvGrpSpPr>
+      <p:grpSpPr>
+        <a:xfrm>
+          <a:off x="0" y="0"/>
+          <a:ext cx="0" cy="0"/>
+          <a:chOff x="0" y="0"/>
+          <a:chExt cx="0" cy="0"/>
+        </a:xfrm>
+      </p:grpSpPr>
+      <p:sp>
+        <p:nvSpPr>
+          <p:cNvPr id="2" name="Title 1">
+            <a:extLst>
+              <a:ext uri="{FF2B5EF4-FFF2-40B4-BE49-F238E27FC236}">
+                <a16:creationId xmlns:a16="http://schemas.microsoft.com/office/drawing/2014/main" id="{CCD6F364-6DB6-1EEF-DDD6-8E4A9249E1FB}"/>
+              </a:ext>
+            </a:extLst>
+          </p:cNvPr>
+          <p:cNvSpPr>
+            <a:spLocks noGrp="1"/>
+          </p:cNvSpPr>
+          <p:nvPr>
+            <p:ph type="ctrTitle"/>
+          </p:nvPr>
+        </p:nvSpPr>
+        <p:spPr/>
+        <p:txBody>
+          <a:bodyPr>
+            <a:normAutofit/>
+          </a:bodyPr>
+          <a:lstStyle/>
+          <a:p>
+            <a:r>
+              <a:rPr lang="en-US" dirty="0"/>
+              <a:t>Templated Reporting</a:t>
+            </a:r>
+          </a:p>
+        </p:txBody>
+      </p:sp>
+      <p:sp>
+        <p:nvSpPr>
+          <p:cNvPr id="3" name="Subtitle 2">
+            <a:extLst>
+              <a:ext uri="{FF2B5EF4-FFF2-40B4-BE49-F238E27FC236}">
+                <a16:creationId xmlns:a16="http://schemas.microsoft.com/office/drawing/2014/main" id="{1BE893E1-F898-CF1E-E248-4B618A67CCE4}"/>
+              </a:ext>
+            </a:extLst>
+          </p:cNvPr>
+          <p:cNvSpPr>
+            <a:spLocks noGrp="1"/>
+          </p:cNvSpPr>
+          <p:nvPr>
+            <p:ph type="subTitle" idx="1"/>
+          </p:nvPr>
+        </p:nvSpPr>
+        <p:spPr/>
+        <p:txBody>
+          <a:bodyPr/>
+          <a:lstStyle/>
+          <a:p>
+            <a:r>
+              <a:rPr lang="en-US" dirty="0"/>
+              <a:t>Outputting your work into Word and PowerPoint</a:t>
+            </a:r>
+          </a:p>
+        </p:txBody>
+      </p:sp>
+      <p:pic>
+        <p:nvPicPr>
+          <p:cNvPr id="5" name="Picture 4">
+            <a:extLst>
+              <a:ext uri="{FF2B5EF4-FFF2-40B4-BE49-F238E27FC236}">
+                <a16:creationId xmlns:a16="http://schemas.microsoft.com/office/drawing/2014/main" id="{E25E281B-BC58-33AC-D957-86F8A2BF2DEA}"/>
+              </a:ext>
+            </a:extLst>
+          </p:cNvPr>
+          <p:cNvPicPr>
+            <a:picLocks noChangeAspect="1"/>
+          </p:cNvPicPr>
+          <p:nvPr/>
+        </p:nvPicPr>
+        <p:blipFill>
+          <a:blip r:embed="rId2"/>
+          <a:stretch>
+            <a:fillRect/>
+          </a:stretch>
+        </p:blipFill>
+        <p:spPr>
+          <a:xfrm>
+            <a:off x="10529612" y="5913620"/>
+            <a:ext cx="824186" cy="944380"/>
+          </a:xfrm>
+          <a:prstGeom prst="rect">
+            <a:avLst/>
+          </a:prstGeom>
+        </p:spPr>
+      </p:pic>
+      <p:pic>
+        <p:nvPicPr>
+          <p:cNvPr id="6" name="Picture 5">
+            <a:extLst>
+              <a:ext uri="{FF2B5EF4-FFF2-40B4-BE49-F238E27FC236}">
+                <a16:creationId xmlns:a16="http://schemas.microsoft.com/office/drawing/2014/main" id="{304DB135-B1DE-B12B-5E44-CAD28914BDE0}"/>
+              </a:ext>
+            </a:extLst>
+          </p:cNvPr>
+          <p:cNvPicPr>
+            <a:picLocks noChangeAspect="1"/>
+          </p:cNvPicPr>
+          <p:nvPr/>
+        </p:nvPicPr>
+        <p:blipFill>
+          <a:blip r:embed="rId3"/>
+          <a:stretch>
+            <a:fillRect/>
+          </a:stretch>
+        </p:blipFill>
+        <p:spPr>
+          <a:xfrm>
+            <a:off x="9710117" y="5913620"/>
+            <a:ext cx="819494" cy="951670"/>
+          </a:xfrm>
+          <a:prstGeom prst="rect">
+            <a:avLst/>
+          </a:prstGeom>
+        </p:spPr>
+      </p:pic>
+      <p:pic>
+        <p:nvPicPr>
+          <p:cNvPr id="7" name="Picture 6">
+            <a:extLst>
+              <a:ext uri="{FF2B5EF4-FFF2-40B4-BE49-F238E27FC236}">
+                <a16:creationId xmlns:a16="http://schemas.microsoft.com/office/drawing/2014/main" id="{BBA1F16B-988F-FFDB-C769-BFFEE244063C}"/>
+              </a:ext>
+            </a:extLst>
+          </p:cNvPr>
+          <p:cNvPicPr>
+            <a:picLocks noChangeAspect="1"/>
+          </p:cNvPicPr>
+          <p:nvPr/>
+        </p:nvPicPr>
+        <p:blipFill>
+          <a:blip r:embed="rId4"/>
+          <a:stretch>
+            <a:fillRect/>
+          </a:stretch>
+        </p:blipFill>
+        <p:spPr>
+          <a:xfrm>
+            <a:off x="11353798" y="5894778"/>
+            <a:ext cx="838202" cy="963222"/>
+          </a:xfrm>
+          <a:prstGeom prst="rect">
+            <a:avLst/>
+          </a:prstGeom>
+        </p:spPr>
+      </p:pic>
+    </p:spTree>
+    <p:extLst>
+      <p:ext uri="{BB962C8B-B14F-4D97-AF65-F5344CB8AC3E}">
+        <p14:creationId xmlns:p14="http://schemas.microsoft.com/office/powerpoint/2010/main" val="1871385784"/>
+      </p:ext>
+    </p:extLst>
+  </p:cSld>
+  <p:clrMapOvr>
+    <a:masterClrMapping/>
+  </p:clrMapOvr>
+</p:sld>
+</file>
+
+<file path=ppt/slides/slide24.xml><?xml version="1.0" encoding="utf-8"?>
+<p:sld xmlns:a="http://schemas.openxmlformats.org/drawingml/2006/main" xmlns:r="http://schemas.openxmlformats.org/officeDocument/2006/relationships" xmlns:p="http://schemas.openxmlformats.org/presentationml/2006/main">
+  <p:cSld>
+    <p:spTree>
+      <p:nvGrpSpPr>
+        <p:cNvPr id="1" name=""/>
+        <p:cNvGrpSpPr/>
+        <p:nvPr/>
+      </p:nvGrpSpPr>
+      <p:grpSpPr>
+        <a:xfrm>
+          <a:off x="0" y="0"/>
+          <a:ext cx="0" cy="0"/>
+          <a:chOff x="0" y="0"/>
+          <a:chExt cx="0" cy="0"/>
+        </a:xfrm>
+      </p:grpSpPr>
+      <p:sp>
+        <p:nvSpPr>
+          <p:cNvPr id="2" name="Title 1">
+            <a:extLst>
+              <a:ext uri="{FF2B5EF4-FFF2-40B4-BE49-F238E27FC236}">
+                <a16:creationId xmlns:a16="http://schemas.microsoft.com/office/drawing/2014/main" id="{06C1E19A-E1EC-F3C3-98C1-82E3123CB143}"/>
+              </a:ext>
+            </a:extLst>
+          </p:cNvPr>
+          <p:cNvSpPr>
+            <a:spLocks noGrp="1"/>
+          </p:cNvSpPr>
+          <p:nvPr>
+            <p:ph type="title"/>
+          </p:nvPr>
+        </p:nvSpPr>
+        <p:spPr/>
+        <p:txBody>
+          <a:bodyPr>
+            <a:normAutofit fontScale="90000"/>
+          </a:bodyPr>
+          <a:lstStyle/>
+          <a:p>
+            <a:r>
+              <a:rPr lang="en-US" dirty="0"/>
+              <a:t>Word and PowerPoint Reporting</a:t>
+            </a:r>
+          </a:p>
+        </p:txBody>
+      </p:sp>
+      <p:sp>
+        <p:nvSpPr>
+          <p:cNvPr id="3" name="Content Placeholder 2">
+            <a:extLst>
+              <a:ext uri="{FF2B5EF4-FFF2-40B4-BE49-F238E27FC236}">
+                <a16:creationId xmlns:a16="http://schemas.microsoft.com/office/drawing/2014/main" id="{73F34AAA-C41B-A390-52DC-E471F287753E}"/>
+              </a:ext>
+            </a:extLst>
+          </p:cNvPr>
+          <p:cNvSpPr>
+            <a:spLocks noGrp="1"/>
+          </p:cNvSpPr>
+          <p:nvPr>
+            <p:ph idx="1"/>
+          </p:nvPr>
+        </p:nvSpPr>
+        <p:spPr>
+          <a:xfrm>
+            <a:off x="838200" y="1414914"/>
+            <a:ext cx="10515600" cy="5443085"/>
+          </a:xfrm>
+        </p:spPr>
+        <p:txBody>
+          <a:bodyPr>
+            <a:normAutofit lnSpcReduction="10000"/>
+          </a:bodyPr>
+          <a:lstStyle/>
+          <a:p>
+            <a:r>
+              <a:rPr lang="en-US" dirty="0"/>
+              <a:t>Provides detailed methods to create and modify both Word and PowerPoint files</a:t>
+            </a:r>
+          </a:p>
+          <a:p>
+            <a:r>
+              <a:rPr lang="en-US" dirty="0"/>
+              <a:t>Images from files (</a:t>
+            </a:r>
+            <a:r>
+              <a:rPr lang="en-US" dirty="0" err="1"/>
+              <a:t>png</a:t>
+            </a:r>
+            <a:r>
+              <a:rPr lang="en-US" dirty="0"/>
+              <a:t>, </a:t>
+            </a:r>
+            <a:r>
+              <a:rPr lang="en-US" dirty="0" err="1"/>
+              <a:t>svg</a:t>
+            </a:r>
+            <a:r>
+              <a:rPr lang="en-US" dirty="0"/>
+              <a:t>, </a:t>
+            </a:r>
+            <a:r>
+              <a:rPr lang="en-US" dirty="0" err="1"/>
+              <a:t>etc</a:t>
+            </a:r>
+            <a:r>
+              <a:rPr lang="en-US" dirty="0"/>
+              <a:t>), </a:t>
+            </a:r>
+            <a:r>
+              <a:rPr lang="en-US" dirty="0" err="1"/>
+              <a:t>ggplot</a:t>
+            </a:r>
+            <a:r>
+              <a:rPr lang="en-US" dirty="0"/>
+              <a:t> objects, Office charts (</a:t>
+            </a:r>
+            <a:r>
+              <a:rPr lang="en-US" dirty="0" err="1">
+                <a:hlinkClick r:id="rId2"/>
+              </a:rPr>
+              <a:t>mschart</a:t>
+            </a:r>
+            <a:r>
+              <a:rPr lang="en-US" dirty="0"/>
+              <a:t>)</a:t>
+            </a:r>
+          </a:p>
+          <a:p>
+            <a:r>
+              <a:rPr lang="en-US" dirty="0"/>
+              <a:t>Tables can be office formatted tables or you have have more granular control through </a:t>
+            </a:r>
+            <a:r>
+              <a:rPr lang="en-US" dirty="0" err="1">
+                <a:hlinkClick r:id="rId3"/>
+              </a:rPr>
+              <a:t>flextable</a:t>
+            </a:r>
+            <a:endParaRPr lang="en-US" dirty="0"/>
+          </a:p>
+          <a:p>
+            <a:r>
+              <a:rPr lang="en-US" dirty="0"/>
+              <a:t>Text can utilize styles or you can control the format more explicitly</a:t>
+            </a:r>
+          </a:p>
+          <a:p>
+            <a:r>
+              <a:rPr lang="en-US" dirty="0"/>
+              <a:t>Equations: the </a:t>
+            </a:r>
+            <a:r>
+              <a:rPr lang="en-US" dirty="0">
+                <a:hlinkClick r:id="rId4"/>
+              </a:rPr>
+              <a:t>equatags</a:t>
+            </a:r>
+            <a:r>
+              <a:rPr lang="en-US" dirty="0"/>
+              <a:t> (relatively new)</a:t>
+            </a:r>
+          </a:p>
+          <a:p>
+            <a:r>
+              <a:rPr lang="en-US" dirty="0"/>
+              <a:t>Downsides:</a:t>
+            </a:r>
+          </a:p>
+          <a:p>
+            <a:pPr lvl="1"/>
+            <a:r>
+              <a:rPr lang="en-US" dirty="0"/>
+              <a:t>High level of control means </a:t>
+            </a:r>
+            <a:r>
+              <a:rPr lang="en-US" dirty="0">
+                <a:sym typeface="Wingdings" pitchFamily="2" charset="2"/>
+              </a:rPr>
+              <a:t> complexity</a:t>
+            </a:r>
+            <a:r>
+              <a:rPr lang="en-US" dirty="0"/>
+              <a:t> </a:t>
+            </a:r>
+          </a:p>
+          <a:p>
+            <a:pPr lvl="1"/>
+            <a:r>
+              <a:rPr lang="en-US" dirty="0"/>
+              <a:t>Changes to the code base have broken things for me </a:t>
+            </a:r>
+          </a:p>
+          <a:p>
+            <a:pPr lvl="1"/>
+            <a:r>
+              <a:rPr lang="en-US" dirty="0"/>
+              <a:t>Placeholders in documents are used and can difficult to deal with when templates change</a:t>
+            </a:r>
+          </a:p>
+        </p:txBody>
+      </p:sp>
+      <p:sp>
+        <p:nvSpPr>
+          <p:cNvPr id="4" name="Subtitle 3">
+            <a:extLst>
+              <a:ext uri="{FF2B5EF4-FFF2-40B4-BE49-F238E27FC236}">
+                <a16:creationId xmlns:a16="http://schemas.microsoft.com/office/drawing/2014/main" id="{3DFB509F-E6F1-9BC3-2ABD-3D0BF08CE422}"/>
+              </a:ext>
+            </a:extLst>
+          </p:cNvPr>
+          <p:cNvSpPr>
+            <a:spLocks noGrp="1"/>
+          </p:cNvSpPr>
+          <p:nvPr>
+            <p:ph type="subTitle" idx="13"/>
+          </p:nvPr>
+        </p:nvSpPr>
+        <p:spPr/>
+        <p:txBody>
+          <a:bodyPr/>
+          <a:lstStyle/>
+          <a:p>
+            <a:r>
+              <a:rPr lang="en-US" dirty="0"/>
+              <a:t>If you want absolute control use the officer package</a:t>
+            </a:r>
+          </a:p>
+        </p:txBody>
+      </p:sp>
+      <p:pic>
+        <p:nvPicPr>
+          <p:cNvPr id="9" name="Picture 8">
+            <a:extLst>
+              <a:ext uri="{FF2B5EF4-FFF2-40B4-BE49-F238E27FC236}">
+                <a16:creationId xmlns:a16="http://schemas.microsoft.com/office/drawing/2014/main" id="{B9188C14-F233-CDE7-C6EB-608C0279497F}"/>
+              </a:ext>
+            </a:extLst>
+          </p:cNvPr>
+          <p:cNvPicPr>
+            <a:picLocks noChangeAspect="1"/>
+          </p:cNvPicPr>
+          <p:nvPr/>
+        </p:nvPicPr>
+        <p:blipFill>
+          <a:blip r:embed="rId5"/>
+          <a:stretch>
+            <a:fillRect/>
+          </a:stretch>
+        </p:blipFill>
+        <p:spPr>
+          <a:xfrm>
+            <a:off x="11366286" y="5923555"/>
+            <a:ext cx="819494" cy="951670"/>
+          </a:xfrm>
+          <a:prstGeom prst="rect">
+            <a:avLst/>
+          </a:prstGeom>
+        </p:spPr>
+      </p:pic>
+    </p:spTree>
+    <p:extLst>
+      <p:ext uri="{BB962C8B-B14F-4D97-AF65-F5344CB8AC3E}">
+        <p14:creationId xmlns:p14="http://schemas.microsoft.com/office/powerpoint/2010/main" val="2022632545"/>
+      </p:ext>
+    </p:extLst>
+  </p:cSld>
+  <p:clrMapOvr>
+    <a:masterClrMapping/>
+  </p:clrMapOvr>
+</p:sld>
+</file>
+
+<file path=ppt/slides/slide25.xml><?xml version="1.0" encoding="utf-8"?>
+<p:sld xmlns:a="http://schemas.openxmlformats.org/drawingml/2006/main" xmlns:r="http://schemas.openxmlformats.org/officeDocument/2006/relationships" xmlns:p="http://schemas.openxmlformats.org/presentationml/2006/main">
+  <p:cSld>
+    <p:spTree>
+      <p:nvGrpSpPr>
+        <p:cNvPr id="1" name=""/>
+        <p:cNvGrpSpPr/>
+        <p:nvPr/>
+      </p:nvGrpSpPr>
+      <p:grpSpPr>
+        <a:xfrm>
+          <a:off x="0" y="0"/>
+          <a:ext cx="0" cy="0"/>
+          <a:chOff x="0" y="0"/>
+          <a:chExt cx="0" cy="0"/>
+        </a:xfrm>
+      </p:grpSpPr>
+      <p:sp>
+        <p:nvSpPr>
+          <p:cNvPr id="2" name="Title 1">
+            <a:extLst>
+              <a:ext uri="{FF2B5EF4-FFF2-40B4-BE49-F238E27FC236}">
                 <a16:creationId xmlns:a16="http://schemas.microsoft.com/office/drawing/2014/main" id="{0FC9E21E-A579-A08E-BF3E-A2CF715622BF}"/>
               </a:ext>
             </a:extLst>
@@ -12716,7 +15431,7 @@
 </p:sld>
 </file>
 
-<file path=ppt/slides/slide21.xml><?xml version="1.0" encoding="utf-8"?>
+<file path=ppt/slides/slide26.xml><?xml version="1.0" encoding="utf-8"?>
 <p:sld xmlns:a="http://schemas.openxmlformats.org/drawingml/2006/main" xmlns:r="http://schemas.openxmlformats.org/officeDocument/2006/relationships" xmlns:p="http://schemas.openxmlformats.org/presentationml/2006/main">
   <p:cSld>
     <p:spTree>
@@ -12975,7 +15690,7 @@
 </p:sld>
 </file>
 
-<file path=ppt/slides/slide22.xml><?xml version="1.0" encoding="utf-8"?>
+<file path=ppt/slides/slide27.xml><?xml version="1.0" encoding="utf-8"?>
 <p:sld xmlns:a="http://schemas.openxmlformats.org/drawingml/2006/main" xmlns:r="http://schemas.openxmlformats.org/officeDocument/2006/relationships" xmlns:p="http://schemas.openxmlformats.org/presentationml/2006/main">
   <p:cSld>
     <p:spTree>
@@ -13827,7 +16542,7 @@
 </p:sld>
 </file>
 
-<file path=ppt/slides/slide23.xml><?xml version="1.0" encoding="utf-8"?>
+<file path=ppt/slides/slide28.xml><?xml version="1.0" encoding="utf-8"?>
 <p:sld xmlns:a="http://schemas.openxmlformats.org/drawingml/2006/main" xmlns:r="http://schemas.openxmlformats.org/officeDocument/2006/relationships" xmlns:p="http://schemas.openxmlformats.org/presentationml/2006/main">
   <p:cSld>
     <p:spTree>
@@ -14763,7 +17478,7 @@
 </p:sld>
 </file>
 
-<file path=ppt/slides/slide24.xml><?xml version="1.0" encoding="utf-8"?>
+<file path=ppt/slides/slide29.xml><?xml version="1.0" encoding="utf-8"?>
 <p:sld xmlns:a="http://schemas.openxmlformats.org/drawingml/2006/main" xmlns:r="http://schemas.openxmlformats.org/officeDocument/2006/relationships" xmlns:p="http://schemas.openxmlformats.org/presentationml/2006/main">
   <p:cSld>
     <p:spTree>
@@ -15846,7 +18561,254 @@
 </p:sld>
 </file>
 
-<file path=ppt/slides/slide25.xml><?xml version="1.0" encoding="utf-8"?>
+<file path=ppt/slides/slide3.xml><?xml version="1.0" encoding="utf-8"?>
+<p:sld xmlns:a="http://schemas.openxmlformats.org/drawingml/2006/main" xmlns:r="http://schemas.openxmlformats.org/officeDocument/2006/relationships" xmlns:p="http://schemas.openxmlformats.org/presentationml/2006/main">
+  <p:cSld>
+    <p:spTree>
+      <p:nvGrpSpPr>
+        <p:cNvPr id="1" name=""/>
+        <p:cNvGrpSpPr/>
+        <p:nvPr/>
+      </p:nvGrpSpPr>
+      <p:grpSpPr>
+        <a:xfrm>
+          <a:off x="0" y="0"/>
+          <a:ext cx="0" cy="0"/>
+          <a:chOff x="0" y="0"/>
+          <a:chExt cx="0" cy="0"/>
+        </a:xfrm>
+      </p:grpSpPr>
+      <p:sp>
+        <p:nvSpPr>
+          <p:cNvPr id="2" name="Title 1">
+            <a:extLst>
+              <a:ext uri="{FF2B5EF4-FFF2-40B4-BE49-F238E27FC236}">
+                <a16:creationId xmlns:a16="http://schemas.microsoft.com/office/drawing/2014/main" id="{BFE54777-2319-540A-63E6-7B292FFA12CE}"/>
+              </a:ext>
+            </a:extLst>
+          </p:cNvPr>
+          <p:cNvSpPr>
+            <a:spLocks noGrp="1"/>
+          </p:cNvSpPr>
+          <p:nvPr>
+            <p:ph type="title"/>
+          </p:nvPr>
+        </p:nvSpPr>
+        <p:spPr/>
+        <p:txBody>
+          <a:bodyPr>
+            <a:normAutofit fontScale="90000"/>
+          </a:bodyPr>
+          <a:lstStyle/>
+          <a:p>
+            <a:r>
+              <a:rPr lang="en-US"/>
+              <a:t>ruminate: Data Exploration and Analysis</a:t>
+            </a:r>
+          </a:p>
+        </p:txBody>
+      </p:sp>
+      <p:sp>
+        <p:nvSpPr>
+          <p:cNvPr id="3" name="Content Placeholder 2">
+            <a:extLst>
+              <a:ext uri="{FF2B5EF4-FFF2-40B4-BE49-F238E27FC236}">
+                <a16:creationId xmlns:a16="http://schemas.microsoft.com/office/drawing/2014/main" id="{1CDC6338-FC03-3939-BE60-E8D5A3DA8A58}"/>
+              </a:ext>
+            </a:extLst>
+          </p:cNvPr>
+          <p:cNvSpPr>
+            <a:spLocks noGrp="1"/>
+          </p:cNvSpPr>
+          <p:nvPr>
+            <p:ph idx="1"/>
+          </p:nvPr>
+        </p:nvSpPr>
+        <p:spPr>
+          <a:xfrm>
+            <a:off x="838200" y="1414915"/>
+            <a:ext cx="10515600" cy="5331960"/>
+          </a:xfrm>
+        </p:spPr>
+        <p:txBody>
+          <a:bodyPr>
+            <a:normAutofit lnSpcReduction="10000"/>
+          </a:bodyPr>
+          <a:lstStyle/>
+          <a:p>
+            <a:r>
+              <a:rPr lang="en-US"/>
+              <a:t>Set of Shiny modules to allow users with limited experience use R</a:t>
+            </a:r>
+          </a:p>
+          <a:p>
+            <a:pPr lvl="1"/>
+            <a:r>
+              <a:rPr lang="en-US"/>
+              <a:t>Data wrangling: Transform your data (</a:t>
+            </a:r>
+            <a:r>
+              <a:rPr lang="en-US" err="1"/>
+              <a:t>tidyr</a:t>
+            </a:r>
+            <a:r>
+              <a:rPr lang="en-US"/>
+              <a:t> and </a:t>
+            </a:r>
+            <a:r>
+              <a:rPr lang="en-US" err="1"/>
+              <a:t>dplyr</a:t>
+            </a:r>
+            <a:r>
+              <a:rPr lang="en-US"/>
+              <a:t>)</a:t>
+            </a:r>
+          </a:p>
+          <a:p>
+            <a:pPr lvl="1"/>
+            <a:r>
+              <a:rPr lang="en-US"/>
+              <a:t>Figure generation: Plot your data (ggplot2)</a:t>
+            </a:r>
+          </a:p>
+          <a:p>
+            <a:pPr lvl="1"/>
+            <a:r>
+              <a:rPr lang="en-US"/>
+              <a:t>NCA: Run noncompartmental analysis (PKNCA)</a:t>
+            </a:r>
+          </a:p>
+          <a:p>
+            <a:pPr lvl="1"/>
+            <a:r>
+              <a:rPr lang="en-US"/>
+              <a:t>Model building: Construct ode-based models (</a:t>
+            </a:r>
+            <a:r>
+              <a:rPr lang="en-US" err="1"/>
+              <a:t>rxode</a:t>
+            </a:r>
+            <a:r>
+              <a:rPr lang="en-US"/>
+              <a:t>, in dev)</a:t>
+            </a:r>
+          </a:p>
+          <a:p>
+            <a:pPr lvl="1"/>
+            <a:r>
+              <a:rPr lang="en-US"/>
+              <a:t>Trial simulation: Adaptive trial simulator (rxode2, in dev)</a:t>
+            </a:r>
+          </a:p>
+          <a:p>
+            <a:r>
+              <a:rPr lang="en-US"/>
+              <a:t>Each module element will generate the code to reproduce the element (see in real time the relationship between code and output)</a:t>
+            </a:r>
+          </a:p>
+          <a:p>
+            <a:r>
+              <a:rPr lang="en-US"/>
+              <a:t>Reporting: PowerPoint, Word and Excel</a:t>
+            </a:r>
+          </a:p>
+          <a:p>
+            <a:r>
+              <a:rPr lang="en-US"/>
+              <a:t>Save your analysis:</a:t>
+            </a:r>
+          </a:p>
+          <a:p>
+            <a:pPr lvl="1"/>
+            <a:r>
+              <a:rPr lang="en-US"/>
+              <a:t>Generate a script to reproduce what was done in the app</a:t>
+            </a:r>
+          </a:p>
+          <a:p>
+            <a:pPr lvl="1"/>
+            <a:r>
+              <a:rPr lang="en-US"/>
+              <a:t>Return and load the analysis later</a:t>
+            </a:r>
+          </a:p>
+          <a:p>
+            <a:r>
+              <a:rPr lang="en-US"/>
+              <a:t>Generate workflows to apply an analysis to new datasets</a:t>
+            </a:r>
+          </a:p>
+        </p:txBody>
+      </p:sp>
+      <p:sp>
+        <p:nvSpPr>
+          <p:cNvPr id="4" name="Subtitle 3">
+            <a:extLst>
+              <a:ext uri="{FF2B5EF4-FFF2-40B4-BE49-F238E27FC236}">
+                <a16:creationId xmlns:a16="http://schemas.microsoft.com/office/drawing/2014/main" id="{C9879F46-9874-B5E7-8C56-8DEAE86D985C}"/>
+              </a:ext>
+            </a:extLst>
+          </p:cNvPr>
+          <p:cNvSpPr>
+            <a:spLocks noGrp="1"/>
+          </p:cNvSpPr>
+          <p:nvPr>
+            <p:ph type="subTitle" idx="13"/>
+          </p:nvPr>
+        </p:nvSpPr>
+        <p:spPr/>
+        <p:txBody>
+          <a:bodyPr/>
+          <a:lstStyle/>
+          <a:p>
+            <a:endParaRPr lang="en-US"/>
+          </a:p>
+        </p:txBody>
+      </p:sp>
+      <p:pic>
+        <p:nvPicPr>
+          <p:cNvPr id="5" name="Picture 4">
+            <a:extLst>
+              <a:ext uri="{FF2B5EF4-FFF2-40B4-BE49-F238E27FC236}">
+                <a16:creationId xmlns:a16="http://schemas.microsoft.com/office/drawing/2014/main" id="{6F0C5065-2416-2BFC-BB9E-DC478DD30836}"/>
+              </a:ext>
+            </a:extLst>
+          </p:cNvPr>
+          <p:cNvPicPr>
+            <a:picLocks noChangeAspect="1"/>
+          </p:cNvPicPr>
+          <p:nvPr/>
+        </p:nvPicPr>
+        <p:blipFill>
+          <a:blip r:embed="rId2"/>
+          <a:stretch>
+            <a:fillRect/>
+          </a:stretch>
+        </p:blipFill>
+        <p:spPr>
+          <a:xfrm>
+            <a:off x="11366156" y="5913620"/>
+            <a:ext cx="813217" cy="944380"/>
+          </a:xfrm>
+          <a:prstGeom prst="rect">
+            <a:avLst/>
+          </a:prstGeom>
+        </p:spPr>
+      </p:pic>
+    </p:spTree>
+    <p:extLst>
+      <p:ext uri="{BB962C8B-B14F-4D97-AF65-F5344CB8AC3E}">
+        <p14:creationId xmlns:p14="http://schemas.microsoft.com/office/powerpoint/2010/main" val="199544804"/>
+      </p:ext>
+    </p:extLst>
+  </p:cSld>
+  <p:clrMapOvr>
+    <a:masterClrMapping/>
+  </p:clrMapOvr>
+</p:sld>
+</file>
+
+<file path=ppt/slides/slide30.xml><?xml version="1.0" encoding="utf-8"?>
 <p:sld xmlns:a="http://schemas.openxmlformats.org/drawingml/2006/main" xmlns:r="http://schemas.openxmlformats.org/officeDocument/2006/relationships" xmlns:p="http://schemas.openxmlformats.org/presentationml/2006/main">
   <p:cSld>
     <p:spTree>
@@ -17080,7 +20042,7 @@
 </p:sld>
 </file>
 
-<file path=ppt/slides/slide26.xml><?xml version="1.0" encoding="utf-8"?>
+<file path=ppt/slides/slide31.xml><?xml version="1.0" encoding="utf-8"?>
 <p:sld xmlns:a="http://schemas.openxmlformats.org/drawingml/2006/main" xmlns:r="http://schemas.openxmlformats.org/officeDocument/2006/relationships" xmlns:p="http://schemas.openxmlformats.org/presentationml/2006/main">
   <p:cSld>
     <p:spTree>
@@ -17391,7 +20353,7 @@
 </p:sld>
 </file>
 
-<file path=ppt/slides/slide27.xml><?xml version="1.0" encoding="utf-8"?>
+<file path=ppt/slides/slide32.xml><?xml version="1.0" encoding="utf-8"?>
 <p:sld xmlns:a="http://schemas.openxmlformats.org/drawingml/2006/main" xmlns:r="http://schemas.openxmlformats.org/officeDocument/2006/relationships" xmlns:p="http://schemas.openxmlformats.org/presentationml/2006/main">
   <p:cSld>
     <p:spTree>
@@ -18547,253 +21509,6 @@
     <p:extLst>
       <p:ext uri="{BB962C8B-B14F-4D97-AF65-F5344CB8AC3E}">
         <p14:creationId xmlns:p14="http://schemas.microsoft.com/office/powerpoint/2010/main" val="766224022"/>
-      </p:ext>
-    </p:extLst>
-  </p:cSld>
-  <p:clrMapOvr>
-    <a:masterClrMapping/>
-  </p:clrMapOvr>
-</p:sld>
-</file>
-
-<file path=ppt/slides/slide3.xml><?xml version="1.0" encoding="utf-8"?>
-<p:sld xmlns:a="http://schemas.openxmlformats.org/drawingml/2006/main" xmlns:r="http://schemas.openxmlformats.org/officeDocument/2006/relationships" xmlns:p="http://schemas.openxmlformats.org/presentationml/2006/main">
-  <p:cSld>
-    <p:spTree>
-      <p:nvGrpSpPr>
-        <p:cNvPr id="1" name=""/>
-        <p:cNvGrpSpPr/>
-        <p:nvPr/>
-      </p:nvGrpSpPr>
-      <p:grpSpPr>
-        <a:xfrm>
-          <a:off x="0" y="0"/>
-          <a:ext cx="0" cy="0"/>
-          <a:chOff x="0" y="0"/>
-          <a:chExt cx="0" cy="0"/>
-        </a:xfrm>
-      </p:grpSpPr>
-      <p:sp>
-        <p:nvSpPr>
-          <p:cNvPr id="2" name="Title 1">
-            <a:extLst>
-              <a:ext uri="{FF2B5EF4-FFF2-40B4-BE49-F238E27FC236}">
-                <a16:creationId xmlns:a16="http://schemas.microsoft.com/office/drawing/2014/main" id="{BFE54777-2319-540A-63E6-7B292FFA12CE}"/>
-              </a:ext>
-            </a:extLst>
-          </p:cNvPr>
-          <p:cNvSpPr>
-            <a:spLocks noGrp="1"/>
-          </p:cNvSpPr>
-          <p:nvPr>
-            <p:ph type="title"/>
-          </p:nvPr>
-        </p:nvSpPr>
-        <p:spPr/>
-        <p:txBody>
-          <a:bodyPr>
-            <a:normAutofit fontScale="90000"/>
-          </a:bodyPr>
-          <a:lstStyle/>
-          <a:p>
-            <a:r>
-              <a:rPr lang="en-US"/>
-              <a:t>ruminate: Data Exploration and Analysis</a:t>
-            </a:r>
-          </a:p>
-        </p:txBody>
-      </p:sp>
-      <p:sp>
-        <p:nvSpPr>
-          <p:cNvPr id="3" name="Content Placeholder 2">
-            <a:extLst>
-              <a:ext uri="{FF2B5EF4-FFF2-40B4-BE49-F238E27FC236}">
-                <a16:creationId xmlns:a16="http://schemas.microsoft.com/office/drawing/2014/main" id="{1CDC6338-FC03-3939-BE60-E8D5A3DA8A58}"/>
-              </a:ext>
-            </a:extLst>
-          </p:cNvPr>
-          <p:cNvSpPr>
-            <a:spLocks noGrp="1"/>
-          </p:cNvSpPr>
-          <p:nvPr>
-            <p:ph idx="1"/>
-          </p:nvPr>
-        </p:nvSpPr>
-        <p:spPr>
-          <a:xfrm>
-            <a:off x="838200" y="1414915"/>
-            <a:ext cx="10515600" cy="5331960"/>
-          </a:xfrm>
-        </p:spPr>
-        <p:txBody>
-          <a:bodyPr>
-            <a:normAutofit lnSpcReduction="10000"/>
-          </a:bodyPr>
-          <a:lstStyle/>
-          <a:p>
-            <a:r>
-              <a:rPr lang="en-US"/>
-              <a:t>Set of Shiny modules to allow users with limited experience use R</a:t>
-            </a:r>
-          </a:p>
-          <a:p>
-            <a:pPr lvl="1"/>
-            <a:r>
-              <a:rPr lang="en-US"/>
-              <a:t>Data wrangling: Transform your data (</a:t>
-            </a:r>
-            <a:r>
-              <a:rPr lang="en-US" err="1"/>
-              <a:t>tidyr</a:t>
-            </a:r>
-            <a:r>
-              <a:rPr lang="en-US"/>
-              <a:t> and </a:t>
-            </a:r>
-            <a:r>
-              <a:rPr lang="en-US" err="1"/>
-              <a:t>dplyr</a:t>
-            </a:r>
-            <a:r>
-              <a:rPr lang="en-US"/>
-              <a:t>)</a:t>
-            </a:r>
-          </a:p>
-          <a:p>
-            <a:pPr lvl="1"/>
-            <a:r>
-              <a:rPr lang="en-US"/>
-              <a:t>Figure generation: Plot your data (ggplot2)</a:t>
-            </a:r>
-          </a:p>
-          <a:p>
-            <a:pPr lvl="1"/>
-            <a:r>
-              <a:rPr lang="en-US"/>
-              <a:t>NCA: Run noncompartmental analysis (PKNCA)</a:t>
-            </a:r>
-          </a:p>
-          <a:p>
-            <a:pPr lvl="1"/>
-            <a:r>
-              <a:rPr lang="en-US"/>
-              <a:t>Model building: Construct ode-based models (</a:t>
-            </a:r>
-            <a:r>
-              <a:rPr lang="en-US" err="1"/>
-              <a:t>rxode</a:t>
-            </a:r>
-            <a:r>
-              <a:rPr lang="en-US"/>
-              <a:t>, in dev)</a:t>
-            </a:r>
-          </a:p>
-          <a:p>
-            <a:pPr lvl="1"/>
-            <a:r>
-              <a:rPr lang="en-US"/>
-              <a:t>Trial simulation: Adaptive trial simulator (rxode2, in dev)</a:t>
-            </a:r>
-          </a:p>
-          <a:p>
-            <a:r>
-              <a:rPr lang="en-US"/>
-              <a:t>Each module element will generate the code to reproduce the element (see in real time the relationship between code and output)</a:t>
-            </a:r>
-          </a:p>
-          <a:p>
-            <a:r>
-              <a:rPr lang="en-US"/>
-              <a:t>Reporting: PowerPoint, Word and Excel</a:t>
-            </a:r>
-          </a:p>
-          <a:p>
-            <a:r>
-              <a:rPr lang="en-US"/>
-              <a:t>Save your analysis:</a:t>
-            </a:r>
-          </a:p>
-          <a:p>
-            <a:pPr lvl="1"/>
-            <a:r>
-              <a:rPr lang="en-US"/>
-              <a:t>Generate a script to reproduce what was done in the app</a:t>
-            </a:r>
-          </a:p>
-          <a:p>
-            <a:pPr lvl="1"/>
-            <a:r>
-              <a:rPr lang="en-US"/>
-              <a:t>Return and load the analysis later</a:t>
-            </a:r>
-          </a:p>
-          <a:p>
-            <a:r>
-              <a:rPr lang="en-US"/>
-              <a:t>Generate workflows to apply an analysis to new datasets</a:t>
-            </a:r>
-          </a:p>
-        </p:txBody>
-      </p:sp>
-      <p:sp>
-        <p:nvSpPr>
-          <p:cNvPr id="4" name="Subtitle 3">
-            <a:extLst>
-              <a:ext uri="{FF2B5EF4-FFF2-40B4-BE49-F238E27FC236}">
-                <a16:creationId xmlns:a16="http://schemas.microsoft.com/office/drawing/2014/main" id="{C9879F46-9874-B5E7-8C56-8DEAE86D985C}"/>
-              </a:ext>
-            </a:extLst>
-          </p:cNvPr>
-          <p:cNvSpPr>
-            <a:spLocks noGrp="1"/>
-          </p:cNvSpPr>
-          <p:nvPr>
-            <p:ph type="subTitle" idx="13"/>
-          </p:nvPr>
-        </p:nvSpPr>
-        <p:spPr/>
-        <p:txBody>
-          <a:bodyPr/>
-          <a:lstStyle/>
-          <a:p>
-            <a:endParaRPr lang="en-US"/>
-          </a:p>
-        </p:txBody>
-      </p:sp>
-      <p:pic>
-        <p:nvPicPr>
-          <p:cNvPr id="5" name="Picture 4">
-            <a:extLst>
-              <a:ext uri="{FF2B5EF4-FFF2-40B4-BE49-F238E27FC236}">
-                <a16:creationId xmlns:a16="http://schemas.microsoft.com/office/drawing/2014/main" id="{6F0C5065-2416-2BFC-BB9E-DC478DD30836}"/>
-              </a:ext>
-            </a:extLst>
-          </p:cNvPr>
-          <p:cNvPicPr>
-            <a:picLocks noChangeAspect="1"/>
-          </p:cNvPicPr>
-          <p:nvPr/>
-        </p:nvPicPr>
-        <p:blipFill>
-          <a:blip r:embed="rId2"/>
-          <a:stretch>
-            <a:fillRect/>
-          </a:stretch>
-        </p:blipFill>
-        <p:spPr>
-          <a:xfrm>
-            <a:off x="11366156" y="5913620"/>
-            <a:ext cx="813217" cy="944380"/>
-          </a:xfrm>
-          <a:prstGeom prst="rect">
-            <a:avLst/>
-          </a:prstGeom>
-        </p:spPr>
-      </p:pic>
-    </p:spTree>
-    <p:extLst>
-      <p:ext uri="{BB962C8B-B14F-4D97-AF65-F5344CB8AC3E}">
-        <p14:creationId xmlns:p14="http://schemas.microsoft.com/office/powerpoint/2010/main" val="199544804"/>
       </p:ext>
     </p:extLst>
   </p:cSld>
